--- a/se/slides/04_UML_Structure.pptx
+++ b/se/slides/04_UML_Structure.pptx
@@ -5,10 +5,10 @@
     <p:sldMasterId id="2147483674" r:id="rId1"/>
   </p:sldMasterIdLst>
   <p:notesMasterIdLst>
-    <p:notesMasterId r:id="rId68"/>
+    <p:notesMasterId r:id="rId69"/>
   </p:notesMasterIdLst>
   <p:handoutMasterIdLst>
-    <p:handoutMasterId r:id="rId69"/>
+    <p:handoutMasterId r:id="rId70"/>
   </p:handoutMasterIdLst>
   <p:sldIdLst>
     <p:sldId id="315" r:id="rId2"/>
@@ -41,42 +41,43 @@
     <p:sldId id="281" r:id="rId29"/>
     <p:sldId id="314" r:id="rId30"/>
     <p:sldId id="310" r:id="rId31"/>
-    <p:sldId id="307" r:id="rId32"/>
-    <p:sldId id="284" r:id="rId33"/>
-    <p:sldId id="285" r:id="rId34"/>
-    <p:sldId id="286" r:id="rId35"/>
-    <p:sldId id="311" r:id="rId36"/>
-    <p:sldId id="287" r:id="rId37"/>
-    <p:sldId id="316" r:id="rId38"/>
-    <p:sldId id="317" r:id="rId39"/>
-    <p:sldId id="318" r:id="rId40"/>
-    <p:sldId id="319" r:id="rId41"/>
-    <p:sldId id="320" r:id="rId42"/>
-    <p:sldId id="321" r:id="rId43"/>
-    <p:sldId id="322" r:id="rId44"/>
-    <p:sldId id="323" r:id="rId45"/>
-    <p:sldId id="324" r:id="rId46"/>
-    <p:sldId id="325" r:id="rId47"/>
-    <p:sldId id="326" r:id="rId48"/>
-    <p:sldId id="327" r:id="rId49"/>
-    <p:sldId id="328" r:id="rId50"/>
-    <p:sldId id="329" r:id="rId51"/>
-    <p:sldId id="330" r:id="rId52"/>
-    <p:sldId id="331" r:id="rId53"/>
-    <p:sldId id="332" r:id="rId54"/>
-    <p:sldId id="333" r:id="rId55"/>
-    <p:sldId id="334" r:id="rId56"/>
-    <p:sldId id="335" r:id="rId57"/>
-    <p:sldId id="336" r:id="rId58"/>
-    <p:sldId id="337" r:id="rId59"/>
-    <p:sldId id="338" r:id="rId60"/>
-    <p:sldId id="339" r:id="rId61"/>
-    <p:sldId id="340" r:id="rId62"/>
-    <p:sldId id="341" r:id="rId63"/>
-    <p:sldId id="342" r:id="rId64"/>
-    <p:sldId id="294" r:id="rId65"/>
-    <p:sldId id="343" r:id="rId66"/>
-    <p:sldId id="301" r:id="rId67"/>
+    <p:sldId id="345" r:id="rId32"/>
+    <p:sldId id="307" r:id="rId33"/>
+    <p:sldId id="284" r:id="rId34"/>
+    <p:sldId id="285" r:id="rId35"/>
+    <p:sldId id="286" r:id="rId36"/>
+    <p:sldId id="311" r:id="rId37"/>
+    <p:sldId id="287" r:id="rId38"/>
+    <p:sldId id="316" r:id="rId39"/>
+    <p:sldId id="317" r:id="rId40"/>
+    <p:sldId id="318" r:id="rId41"/>
+    <p:sldId id="319" r:id="rId42"/>
+    <p:sldId id="320" r:id="rId43"/>
+    <p:sldId id="321" r:id="rId44"/>
+    <p:sldId id="322" r:id="rId45"/>
+    <p:sldId id="323" r:id="rId46"/>
+    <p:sldId id="324" r:id="rId47"/>
+    <p:sldId id="325" r:id="rId48"/>
+    <p:sldId id="326" r:id="rId49"/>
+    <p:sldId id="327" r:id="rId50"/>
+    <p:sldId id="328" r:id="rId51"/>
+    <p:sldId id="329" r:id="rId52"/>
+    <p:sldId id="330" r:id="rId53"/>
+    <p:sldId id="331" r:id="rId54"/>
+    <p:sldId id="332" r:id="rId55"/>
+    <p:sldId id="333" r:id="rId56"/>
+    <p:sldId id="334" r:id="rId57"/>
+    <p:sldId id="335" r:id="rId58"/>
+    <p:sldId id="336" r:id="rId59"/>
+    <p:sldId id="337" r:id="rId60"/>
+    <p:sldId id="338" r:id="rId61"/>
+    <p:sldId id="339" r:id="rId62"/>
+    <p:sldId id="340" r:id="rId63"/>
+    <p:sldId id="341" r:id="rId64"/>
+    <p:sldId id="342" r:id="rId65"/>
+    <p:sldId id="294" r:id="rId66"/>
+    <p:sldId id="343" r:id="rId67"/>
+    <p:sldId id="301" r:id="rId68"/>
   </p:sldIdLst>
   <p:sldSz cx="12192000" cy="6858000"/>
   <p:notesSz cx="6858000" cy="9144000"/>
@@ -6472,7 +6473,7 @@
       </p:grpSpPr>
       <p:sp>
         <p:nvSpPr>
-          <p:cNvPr id="44033" name="Folienbildplatzhalter 1"/>
+          <p:cNvPr id="2" name="Folienbildplatzhalter 1"/>
           <p:cNvSpPr>
             <a:spLocks noGrp="1" noRot="1" noChangeAspect="1"/>
           </p:cNvSpPr>
@@ -6480,25 +6481,16 @@
             <p:ph type="sldImg"/>
           </p:nvPr>
         </p:nvSpPr>
-        <p:spPr bwMode="auto">
+        <p:spPr>
           <a:xfrm>
             <a:off x="382588" y="685800"/>
             <a:ext cx="6091237" cy="3427413"/>
           </a:xfrm>
-          <a:noFill/>
-          <a:ln>
-            <a:solidFill>
-              <a:srgbClr val="000000"/>
-            </a:solidFill>
-            <a:miter lim="800000"/>
-            <a:headEnd/>
-            <a:tailEnd/>
-          </a:ln>
         </p:spPr>
       </p:sp>
       <p:sp>
         <p:nvSpPr>
-          <p:cNvPr id="44034" name="Notizenplatzhalter 2"/>
+          <p:cNvPr id="3" name="Notizenplatzhalter 2"/>
           <p:cNvSpPr>
             <a:spLocks noGrp="1"/>
           </p:cNvSpPr>
@@ -6506,102 +6498,50 @@
             <p:ph type="body" idx="1"/>
           </p:nvPr>
         </p:nvSpPr>
-        <p:spPr bwMode="auto">
-          <a:noFill/>
-        </p:spPr>
+        <p:spPr/>
         <p:txBody>
-          <a:bodyPr wrap="square" numCol="1" anchor="t" anchorCtr="0" compatLnSpc="1">
-            <a:prstTxWarp prst="textNoShape">
-              <a:avLst/>
-            </a:prstTxWarp>
-          </a:bodyPr>
+          <a:bodyPr/>
           <a:lstStyle/>
           <a:p>
-            <a:pPr eaLnBrk="1" hangingPunct="1">
-              <a:spcBef>
-                <a:spcPct val="0"/>
-              </a:spcBef>
-            </a:pPr>
-            <a:r>
-              <a:rPr lang="de-DE"/>
-              <a:t>Zeit Folie : Zeit Gesamt (geschätzt)</a:t>
-            </a:r>
-          </a:p>
-          <a:p>
-            <a:pPr eaLnBrk="1" hangingPunct="1">
-              <a:spcBef>
-                <a:spcPct val="0"/>
-              </a:spcBef>
-            </a:pPr>
-            <a:r>
-              <a:rPr lang="de-DE"/>
-              <a:t>0 : 35</a:t>
-            </a:r>
+            <a:endParaRPr lang="de-DE" dirty="0"/>
           </a:p>
         </p:txBody>
       </p:sp>
       <p:sp>
         <p:nvSpPr>
-          <p:cNvPr id="44035" name="Foliennummernplatzhalter 3"/>
+          <p:cNvPr id="4" name="Foliennummernplatzhalter 3"/>
           <p:cNvSpPr>
             <a:spLocks noGrp="1"/>
           </p:cNvSpPr>
           <p:nvPr>
-            <p:ph type="sldNum" sz="quarter" idx="5"/>
+            <p:ph type="sldNum" idx="10"/>
           </p:nvPr>
         </p:nvSpPr>
-        <p:spPr bwMode="auto">
-          <a:ln>
-            <a:miter lim="800000"/>
-            <a:headEnd/>
-            <a:tailEnd/>
-          </a:ln>
-        </p:spPr>
+        <p:spPr/>
         <p:txBody>
-          <a:bodyPr wrap="square" numCol="1" anchorCtr="0" compatLnSpc="1">
-            <a:prstTxWarp prst="textNoShape">
-              <a:avLst/>
-            </a:prstTxWarp>
-          </a:bodyPr>
+          <a:bodyPr/>
           <a:lstStyle/>
           <a:p>
-            <a:pPr fontAlgn="base">
-              <a:spcBef>
-                <a:spcPct val="0"/>
-              </a:spcBef>
-              <a:spcAft>
-                <a:spcPct val="0"/>
-              </a:spcAft>
+            <a:pPr>
               <a:defRPr/>
             </a:pPr>
-            <a:fld id="{433FCC99-5579-42CB-A178-85E6E88DD66A}" type="slidenum">
-              <a:rPr lang="de-DE">
-                <a:solidFill>
-                  <a:prstClr val="black"/>
-                </a:solidFill>
-                <a:cs typeface="Arial" charset="0"/>
-              </a:rPr>
-              <a:pPr fontAlgn="base">
-                <a:spcBef>
-                  <a:spcPct val="0"/>
-                </a:spcBef>
-                <a:spcAft>
-                  <a:spcPct val="0"/>
-                </a:spcAft>
+            <a:fld id="{83B4AF3F-7429-4DFB-971D-8D126769C7AD}" type="slidenum">
+              <a:rPr lang="en-GB" smtClean="0"/>
+              <a:pPr>
                 <a:defRPr/>
               </a:pPr>
               <a:t>31</a:t>
             </a:fld>
-            <a:endParaRPr lang="de-DE">
-              <a:solidFill>
-                <a:prstClr val="black"/>
-              </a:solidFill>
-              <a:cs typeface="Arial" charset="0"/>
-            </a:endParaRPr>
+            <a:endParaRPr lang="en-GB"/>
           </a:p>
         </p:txBody>
       </p:sp>
     </p:spTree>
+    <p:extLst>
+      <p:ext uri="{BB962C8B-B14F-4D97-AF65-F5344CB8AC3E}">
+        <p14:creationId xmlns:p14="http://schemas.microsoft.com/office/powerpoint/2010/main" val="691627099"/>
+      </p:ext>
+    </p:extLst>
   </p:cSld>
   <p:clrMapOvr>
     <a:masterClrMapping/>
@@ -6628,7 +6568,163 @@
       </p:grpSpPr>
       <p:sp>
         <p:nvSpPr>
-          <p:cNvPr id="65538" name="Rectangle 7"/>
+          <p:cNvPr id="44033" name="Folienbildplatzhalter 1"/>
+          <p:cNvSpPr>
+            <a:spLocks noGrp="1" noRot="1" noChangeAspect="1"/>
+          </p:cNvSpPr>
+          <p:nvPr>
+            <p:ph type="sldImg"/>
+          </p:nvPr>
+        </p:nvSpPr>
+        <p:spPr bwMode="auto">
+          <a:xfrm>
+            <a:off x="382588" y="685800"/>
+            <a:ext cx="6091237" cy="3427413"/>
+          </a:xfrm>
+          <a:noFill/>
+          <a:ln>
+            <a:solidFill>
+              <a:srgbClr val="000000"/>
+            </a:solidFill>
+            <a:miter lim="800000"/>
+            <a:headEnd/>
+            <a:tailEnd/>
+          </a:ln>
+        </p:spPr>
+      </p:sp>
+      <p:sp>
+        <p:nvSpPr>
+          <p:cNvPr id="44034" name="Notizenplatzhalter 2"/>
+          <p:cNvSpPr>
+            <a:spLocks noGrp="1"/>
+          </p:cNvSpPr>
+          <p:nvPr>
+            <p:ph type="body" idx="1"/>
+          </p:nvPr>
+        </p:nvSpPr>
+        <p:spPr bwMode="auto">
+          <a:noFill/>
+        </p:spPr>
+        <p:txBody>
+          <a:bodyPr wrap="square" numCol="1" anchor="t" anchorCtr="0" compatLnSpc="1">
+            <a:prstTxWarp prst="textNoShape">
+              <a:avLst/>
+            </a:prstTxWarp>
+          </a:bodyPr>
+          <a:lstStyle/>
+          <a:p>
+            <a:pPr eaLnBrk="1" hangingPunct="1">
+              <a:spcBef>
+                <a:spcPct val="0"/>
+              </a:spcBef>
+            </a:pPr>
+            <a:r>
+              <a:rPr lang="de-DE"/>
+              <a:t>Zeit Folie : Zeit Gesamt (geschätzt)</a:t>
+            </a:r>
+          </a:p>
+          <a:p>
+            <a:pPr eaLnBrk="1" hangingPunct="1">
+              <a:spcBef>
+                <a:spcPct val="0"/>
+              </a:spcBef>
+            </a:pPr>
+            <a:r>
+              <a:rPr lang="de-DE"/>
+              <a:t>0 : 35</a:t>
+            </a:r>
+          </a:p>
+        </p:txBody>
+      </p:sp>
+      <p:sp>
+        <p:nvSpPr>
+          <p:cNvPr id="44035" name="Foliennummernplatzhalter 3"/>
+          <p:cNvSpPr>
+            <a:spLocks noGrp="1"/>
+          </p:cNvSpPr>
+          <p:nvPr>
+            <p:ph type="sldNum" sz="quarter" idx="5"/>
+          </p:nvPr>
+        </p:nvSpPr>
+        <p:spPr bwMode="auto">
+          <a:ln>
+            <a:miter lim="800000"/>
+            <a:headEnd/>
+            <a:tailEnd/>
+          </a:ln>
+        </p:spPr>
+        <p:txBody>
+          <a:bodyPr wrap="square" numCol="1" anchorCtr="0" compatLnSpc="1">
+            <a:prstTxWarp prst="textNoShape">
+              <a:avLst/>
+            </a:prstTxWarp>
+          </a:bodyPr>
+          <a:lstStyle/>
+          <a:p>
+            <a:pPr fontAlgn="base">
+              <a:spcBef>
+                <a:spcPct val="0"/>
+              </a:spcBef>
+              <a:spcAft>
+                <a:spcPct val="0"/>
+              </a:spcAft>
+              <a:defRPr/>
+            </a:pPr>
+            <a:fld id="{433FCC99-5579-42CB-A178-85E6E88DD66A}" type="slidenum">
+              <a:rPr lang="de-DE">
+                <a:solidFill>
+                  <a:prstClr val="black"/>
+                </a:solidFill>
+                <a:cs typeface="Arial" charset="0"/>
+              </a:rPr>
+              <a:pPr fontAlgn="base">
+                <a:spcBef>
+                  <a:spcPct val="0"/>
+                </a:spcBef>
+                <a:spcAft>
+                  <a:spcPct val="0"/>
+                </a:spcAft>
+                <a:defRPr/>
+              </a:pPr>
+              <a:t>32</a:t>
+            </a:fld>
+            <a:endParaRPr lang="de-DE">
+              <a:solidFill>
+                <a:prstClr val="black"/>
+              </a:solidFill>
+              <a:cs typeface="Arial" charset="0"/>
+            </a:endParaRPr>
+          </a:p>
+        </p:txBody>
+      </p:sp>
+    </p:spTree>
+  </p:cSld>
+  <p:clrMapOvr>
+    <a:masterClrMapping/>
+  </p:clrMapOvr>
+</p:notes>
+</file>
+
+<file path=ppt/notesSlides/notesSlide3.xml><?xml version="1.0" encoding="utf-8"?>
+<p:notes xmlns:a="http://schemas.openxmlformats.org/drawingml/2006/main" xmlns:r="http://schemas.openxmlformats.org/officeDocument/2006/relationships" xmlns:p="http://schemas.openxmlformats.org/presentationml/2006/main">
+  <p:cSld>
+    <p:spTree>
+      <p:nvGrpSpPr>
+        <p:cNvPr id="1" name=""/>
+        <p:cNvGrpSpPr/>
+        <p:nvPr/>
+      </p:nvGrpSpPr>
+      <p:grpSpPr>
+        <a:xfrm>
+          <a:off x="0" y="0"/>
+          <a:ext cx="0" cy="0"/>
+          <a:chOff x="0" y="0"/>
+          <a:chExt cx="0" cy="0"/>
+        </a:xfrm>
+      </p:grpSpPr>
+      <p:sp>
+        <p:nvSpPr>
+          <p:cNvPr id="43010" name="Rectangle 7"/>
           <p:cNvSpPr>
             <a:spLocks noGrp="1" noChangeArrowheads="1"/>
           </p:cNvSpPr>
@@ -6836,7 +6932,7 @@
           </a:lstStyle>
           <a:p>
             <a:pPr eaLnBrk="1" hangingPunct="1"/>
-            <a:fld id="{7236FF92-1D67-4564-AD9E-B43DB64D5DFE}" type="slidenum">
+            <a:fld id="{1BAE2FF4-14A7-434A-A75B-5A70CB0D0517}" type="slidenum">
               <a:rPr lang="en-GB" b="0">
                 <a:solidFill>
                   <a:srgbClr val="000000"/>
@@ -6844,7 +6940,7 @@
                 <a:latin typeface="Times New Roman" pitchFamily="18" charset="0"/>
               </a:rPr>
               <a:pPr eaLnBrk="1" hangingPunct="1"/>
-              <a:t>32</a:t>
+              <a:t>4</a:t>
             </a:fld>
             <a:endParaRPr lang="en-GB" b="0">
               <a:solidFill>
@@ -6857,7 +6953,7 @@
       </p:sp>
       <p:sp>
         <p:nvSpPr>
-          <p:cNvPr id="65539" name="Rectangle 2"/>
+          <p:cNvPr id="43011" name="Rectangle 2"/>
           <p:cNvSpPr>
             <a:spLocks noGrp="1" noRot="1" noChangeAspect="1" noChangeArrowheads="1" noTextEdit="1"/>
           </p:cNvSpPr>
@@ -6874,7 +6970,7 @@
       </p:sp>
       <p:sp>
         <p:nvSpPr>
-          <p:cNvPr id="65540" name="Rectangle 3"/>
+          <p:cNvPr id="43012" name="Rectangle 3"/>
           <p:cNvSpPr>
             <a:spLocks noGrp="1" noChangeArrowheads="1"/>
           </p:cNvSpPr>
@@ -6894,15 +6990,7 @@
           <a:lstStyle/>
           <a:p>
             <a:pPr defTabSz="914400"/>
-            <a:r>
-              <a:rPr lang="de-DE" smtClean="0"/>
-              <a:t>Achtung:</a:t>
-            </a:r>
-            <a:r>
-              <a:rPr lang="de-DE" baseline="0" smtClean="0"/>
-              <a:t> Es heißt generalisierung, aber es ist eine spezialisierung</a:t>
-            </a:r>
-            <a:endParaRPr lang="en-US" dirty="0"/>
+            <a:endParaRPr lang="en-US"/>
           </a:p>
         </p:txBody>
       </p:sp>
@@ -6914,7 +7002,7 @@
 </p:notes>
 </file>
 
-<file path=ppt/notesSlides/notesSlide3.xml><?xml version="1.0" encoding="utf-8"?>
+<file path=ppt/notesSlides/notesSlide30.xml><?xml version="1.0" encoding="utf-8"?>
 <p:notes xmlns:a="http://schemas.openxmlformats.org/drawingml/2006/main" xmlns:r="http://schemas.openxmlformats.org/officeDocument/2006/relationships" xmlns:p="http://schemas.openxmlformats.org/presentationml/2006/main">
   <p:cSld>
     <p:spTree>
@@ -6933,7 +7021,7 @@
       </p:grpSpPr>
       <p:sp>
         <p:nvSpPr>
-          <p:cNvPr id="43010" name="Rectangle 7"/>
+          <p:cNvPr id="65538" name="Rectangle 7"/>
           <p:cNvSpPr>
             <a:spLocks noGrp="1" noChangeArrowheads="1"/>
           </p:cNvSpPr>
@@ -7141,7 +7229,7 @@
           </a:lstStyle>
           <a:p>
             <a:pPr eaLnBrk="1" hangingPunct="1"/>
-            <a:fld id="{1BAE2FF4-14A7-434A-A75B-5A70CB0D0517}" type="slidenum">
+            <a:fld id="{7236FF92-1D67-4564-AD9E-B43DB64D5DFE}" type="slidenum">
               <a:rPr lang="en-GB" b="0">
                 <a:solidFill>
                   <a:srgbClr val="000000"/>
@@ -7149,7 +7237,7 @@
                 <a:latin typeface="Times New Roman" pitchFamily="18" charset="0"/>
               </a:rPr>
               <a:pPr eaLnBrk="1" hangingPunct="1"/>
-              <a:t>4</a:t>
+              <a:t>33</a:t>
             </a:fld>
             <a:endParaRPr lang="en-GB" b="0">
               <a:solidFill>
@@ -7162,7 +7250,7 @@
       </p:sp>
       <p:sp>
         <p:nvSpPr>
-          <p:cNvPr id="43011" name="Rectangle 2"/>
+          <p:cNvPr id="65539" name="Rectangle 2"/>
           <p:cNvSpPr>
             <a:spLocks noGrp="1" noRot="1" noChangeAspect="1" noChangeArrowheads="1" noTextEdit="1"/>
           </p:cNvSpPr>
@@ -7179,7 +7267,7 @@
       </p:sp>
       <p:sp>
         <p:nvSpPr>
-          <p:cNvPr id="43012" name="Rectangle 3"/>
+          <p:cNvPr id="65540" name="Rectangle 3"/>
           <p:cNvSpPr>
             <a:spLocks noGrp="1" noChangeArrowheads="1"/>
           </p:cNvSpPr>
@@ -7199,7 +7287,15 @@
           <a:lstStyle/>
           <a:p>
             <a:pPr defTabSz="914400"/>
-            <a:endParaRPr lang="en-US"/>
+            <a:r>
+              <a:rPr lang="de-DE" smtClean="0"/>
+              <a:t>Achtung:</a:t>
+            </a:r>
+            <a:r>
+              <a:rPr lang="de-DE" baseline="0" smtClean="0"/>
+              <a:t> Es heißt generalisierung, aber es ist eine spezialisierung</a:t>
+            </a:r>
+            <a:endParaRPr lang="en-US" dirty="0"/>
           </a:p>
         </p:txBody>
       </p:sp>
@@ -7211,7 +7307,7 @@
 </p:notes>
 </file>
 
-<file path=ppt/notesSlides/notesSlide30.xml><?xml version="1.0" encoding="utf-8"?>
+<file path=ppt/notesSlides/notesSlide31.xml><?xml version="1.0" encoding="utf-8"?>
 <p:notes xmlns:a="http://schemas.openxmlformats.org/drawingml/2006/main" xmlns:r="http://schemas.openxmlformats.org/officeDocument/2006/relationships" xmlns:p="http://schemas.openxmlformats.org/presentationml/2006/main">
   <p:cSld>
     <p:spTree>
@@ -7446,7 +7542,7 @@
                 <a:latin typeface="Times New Roman" pitchFamily="18" charset="0"/>
               </a:rPr>
               <a:pPr eaLnBrk="1" hangingPunct="1"/>
-              <a:t>33</a:t>
+              <a:t>34</a:t>
             </a:fld>
             <a:endParaRPr lang="en-GB" b="0">
               <a:solidFill>
@@ -7508,7 +7604,7 @@
 </p:notes>
 </file>
 
-<file path=ppt/notesSlides/notesSlide31.xml><?xml version="1.0" encoding="utf-8"?>
+<file path=ppt/notesSlides/notesSlide32.xml><?xml version="1.0" encoding="utf-8"?>
 <p:notes xmlns:a="http://schemas.openxmlformats.org/drawingml/2006/main" xmlns:r="http://schemas.openxmlformats.org/officeDocument/2006/relationships" xmlns:p="http://schemas.openxmlformats.org/presentationml/2006/main">
   <p:cSld>
     <p:spTree>
@@ -7743,7 +7839,7 @@
                 <a:latin typeface="Times New Roman" pitchFamily="18" charset="0"/>
               </a:rPr>
               <a:pPr eaLnBrk="1" hangingPunct="1"/>
-              <a:t>34</a:t>
+              <a:t>35</a:t>
             </a:fld>
             <a:endParaRPr lang="en-GB" b="0">
               <a:solidFill>
@@ -7798,101 +7894,6 @@
         </p:txBody>
       </p:sp>
     </p:spTree>
-  </p:cSld>
-  <p:clrMapOvr>
-    <a:masterClrMapping/>
-  </p:clrMapOvr>
-</p:notes>
-</file>
-
-<file path=ppt/notesSlides/notesSlide32.xml><?xml version="1.0" encoding="utf-8"?>
-<p:notes xmlns:a="http://schemas.openxmlformats.org/drawingml/2006/main" xmlns:r="http://schemas.openxmlformats.org/officeDocument/2006/relationships" xmlns:p="http://schemas.openxmlformats.org/presentationml/2006/main">
-  <p:cSld>
-    <p:spTree>
-      <p:nvGrpSpPr>
-        <p:cNvPr id="1" name=""/>
-        <p:cNvGrpSpPr/>
-        <p:nvPr/>
-      </p:nvGrpSpPr>
-      <p:grpSpPr>
-        <a:xfrm>
-          <a:off x="0" y="0"/>
-          <a:ext cx="0" cy="0"/>
-          <a:chOff x="0" y="0"/>
-          <a:chExt cx="0" cy="0"/>
-        </a:xfrm>
-      </p:grpSpPr>
-      <p:sp>
-        <p:nvSpPr>
-          <p:cNvPr id="2" name="Folienbildplatzhalter 1"/>
-          <p:cNvSpPr>
-            <a:spLocks noGrp="1" noRot="1" noChangeAspect="1"/>
-          </p:cNvSpPr>
-          <p:nvPr>
-            <p:ph type="sldImg"/>
-          </p:nvPr>
-        </p:nvSpPr>
-        <p:spPr>
-          <a:xfrm>
-            <a:off x="382588" y="685800"/>
-            <a:ext cx="6091237" cy="3427413"/>
-          </a:xfrm>
-        </p:spPr>
-      </p:sp>
-      <p:sp>
-        <p:nvSpPr>
-          <p:cNvPr id="3" name="Notizenplatzhalter 2"/>
-          <p:cNvSpPr>
-            <a:spLocks noGrp="1"/>
-          </p:cNvSpPr>
-          <p:nvPr>
-            <p:ph type="body" idx="1"/>
-          </p:nvPr>
-        </p:nvSpPr>
-        <p:spPr/>
-        <p:txBody>
-          <a:bodyPr/>
-          <a:lstStyle/>
-          <a:p>
-            <a:endParaRPr lang="de-DE" dirty="0"/>
-          </a:p>
-        </p:txBody>
-      </p:sp>
-      <p:sp>
-        <p:nvSpPr>
-          <p:cNvPr id="4" name="Foliennummernplatzhalter 3"/>
-          <p:cNvSpPr>
-            <a:spLocks noGrp="1"/>
-          </p:cNvSpPr>
-          <p:nvPr>
-            <p:ph type="sldNum" idx="10"/>
-          </p:nvPr>
-        </p:nvSpPr>
-        <p:spPr/>
-        <p:txBody>
-          <a:bodyPr/>
-          <a:lstStyle/>
-          <a:p>
-            <a:pPr>
-              <a:defRPr/>
-            </a:pPr>
-            <a:fld id="{83B4AF3F-7429-4DFB-971D-8D126769C7AD}" type="slidenum">
-              <a:rPr lang="en-GB" smtClean="0"/>
-              <a:pPr>
-                <a:defRPr/>
-              </a:pPr>
-              <a:t>35</a:t>
-            </a:fld>
-            <a:endParaRPr lang="en-GB"/>
-          </a:p>
-        </p:txBody>
-      </p:sp>
-    </p:spTree>
-    <p:extLst>
-      <p:ext uri="{BB962C8B-B14F-4D97-AF65-F5344CB8AC3E}">
-        <p14:creationId xmlns:p14="http://schemas.microsoft.com/office/powerpoint/2010/main" val="611221226"/>
-      </p:ext>
-    </p:extLst>
   </p:cSld>
   <p:clrMapOvr>
     <a:masterClrMapping/>
@@ -7919,7 +7920,7 @@
       </p:grpSpPr>
       <p:sp>
         <p:nvSpPr>
-          <p:cNvPr id="44033" name="Folienbildplatzhalter 1"/>
+          <p:cNvPr id="2" name="Folienbildplatzhalter 1"/>
           <p:cNvSpPr>
             <a:spLocks noGrp="1" noRot="1" noChangeAspect="1"/>
           </p:cNvSpPr>
@@ -7927,25 +7928,16 @@
             <p:ph type="sldImg"/>
           </p:nvPr>
         </p:nvSpPr>
-        <p:spPr bwMode="auto">
+        <p:spPr>
           <a:xfrm>
             <a:off x="382588" y="685800"/>
             <a:ext cx="6091237" cy="3427413"/>
           </a:xfrm>
-          <a:noFill/>
-          <a:ln>
-            <a:solidFill>
-              <a:srgbClr val="000000"/>
-            </a:solidFill>
-            <a:miter lim="800000"/>
-            <a:headEnd/>
-            <a:tailEnd/>
-          </a:ln>
         </p:spPr>
       </p:sp>
       <p:sp>
         <p:nvSpPr>
-          <p:cNvPr id="44034" name="Notizenplatzhalter 2"/>
+          <p:cNvPr id="3" name="Notizenplatzhalter 2"/>
           <p:cNvSpPr>
             <a:spLocks noGrp="1"/>
           </p:cNvSpPr>
@@ -7953,105 +7945,48 @@
             <p:ph type="body" idx="1"/>
           </p:nvPr>
         </p:nvSpPr>
-        <p:spPr bwMode="auto">
-          <a:noFill/>
-        </p:spPr>
+        <p:spPr/>
         <p:txBody>
-          <a:bodyPr wrap="square" numCol="1" anchor="t" anchorCtr="0" compatLnSpc="1">
-            <a:prstTxWarp prst="textNoShape">
-              <a:avLst/>
-            </a:prstTxWarp>
-          </a:bodyPr>
+          <a:bodyPr/>
           <a:lstStyle/>
           <a:p>
-            <a:pPr eaLnBrk="1" hangingPunct="1">
-              <a:spcBef>
-                <a:spcPct val="0"/>
-              </a:spcBef>
-            </a:pPr>
-            <a:r>
-              <a:rPr lang="de-DE"/>
-              <a:t>Zeit Folie : Zeit Gesamt (geschätzt)</a:t>
-            </a:r>
-          </a:p>
-          <a:p>
-            <a:pPr eaLnBrk="1" hangingPunct="1">
-              <a:spcBef>
-                <a:spcPct val="0"/>
-              </a:spcBef>
-            </a:pPr>
-            <a:r>
-              <a:rPr lang="de-DE"/>
-              <a:t>0 : 35</a:t>
-            </a:r>
+            <a:endParaRPr lang="de-DE" dirty="0"/>
           </a:p>
         </p:txBody>
       </p:sp>
       <p:sp>
         <p:nvSpPr>
-          <p:cNvPr id="44035" name="Foliennummernplatzhalter 3"/>
+          <p:cNvPr id="4" name="Foliennummernplatzhalter 3"/>
           <p:cNvSpPr>
             <a:spLocks noGrp="1"/>
           </p:cNvSpPr>
           <p:nvPr>
-            <p:ph type="sldNum" sz="quarter" idx="5"/>
+            <p:ph type="sldNum" idx="10"/>
           </p:nvPr>
         </p:nvSpPr>
-        <p:spPr bwMode="auto">
-          <a:ln>
-            <a:miter lim="800000"/>
-            <a:headEnd/>
-            <a:tailEnd/>
-          </a:ln>
-        </p:spPr>
+        <p:spPr/>
         <p:txBody>
-          <a:bodyPr wrap="square" numCol="1" anchorCtr="0" compatLnSpc="1">
-            <a:prstTxWarp prst="textNoShape">
-              <a:avLst/>
-            </a:prstTxWarp>
-          </a:bodyPr>
+          <a:bodyPr/>
           <a:lstStyle/>
           <a:p>
-            <a:pPr fontAlgn="base">
-              <a:spcBef>
-                <a:spcPct val="0"/>
-              </a:spcBef>
-              <a:spcAft>
-                <a:spcPct val="0"/>
-              </a:spcAft>
+            <a:pPr>
               <a:defRPr/>
             </a:pPr>
-            <a:fld id="{433FCC99-5579-42CB-A178-85E6E88DD66A}" type="slidenum">
-              <a:rPr lang="de-DE">
-                <a:solidFill>
-                  <a:prstClr val="black"/>
-                </a:solidFill>
-                <a:cs typeface="Arial" charset="0"/>
-              </a:rPr>
-              <a:pPr fontAlgn="base">
-                <a:spcBef>
-                  <a:spcPct val="0"/>
-                </a:spcBef>
-                <a:spcAft>
-                  <a:spcPct val="0"/>
-                </a:spcAft>
+            <a:fld id="{83B4AF3F-7429-4DFB-971D-8D126769C7AD}" type="slidenum">
+              <a:rPr lang="en-GB" smtClean="0"/>
+              <a:pPr>
                 <a:defRPr/>
               </a:pPr>
-              <a:t>37</a:t>
+              <a:t>36</a:t>
             </a:fld>
-            <a:endParaRPr lang="de-DE">
-              <a:solidFill>
-                <a:prstClr val="black"/>
-              </a:solidFill>
-              <a:cs typeface="Arial" charset="0"/>
-            </a:endParaRPr>
+            <a:endParaRPr lang="en-GB"/>
           </a:p>
         </p:txBody>
       </p:sp>
     </p:spTree>
     <p:extLst>
       <p:ext uri="{BB962C8B-B14F-4D97-AF65-F5344CB8AC3E}">
-        <p14:creationId xmlns:p14="http://schemas.microsoft.com/office/powerpoint/2010/main" val="3797810963"/>
+        <p14:creationId xmlns:p14="http://schemas.microsoft.com/office/powerpoint/2010/main" val="611221226"/>
       </p:ext>
     </p:extLst>
   </p:cSld>
@@ -8080,6 +8015,167 @@
       </p:grpSpPr>
       <p:sp>
         <p:nvSpPr>
+          <p:cNvPr id="44033" name="Folienbildplatzhalter 1"/>
+          <p:cNvSpPr>
+            <a:spLocks noGrp="1" noRot="1" noChangeAspect="1"/>
+          </p:cNvSpPr>
+          <p:nvPr>
+            <p:ph type="sldImg"/>
+          </p:nvPr>
+        </p:nvSpPr>
+        <p:spPr bwMode="auto">
+          <a:xfrm>
+            <a:off x="382588" y="685800"/>
+            <a:ext cx="6091237" cy="3427413"/>
+          </a:xfrm>
+          <a:noFill/>
+          <a:ln>
+            <a:solidFill>
+              <a:srgbClr val="000000"/>
+            </a:solidFill>
+            <a:miter lim="800000"/>
+            <a:headEnd/>
+            <a:tailEnd/>
+          </a:ln>
+        </p:spPr>
+      </p:sp>
+      <p:sp>
+        <p:nvSpPr>
+          <p:cNvPr id="44034" name="Notizenplatzhalter 2"/>
+          <p:cNvSpPr>
+            <a:spLocks noGrp="1"/>
+          </p:cNvSpPr>
+          <p:nvPr>
+            <p:ph type="body" idx="1"/>
+          </p:nvPr>
+        </p:nvSpPr>
+        <p:spPr bwMode="auto">
+          <a:noFill/>
+        </p:spPr>
+        <p:txBody>
+          <a:bodyPr wrap="square" numCol="1" anchor="t" anchorCtr="0" compatLnSpc="1">
+            <a:prstTxWarp prst="textNoShape">
+              <a:avLst/>
+            </a:prstTxWarp>
+          </a:bodyPr>
+          <a:lstStyle/>
+          <a:p>
+            <a:pPr eaLnBrk="1" hangingPunct="1">
+              <a:spcBef>
+                <a:spcPct val="0"/>
+              </a:spcBef>
+            </a:pPr>
+            <a:r>
+              <a:rPr lang="de-DE"/>
+              <a:t>Zeit Folie : Zeit Gesamt (geschätzt)</a:t>
+            </a:r>
+          </a:p>
+          <a:p>
+            <a:pPr eaLnBrk="1" hangingPunct="1">
+              <a:spcBef>
+                <a:spcPct val="0"/>
+              </a:spcBef>
+            </a:pPr>
+            <a:r>
+              <a:rPr lang="de-DE"/>
+              <a:t>0 : 35</a:t>
+            </a:r>
+          </a:p>
+        </p:txBody>
+      </p:sp>
+      <p:sp>
+        <p:nvSpPr>
+          <p:cNvPr id="44035" name="Foliennummernplatzhalter 3"/>
+          <p:cNvSpPr>
+            <a:spLocks noGrp="1"/>
+          </p:cNvSpPr>
+          <p:nvPr>
+            <p:ph type="sldNum" sz="quarter" idx="5"/>
+          </p:nvPr>
+        </p:nvSpPr>
+        <p:spPr bwMode="auto">
+          <a:ln>
+            <a:miter lim="800000"/>
+            <a:headEnd/>
+            <a:tailEnd/>
+          </a:ln>
+        </p:spPr>
+        <p:txBody>
+          <a:bodyPr wrap="square" numCol="1" anchorCtr="0" compatLnSpc="1">
+            <a:prstTxWarp prst="textNoShape">
+              <a:avLst/>
+            </a:prstTxWarp>
+          </a:bodyPr>
+          <a:lstStyle/>
+          <a:p>
+            <a:pPr fontAlgn="base">
+              <a:spcBef>
+                <a:spcPct val="0"/>
+              </a:spcBef>
+              <a:spcAft>
+                <a:spcPct val="0"/>
+              </a:spcAft>
+              <a:defRPr/>
+            </a:pPr>
+            <a:fld id="{433FCC99-5579-42CB-A178-85E6E88DD66A}" type="slidenum">
+              <a:rPr lang="de-DE">
+                <a:solidFill>
+                  <a:prstClr val="black"/>
+                </a:solidFill>
+                <a:cs typeface="Arial" charset="0"/>
+              </a:rPr>
+              <a:pPr fontAlgn="base">
+                <a:spcBef>
+                  <a:spcPct val="0"/>
+                </a:spcBef>
+                <a:spcAft>
+                  <a:spcPct val="0"/>
+                </a:spcAft>
+                <a:defRPr/>
+              </a:pPr>
+              <a:t>38</a:t>
+            </a:fld>
+            <a:endParaRPr lang="de-DE">
+              <a:solidFill>
+                <a:prstClr val="black"/>
+              </a:solidFill>
+              <a:cs typeface="Arial" charset="0"/>
+            </a:endParaRPr>
+          </a:p>
+        </p:txBody>
+      </p:sp>
+    </p:spTree>
+    <p:extLst>
+      <p:ext uri="{BB962C8B-B14F-4D97-AF65-F5344CB8AC3E}">
+        <p14:creationId xmlns:p14="http://schemas.microsoft.com/office/powerpoint/2010/main" val="3797810963"/>
+      </p:ext>
+    </p:extLst>
+  </p:cSld>
+  <p:clrMapOvr>
+    <a:masterClrMapping/>
+  </p:clrMapOvr>
+</p:notes>
+</file>
+
+<file path=ppt/notesSlides/notesSlide35.xml><?xml version="1.0" encoding="utf-8"?>
+<p:notes xmlns:a="http://schemas.openxmlformats.org/drawingml/2006/main" xmlns:r="http://schemas.openxmlformats.org/officeDocument/2006/relationships" xmlns:p="http://schemas.openxmlformats.org/presentationml/2006/main">
+  <p:cSld>
+    <p:spTree>
+      <p:nvGrpSpPr>
+        <p:cNvPr id="1" name=""/>
+        <p:cNvGrpSpPr/>
+        <p:nvPr/>
+      </p:nvGrpSpPr>
+      <p:grpSpPr>
+        <a:xfrm>
+          <a:off x="0" y="0"/>
+          <a:ext cx="0" cy="0"/>
+          <a:chOff x="0" y="0"/>
+          <a:chExt cx="0" cy="0"/>
+        </a:xfrm>
+      </p:grpSpPr>
+      <p:sp>
+        <p:nvSpPr>
           <p:cNvPr id="36866" name="Rectangle 7"/>
           <p:cNvSpPr>
             <a:spLocks noGrp="1" noChangeArrowheads="1"/>
@@ -8296,7 +8392,7 @@
                 <a:latin typeface="Times New Roman" pitchFamily="18" charset="0"/>
               </a:rPr>
               <a:pPr eaLnBrk="1" hangingPunct="1"/>
-              <a:t>39</a:t>
+              <a:t>40</a:t>
             </a:fld>
             <a:endParaRPr lang="en-GB" b="0">
               <a:solidFill>
@@ -8357,167 +8453,6 @@
     <p:extLst>
       <p:ext uri="{BB962C8B-B14F-4D97-AF65-F5344CB8AC3E}">
         <p14:creationId xmlns:p14="http://schemas.microsoft.com/office/powerpoint/2010/main" val="699942753"/>
-      </p:ext>
-    </p:extLst>
-  </p:cSld>
-  <p:clrMapOvr>
-    <a:masterClrMapping/>
-  </p:clrMapOvr>
-</p:notes>
-</file>
-
-<file path=ppt/notesSlides/notesSlide35.xml><?xml version="1.0" encoding="utf-8"?>
-<p:notes xmlns:a="http://schemas.openxmlformats.org/drawingml/2006/main" xmlns:r="http://schemas.openxmlformats.org/officeDocument/2006/relationships" xmlns:p="http://schemas.openxmlformats.org/presentationml/2006/main">
-  <p:cSld>
-    <p:spTree>
-      <p:nvGrpSpPr>
-        <p:cNvPr id="1" name=""/>
-        <p:cNvGrpSpPr/>
-        <p:nvPr/>
-      </p:nvGrpSpPr>
-      <p:grpSpPr>
-        <a:xfrm>
-          <a:off x="0" y="0"/>
-          <a:ext cx="0" cy="0"/>
-          <a:chOff x="0" y="0"/>
-          <a:chExt cx="0" cy="0"/>
-        </a:xfrm>
-      </p:grpSpPr>
-      <p:sp>
-        <p:nvSpPr>
-          <p:cNvPr id="44033" name="Folienbildplatzhalter 1"/>
-          <p:cNvSpPr>
-            <a:spLocks noGrp="1" noRot="1" noChangeAspect="1"/>
-          </p:cNvSpPr>
-          <p:nvPr>
-            <p:ph type="sldImg"/>
-          </p:nvPr>
-        </p:nvSpPr>
-        <p:spPr bwMode="auto">
-          <a:xfrm>
-            <a:off x="382588" y="685800"/>
-            <a:ext cx="6091237" cy="3427413"/>
-          </a:xfrm>
-          <a:noFill/>
-          <a:ln>
-            <a:solidFill>
-              <a:srgbClr val="000000"/>
-            </a:solidFill>
-            <a:miter lim="800000"/>
-            <a:headEnd/>
-            <a:tailEnd/>
-          </a:ln>
-        </p:spPr>
-      </p:sp>
-      <p:sp>
-        <p:nvSpPr>
-          <p:cNvPr id="44034" name="Notizenplatzhalter 2"/>
-          <p:cNvSpPr>
-            <a:spLocks noGrp="1"/>
-          </p:cNvSpPr>
-          <p:nvPr>
-            <p:ph type="body" idx="1"/>
-          </p:nvPr>
-        </p:nvSpPr>
-        <p:spPr bwMode="auto">
-          <a:noFill/>
-        </p:spPr>
-        <p:txBody>
-          <a:bodyPr wrap="square" numCol="1" anchor="t" anchorCtr="0" compatLnSpc="1">
-            <a:prstTxWarp prst="textNoShape">
-              <a:avLst/>
-            </a:prstTxWarp>
-          </a:bodyPr>
-          <a:lstStyle/>
-          <a:p>
-            <a:pPr eaLnBrk="1" hangingPunct="1">
-              <a:spcBef>
-                <a:spcPct val="0"/>
-              </a:spcBef>
-            </a:pPr>
-            <a:r>
-              <a:rPr lang="de-DE"/>
-              <a:t>Zeit Folie : Zeit Gesamt (geschätzt)</a:t>
-            </a:r>
-          </a:p>
-          <a:p>
-            <a:pPr eaLnBrk="1" hangingPunct="1">
-              <a:spcBef>
-                <a:spcPct val="0"/>
-              </a:spcBef>
-            </a:pPr>
-            <a:r>
-              <a:rPr lang="de-DE"/>
-              <a:t>0 : 35</a:t>
-            </a:r>
-          </a:p>
-        </p:txBody>
-      </p:sp>
-      <p:sp>
-        <p:nvSpPr>
-          <p:cNvPr id="44035" name="Foliennummernplatzhalter 3"/>
-          <p:cNvSpPr>
-            <a:spLocks noGrp="1"/>
-          </p:cNvSpPr>
-          <p:nvPr>
-            <p:ph type="sldNum" sz="quarter" idx="5"/>
-          </p:nvPr>
-        </p:nvSpPr>
-        <p:spPr bwMode="auto">
-          <a:ln>
-            <a:miter lim="800000"/>
-            <a:headEnd/>
-            <a:tailEnd/>
-          </a:ln>
-        </p:spPr>
-        <p:txBody>
-          <a:bodyPr wrap="square" numCol="1" anchorCtr="0" compatLnSpc="1">
-            <a:prstTxWarp prst="textNoShape">
-              <a:avLst/>
-            </a:prstTxWarp>
-          </a:bodyPr>
-          <a:lstStyle/>
-          <a:p>
-            <a:pPr fontAlgn="base">
-              <a:spcBef>
-                <a:spcPct val="0"/>
-              </a:spcBef>
-              <a:spcAft>
-                <a:spcPct val="0"/>
-              </a:spcAft>
-              <a:defRPr/>
-            </a:pPr>
-            <a:fld id="{433FCC99-5579-42CB-A178-85E6E88DD66A}" type="slidenum">
-              <a:rPr lang="de-DE">
-                <a:solidFill>
-                  <a:prstClr val="black"/>
-                </a:solidFill>
-                <a:cs typeface="Arial" charset="0"/>
-              </a:rPr>
-              <a:pPr fontAlgn="base">
-                <a:spcBef>
-                  <a:spcPct val="0"/>
-                </a:spcBef>
-                <a:spcAft>
-                  <a:spcPct val="0"/>
-                </a:spcAft>
-                <a:defRPr/>
-              </a:pPr>
-              <a:t>40</a:t>
-            </a:fld>
-            <a:endParaRPr lang="de-DE">
-              <a:solidFill>
-                <a:prstClr val="black"/>
-              </a:solidFill>
-              <a:cs typeface="Arial" charset="0"/>
-            </a:endParaRPr>
-          </a:p>
-        </p:txBody>
-      </p:sp>
-    </p:spTree>
-    <p:extLst>
-      <p:ext uri="{BB962C8B-B14F-4D97-AF65-F5344CB8AC3E}">
-        <p14:creationId xmlns:p14="http://schemas.microsoft.com/office/powerpoint/2010/main" val="4291020280"/>
       </p:ext>
     </p:extLst>
   </p:cSld>
@@ -8546,6 +8481,167 @@
       </p:grpSpPr>
       <p:sp>
         <p:nvSpPr>
+          <p:cNvPr id="44033" name="Folienbildplatzhalter 1"/>
+          <p:cNvSpPr>
+            <a:spLocks noGrp="1" noRot="1" noChangeAspect="1"/>
+          </p:cNvSpPr>
+          <p:nvPr>
+            <p:ph type="sldImg"/>
+          </p:nvPr>
+        </p:nvSpPr>
+        <p:spPr bwMode="auto">
+          <a:xfrm>
+            <a:off x="382588" y="685800"/>
+            <a:ext cx="6091237" cy="3427413"/>
+          </a:xfrm>
+          <a:noFill/>
+          <a:ln>
+            <a:solidFill>
+              <a:srgbClr val="000000"/>
+            </a:solidFill>
+            <a:miter lim="800000"/>
+            <a:headEnd/>
+            <a:tailEnd/>
+          </a:ln>
+        </p:spPr>
+      </p:sp>
+      <p:sp>
+        <p:nvSpPr>
+          <p:cNvPr id="44034" name="Notizenplatzhalter 2"/>
+          <p:cNvSpPr>
+            <a:spLocks noGrp="1"/>
+          </p:cNvSpPr>
+          <p:nvPr>
+            <p:ph type="body" idx="1"/>
+          </p:nvPr>
+        </p:nvSpPr>
+        <p:spPr bwMode="auto">
+          <a:noFill/>
+        </p:spPr>
+        <p:txBody>
+          <a:bodyPr wrap="square" numCol="1" anchor="t" anchorCtr="0" compatLnSpc="1">
+            <a:prstTxWarp prst="textNoShape">
+              <a:avLst/>
+            </a:prstTxWarp>
+          </a:bodyPr>
+          <a:lstStyle/>
+          <a:p>
+            <a:pPr eaLnBrk="1" hangingPunct="1">
+              <a:spcBef>
+                <a:spcPct val="0"/>
+              </a:spcBef>
+            </a:pPr>
+            <a:r>
+              <a:rPr lang="de-DE"/>
+              <a:t>Zeit Folie : Zeit Gesamt (geschätzt)</a:t>
+            </a:r>
+          </a:p>
+          <a:p>
+            <a:pPr eaLnBrk="1" hangingPunct="1">
+              <a:spcBef>
+                <a:spcPct val="0"/>
+              </a:spcBef>
+            </a:pPr>
+            <a:r>
+              <a:rPr lang="de-DE"/>
+              <a:t>0 : 35</a:t>
+            </a:r>
+          </a:p>
+        </p:txBody>
+      </p:sp>
+      <p:sp>
+        <p:nvSpPr>
+          <p:cNvPr id="44035" name="Foliennummernplatzhalter 3"/>
+          <p:cNvSpPr>
+            <a:spLocks noGrp="1"/>
+          </p:cNvSpPr>
+          <p:nvPr>
+            <p:ph type="sldNum" sz="quarter" idx="5"/>
+          </p:nvPr>
+        </p:nvSpPr>
+        <p:spPr bwMode="auto">
+          <a:ln>
+            <a:miter lim="800000"/>
+            <a:headEnd/>
+            <a:tailEnd/>
+          </a:ln>
+        </p:spPr>
+        <p:txBody>
+          <a:bodyPr wrap="square" numCol="1" anchorCtr="0" compatLnSpc="1">
+            <a:prstTxWarp prst="textNoShape">
+              <a:avLst/>
+            </a:prstTxWarp>
+          </a:bodyPr>
+          <a:lstStyle/>
+          <a:p>
+            <a:pPr fontAlgn="base">
+              <a:spcBef>
+                <a:spcPct val="0"/>
+              </a:spcBef>
+              <a:spcAft>
+                <a:spcPct val="0"/>
+              </a:spcAft>
+              <a:defRPr/>
+            </a:pPr>
+            <a:fld id="{433FCC99-5579-42CB-A178-85E6E88DD66A}" type="slidenum">
+              <a:rPr lang="de-DE">
+                <a:solidFill>
+                  <a:prstClr val="black"/>
+                </a:solidFill>
+                <a:cs typeface="Arial" charset="0"/>
+              </a:rPr>
+              <a:pPr fontAlgn="base">
+                <a:spcBef>
+                  <a:spcPct val="0"/>
+                </a:spcBef>
+                <a:spcAft>
+                  <a:spcPct val="0"/>
+                </a:spcAft>
+                <a:defRPr/>
+              </a:pPr>
+              <a:t>41</a:t>
+            </a:fld>
+            <a:endParaRPr lang="de-DE">
+              <a:solidFill>
+                <a:prstClr val="black"/>
+              </a:solidFill>
+              <a:cs typeface="Arial" charset="0"/>
+            </a:endParaRPr>
+          </a:p>
+        </p:txBody>
+      </p:sp>
+    </p:spTree>
+    <p:extLst>
+      <p:ext uri="{BB962C8B-B14F-4D97-AF65-F5344CB8AC3E}">
+        <p14:creationId xmlns:p14="http://schemas.microsoft.com/office/powerpoint/2010/main" val="4291020280"/>
+      </p:ext>
+    </p:extLst>
+  </p:cSld>
+  <p:clrMapOvr>
+    <a:masterClrMapping/>
+  </p:clrMapOvr>
+</p:notes>
+</file>
+
+<file path=ppt/notesSlides/notesSlide37.xml><?xml version="1.0" encoding="utf-8"?>
+<p:notes xmlns:a="http://schemas.openxmlformats.org/drawingml/2006/main" xmlns:r="http://schemas.openxmlformats.org/officeDocument/2006/relationships" xmlns:p="http://schemas.openxmlformats.org/presentationml/2006/main">
+  <p:cSld>
+    <p:spTree>
+      <p:nvGrpSpPr>
+        <p:cNvPr id="1" name=""/>
+        <p:cNvGrpSpPr/>
+        <p:nvPr/>
+      </p:nvGrpSpPr>
+      <p:grpSpPr>
+        <a:xfrm>
+          <a:off x="0" y="0"/>
+          <a:ext cx="0" cy="0"/>
+          <a:chOff x="0" y="0"/>
+          <a:chExt cx="0" cy="0"/>
+        </a:xfrm>
+      </p:grpSpPr>
+      <p:sp>
+        <p:nvSpPr>
           <p:cNvPr id="38914" name="Rectangle 7"/>
           <p:cNvSpPr>
             <a:spLocks noGrp="1" noChangeArrowheads="1"/>
@@ -8762,7 +8858,7 @@
                 <a:latin typeface="Times New Roman" pitchFamily="18" charset="0"/>
               </a:rPr>
               <a:pPr eaLnBrk="1" hangingPunct="1"/>
-              <a:t>43</a:t>
+              <a:t>44</a:t>
             </a:fld>
             <a:endParaRPr lang="en-GB" b="0">
               <a:solidFill>
@@ -8823,167 +8919,6 @@
     <p:extLst>
       <p:ext uri="{BB962C8B-B14F-4D97-AF65-F5344CB8AC3E}">
         <p14:creationId xmlns:p14="http://schemas.microsoft.com/office/powerpoint/2010/main" val="1463288301"/>
-      </p:ext>
-    </p:extLst>
-  </p:cSld>
-  <p:clrMapOvr>
-    <a:masterClrMapping/>
-  </p:clrMapOvr>
-</p:notes>
-</file>
-
-<file path=ppt/notesSlides/notesSlide37.xml><?xml version="1.0" encoding="utf-8"?>
-<p:notes xmlns:a="http://schemas.openxmlformats.org/drawingml/2006/main" xmlns:r="http://schemas.openxmlformats.org/officeDocument/2006/relationships" xmlns:p="http://schemas.openxmlformats.org/presentationml/2006/main">
-  <p:cSld>
-    <p:spTree>
-      <p:nvGrpSpPr>
-        <p:cNvPr id="1" name=""/>
-        <p:cNvGrpSpPr/>
-        <p:nvPr/>
-      </p:nvGrpSpPr>
-      <p:grpSpPr>
-        <a:xfrm>
-          <a:off x="0" y="0"/>
-          <a:ext cx="0" cy="0"/>
-          <a:chOff x="0" y="0"/>
-          <a:chExt cx="0" cy="0"/>
-        </a:xfrm>
-      </p:grpSpPr>
-      <p:sp>
-        <p:nvSpPr>
-          <p:cNvPr id="44033" name="Folienbildplatzhalter 1"/>
-          <p:cNvSpPr>
-            <a:spLocks noGrp="1" noRot="1" noChangeAspect="1"/>
-          </p:cNvSpPr>
-          <p:nvPr>
-            <p:ph type="sldImg"/>
-          </p:nvPr>
-        </p:nvSpPr>
-        <p:spPr bwMode="auto">
-          <a:xfrm>
-            <a:off x="382588" y="685800"/>
-            <a:ext cx="6091237" cy="3427413"/>
-          </a:xfrm>
-          <a:noFill/>
-          <a:ln>
-            <a:solidFill>
-              <a:srgbClr val="000000"/>
-            </a:solidFill>
-            <a:miter lim="800000"/>
-            <a:headEnd/>
-            <a:tailEnd/>
-          </a:ln>
-        </p:spPr>
-      </p:sp>
-      <p:sp>
-        <p:nvSpPr>
-          <p:cNvPr id="44034" name="Notizenplatzhalter 2"/>
-          <p:cNvSpPr>
-            <a:spLocks noGrp="1"/>
-          </p:cNvSpPr>
-          <p:nvPr>
-            <p:ph type="body" idx="1"/>
-          </p:nvPr>
-        </p:nvSpPr>
-        <p:spPr bwMode="auto">
-          <a:noFill/>
-        </p:spPr>
-        <p:txBody>
-          <a:bodyPr wrap="square" numCol="1" anchor="t" anchorCtr="0" compatLnSpc="1">
-            <a:prstTxWarp prst="textNoShape">
-              <a:avLst/>
-            </a:prstTxWarp>
-          </a:bodyPr>
-          <a:lstStyle/>
-          <a:p>
-            <a:pPr eaLnBrk="1" hangingPunct="1">
-              <a:spcBef>
-                <a:spcPct val="0"/>
-              </a:spcBef>
-            </a:pPr>
-            <a:r>
-              <a:rPr lang="de-DE"/>
-              <a:t>Zeit Folie : Zeit Gesamt (geschätzt)</a:t>
-            </a:r>
-          </a:p>
-          <a:p>
-            <a:pPr eaLnBrk="1" hangingPunct="1">
-              <a:spcBef>
-                <a:spcPct val="0"/>
-              </a:spcBef>
-            </a:pPr>
-            <a:r>
-              <a:rPr lang="de-DE"/>
-              <a:t>0 : 35</a:t>
-            </a:r>
-          </a:p>
-        </p:txBody>
-      </p:sp>
-      <p:sp>
-        <p:nvSpPr>
-          <p:cNvPr id="44035" name="Foliennummernplatzhalter 3"/>
-          <p:cNvSpPr>
-            <a:spLocks noGrp="1"/>
-          </p:cNvSpPr>
-          <p:nvPr>
-            <p:ph type="sldNum" sz="quarter" idx="5"/>
-          </p:nvPr>
-        </p:nvSpPr>
-        <p:spPr bwMode="auto">
-          <a:ln>
-            <a:miter lim="800000"/>
-            <a:headEnd/>
-            <a:tailEnd/>
-          </a:ln>
-        </p:spPr>
-        <p:txBody>
-          <a:bodyPr wrap="square" numCol="1" anchorCtr="0" compatLnSpc="1">
-            <a:prstTxWarp prst="textNoShape">
-              <a:avLst/>
-            </a:prstTxWarp>
-          </a:bodyPr>
-          <a:lstStyle/>
-          <a:p>
-            <a:pPr fontAlgn="base">
-              <a:spcBef>
-                <a:spcPct val="0"/>
-              </a:spcBef>
-              <a:spcAft>
-                <a:spcPct val="0"/>
-              </a:spcAft>
-              <a:defRPr/>
-            </a:pPr>
-            <a:fld id="{433FCC99-5579-42CB-A178-85E6E88DD66A}" type="slidenum">
-              <a:rPr lang="de-DE">
-                <a:solidFill>
-                  <a:prstClr val="black"/>
-                </a:solidFill>
-                <a:cs typeface="Arial" charset="0"/>
-              </a:rPr>
-              <a:pPr fontAlgn="base">
-                <a:spcBef>
-                  <a:spcPct val="0"/>
-                </a:spcBef>
-                <a:spcAft>
-                  <a:spcPct val="0"/>
-                </a:spcAft>
-                <a:defRPr/>
-              </a:pPr>
-              <a:t>46</a:t>
-            </a:fld>
-            <a:endParaRPr lang="de-DE">
-              <a:solidFill>
-                <a:prstClr val="black"/>
-              </a:solidFill>
-              <a:cs typeface="Arial" charset="0"/>
-            </a:endParaRPr>
-          </a:p>
-        </p:txBody>
-      </p:sp>
-    </p:spTree>
-    <p:extLst>
-      <p:ext uri="{BB962C8B-B14F-4D97-AF65-F5344CB8AC3E}">
-        <p14:creationId xmlns:p14="http://schemas.microsoft.com/office/powerpoint/2010/main" val="3130814000"/>
       </p:ext>
     </p:extLst>
   </p:cSld>
@@ -9130,7 +9065,7 @@
                 </a:spcAft>
                 <a:defRPr/>
               </a:pPr>
-              <a:t>49</a:t>
+              <a:t>47</a:t>
             </a:fld>
             <a:endParaRPr lang="de-DE">
               <a:solidFill>
@@ -9144,7 +9079,7 @@
     </p:spTree>
     <p:extLst>
       <p:ext uri="{BB962C8B-B14F-4D97-AF65-F5344CB8AC3E}">
-        <p14:creationId xmlns:p14="http://schemas.microsoft.com/office/powerpoint/2010/main" val="115331970"/>
+        <p14:creationId xmlns:p14="http://schemas.microsoft.com/office/powerpoint/2010/main" val="3130814000"/>
       </p:ext>
     </p:extLst>
   </p:cSld>
@@ -9173,7 +9108,7 @@
       </p:grpSpPr>
       <p:sp>
         <p:nvSpPr>
-          <p:cNvPr id="2" name="Folienbildplatzhalter 1"/>
+          <p:cNvPr id="44033" name="Folienbildplatzhalter 1"/>
           <p:cNvSpPr>
             <a:spLocks noGrp="1" noRot="1" noChangeAspect="1"/>
           </p:cNvSpPr>
@@ -9181,16 +9116,25 @@
             <p:ph type="sldImg"/>
           </p:nvPr>
         </p:nvSpPr>
-        <p:spPr>
+        <p:spPr bwMode="auto">
           <a:xfrm>
             <a:off x="382588" y="685800"/>
             <a:ext cx="6091237" cy="3427413"/>
           </a:xfrm>
+          <a:noFill/>
+          <a:ln>
+            <a:solidFill>
+              <a:srgbClr val="000000"/>
+            </a:solidFill>
+            <a:miter lim="800000"/>
+            <a:headEnd/>
+            <a:tailEnd/>
+          </a:ln>
         </p:spPr>
       </p:sp>
       <p:sp>
         <p:nvSpPr>
-          <p:cNvPr id="3" name="Notizenplatzhalter 2"/>
+          <p:cNvPr id="44034" name="Notizenplatzhalter 2"/>
           <p:cNvSpPr>
             <a:spLocks noGrp="1"/>
           </p:cNvSpPr>
@@ -9198,48 +9142,105 @@
             <p:ph type="body" idx="1"/>
           </p:nvPr>
         </p:nvSpPr>
-        <p:spPr/>
+        <p:spPr bwMode="auto">
+          <a:noFill/>
+        </p:spPr>
         <p:txBody>
-          <a:bodyPr/>
+          <a:bodyPr wrap="square" numCol="1" anchor="t" anchorCtr="0" compatLnSpc="1">
+            <a:prstTxWarp prst="textNoShape">
+              <a:avLst/>
+            </a:prstTxWarp>
+          </a:bodyPr>
           <a:lstStyle/>
           <a:p>
-            <a:endParaRPr lang="de-DE" dirty="0"/>
+            <a:pPr eaLnBrk="1" hangingPunct="1">
+              <a:spcBef>
+                <a:spcPct val="0"/>
+              </a:spcBef>
+            </a:pPr>
+            <a:r>
+              <a:rPr lang="de-DE"/>
+              <a:t>Zeit Folie : Zeit Gesamt (geschätzt)</a:t>
+            </a:r>
+          </a:p>
+          <a:p>
+            <a:pPr eaLnBrk="1" hangingPunct="1">
+              <a:spcBef>
+                <a:spcPct val="0"/>
+              </a:spcBef>
+            </a:pPr>
+            <a:r>
+              <a:rPr lang="de-DE"/>
+              <a:t>0 : 35</a:t>
+            </a:r>
           </a:p>
         </p:txBody>
       </p:sp>
       <p:sp>
         <p:nvSpPr>
-          <p:cNvPr id="4" name="Foliennummernplatzhalter 3"/>
+          <p:cNvPr id="44035" name="Foliennummernplatzhalter 3"/>
           <p:cNvSpPr>
             <a:spLocks noGrp="1"/>
           </p:cNvSpPr>
           <p:nvPr>
-            <p:ph type="sldNum" idx="10"/>
+            <p:ph type="sldNum" sz="quarter" idx="5"/>
           </p:nvPr>
         </p:nvSpPr>
-        <p:spPr/>
+        <p:spPr bwMode="auto">
+          <a:ln>
+            <a:miter lim="800000"/>
+            <a:headEnd/>
+            <a:tailEnd/>
+          </a:ln>
+        </p:spPr>
         <p:txBody>
-          <a:bodyPr/>
+          <a:bodyPr wrap="square" numCol="1" anchorCtr="0" compatLnSpc="1">
+            <a:prstTxWarp prst="textNoShape">
+              <a:avLst/>
+            </a:prstTxWarp>
+          </a:bodyPr>
           <a:lstStyle/>
           <a:p>
-            <a:pPr>
+            <a:pPr fontAlgn="base">
+              <a:spcBef>
+                <a:spcPct val="0"/>
+              </a:spcBef>
+              <a:spcAft>
+                <a:spcPct val="0"/>
+              </a:spcAft>
               <a:defRPr/>
             </a:pPr>
-            <a:fld id="{A3B952BE-A34C-4177-BD83-A6BC4D9BB5F4}" type="slidenum">
-              <a:rPr lang="en-GB" smtClean="0"/>
-              <a:pPr>
+            <a:fld id="{433FCC99-5579-42CB-A178-85E6E88DD66A}" type="slidenum">
+              <a:rPr lang="de-DE">
+                <a:solidFill>
+                  <a:prstClr val="black"/>
+                </a:solidFill>
+                <a:cs typeface="Arial" charset="0"/>
+              </a:rPr>
+              <a:pPr fontAlgn="base">
+                <a:spcBef>
+                  <a:spcPct val="0"/>
+                </a:spcBef>
+                <a:spcAft>
+                  <a:spcPct val="0"/>
+                </a:spcAft>
                 <a:defRPr/>
               </a:pPr>
-              <a:t>58</a:t>
+              <a:t>50</a:t>
             </a:fld>
-            <a:endParaRPr lang="en-GB"/>
+            <a:endParaRPr lang="de-DE">
+              <a:solidFill>
+                <a:prstClr val="black"/>
+              </a:solidFill>
+              <a:cs typeface="Arial" charset="0"/>
+            </a:endParaRPr>
           </a:p>
         </p:txBody>
       </p:sp>
     </p:spTree>
     <p:extLst>
       <p:ext uri="{BB962C8B-B14F-4D97-AF65-F5344CB8AC3E}">
-        <p14:creationId xmlns:p14="http://schemas.microsoft.com/office/powerpoint/2010/main" val="2531374529"/>
+        <p14:creationId xmlns:p14="http://schemas.microsoft.com/office/powerpoint/2010/main" val="115331970"/>
       </p:ext>
     </p:extLst>
   </p:cSld>
@@ -9569,7 +9570,7 @@
       </p:grpSpPr>
       <p:sp>
         <p:nvSpPr>
-          <p:cNvPr id="44033" name="Folienbildplatzhalter 1"/>
+          <p:cNvPr id="2" name="Folienbildplatzhalter 1"/>
           <p:cNvSpPr>
             <a:spLocks noGrp="1" noRot="1" noChangeAspect="1"/>
           </p:cNvSpPr>
@@ -9577,25 +9578,16 @@
             <p:ph type="sldImg"/>
           </p:nvPr>
         </p:nvSpPr>
-        <p:spPr bwMode="auto">
+        <p:spPr>
           <a:xfrm>
             <a:off x="382588" y="685800"/>
             <a:ext cx="6091237" cy="3427413"/>
           </a:xfrm>
-          <a:noFill/>
-          <a:ln>
-            <a:solidFill>
-              <a:srgbClr val="000000"/>
-            </a:solidFill>
-            <a:miter lim="800000"/>
-            <a:headEnd/>
-            <a:tailEnd/>
-          </a:ln>
         </p:spPr>
       </p:sp>
       <p:sp>
         <p:nvSpPr>
-          <p:cNvPr id="44034" name="Notizenplatzhalter 2"/>
+          <p:cNvPr id="3" name="Notizenplatzhalter 2"/>
           <p:cNvSpPr>
             <a:spLocks noGrp="1"/>
           </p:cNvSpPr>
@@ -9603,105 +9595,48 @@
             <p:ph type="body" idx="1"/>
           </p:nvPr>
         </p:nvSpPr>
-        <p:spPr bwMode="auto">
-          <a:noFill/>
-        </p:spPr>
+        <p:spPr/>
         <p:txBody>
-          <a:bodyPr wrap="square" numCol="1" anchor="t" anchorCtr="0" compatLnSpc="1">
-            <a:prstTxWarp prst="textNoShape">
-              <a:avLst/>
-            </a:prstTxWarp>
-          </a:bodyPr>
+          <a:bodyPr/>
           <a:lstStyle/>
           <a:p>
-            <a:pPr eaLnBrk="1" hangingPunct="1">
-              <a:spcBef>
-                <a:spcPct val="0"/>
-              </a:spcBef>
-            </a:pPr>
-            <a:r>
-              <a:rPr lang="de-DE"/>
-              <a:t>Zeit Folie : Zeit Gesamt (geschätzt)</a:t>
-            </a:r>
-          </a:p>
-          <a:p>
-            <a:pPr eaLnBrk="1" hangingPunct="1">
-              <a:spcBef>
-                <a:spcPct val="0"/>
-              </a:spcBef>
-            </a:pPr>
-            <a:r>
-              <a:rPr lang="de-DE"/>
-              <a:t>0 : 35</a:t>
-            </a:r>
+            <a:endParaRPr lang="de-DE" dirty="0"/>
           </a:p>
         </p:txBody>
       </p:sp>
       <p:sp>
         <p:nvSpPr>
-          <p:cNvPr id="44035" name="Foliennummernplatzhalter 3"/>
+          <p:cNvPr id="4" name="Foliennummernplatzhalter 3"/>
           <p:cNvSpPr>
             <a:spLocks noGrp="1"/>
           </p:cNvSpPr>
           <p:nvPr>
-            <p:ph type="sldNum" sz="quarter" idx="5"/>
+            <p:ph type="sldNum" idx="10"/>
           </p:nvPr>
         </p:nvSpPr>
-        <p:spPr bwMode="auto">
-          <a:ln>
-            <a:miter lim="800000"/>
-            <a:headEnd/>
-            <a:tailEnd/>
-          </a:ln>
-        </p:spPr>
+        <p:spPr/>
         <p:txBody>
-          <a:bodyPr wrap="square" numCol="1" anchorCtr="0" compatLnSpc="1">
-            <a:prstTxWarp prst="textNoShape">
-              <a:avLst/>
-            </a:prstTxWarp>
-          </a:bodyPr>
+          <a:bodyPr/>
           <a:lstStyle/>
           <a:p>
-            <a:pPr fontAlgn="base">
-              <a:spcBef>
-                <a:spcPct val="0"/>
-              </a:spcBef>
-              <a:spcAft>
-                <a:spcPct val="0"/>
-              </a:spcAft>
+            <a:pPr>
               <a:defRPr/>
             </a:pPr>
-            <a:fld id="{433FCC99-5579-42CB-A178-85E6E88DD66A}" type="slidenum">
-              <a:rPr lang="de-DE">
-                <a:solidFill>
-                  <a:prstClr val="black"/>
-                </a:solidFill>
-                <a:cs typeface="Arial" charset="0"/>
-              </a:rPr>
-              <a:pPr fontAlgn="base">
-                <a:spcBef>
-                  <a:spcPct val="0"/>
-                </a:spcBef>
-                <a:spcAft>
-                  <a:spcPct val="0"/>
-                </a:spcAft>
+            <a:fld id="{A3B952BE-A34C-4177-BD83-A6BC4D9BB5F4}" type="slidenum">
+              <a:rPr lang="en-GB" smtClean="0"/>
+              <a:pPr>
                 <a:defRPr/>
               </a:pPr>
-              <a:t>62</a:t>
+              <a:t>59</a:t>
             </a:fld>
-            <a:endParaRPr lang="de-DE">
-              <a:solidFill>
-                <a:prstClr val="black"/>
-              </a:solidFill>
-              <a:cs typeface="Arial" charset="0"/>
-            </a:endParaRPr>
+            <a:endParaRPr lang="en-GB"/>
           </a:p>
         </p:txBody>
       </p:sp>
     </p:spTree>
     <p:extLst>
       <p:ext uri="{BB962C8B-B14F-4D97-AF65-F5344CB8AC3E}">
-        <p14:creationId xmlns:p14="http://schemas.microsoft.com/office/powerpoint/2010/main" val="2534510357"/>
+        <p14:creationId xmlns:p14="http://schemas.microsoft.com/office/powerpoint/2010/main" val="2531374529"/>
       </p:ext>
     </p:extLst>
   </p:cSld>
@@ -9730,6 +9665,167 @@
       </p:grpSpPr>
       <p:sp>
         <p:nvSpPr>
+          <p:cNvPr id="44033" name="Folienbildplatzhalter 1"/>
+          <p:cNvSpPr>
+            <a:spLocks noGrp="1" noRot="1" noChangeAspect="1"/>
+          </p:cNvSpPr>
+          <p:nvPr>
+            <p:ph type="sldImg"/>
+          </p:nvPr>
+        </p:nvSpPr>
+        <p:spPr bwMode="auto">
+          <a:xfrm>
+            <a:off x="382588" y="685800"/>
+            <a:ext cx="6091237" cy="3427413"/>
+          </a:xfrm>
+          <a:noFill/>
+          <a:ln>
+            <a:solidFill>
+              <a:srgbClr val="000000"/>
+            </a:solidFill>
+            <a:miter lim="800000"/>
+            <a:headEnd/>
+            <a:tailEnd/>
+          </a:ln>
+        </p:spPr>
+      </p:sp>
+      <p:sp>
+        <p:nvSpPr>
+          <p:cNvPr id="44034" name="Notizenplatzhalter 2"/>
+          <p:cNvSpPr>
+            <a:spLocks noGrp="1"/>
+          </p:cNvSpPr>
+          <p:nvPr>
+            <p:ph type="body" idx="1"/>
+          </p:nvPr>
+        </p:nvSpPr>
+        <p:spPr bwMode="auto">
+          <a:noFill/>
+        </p:spPr>
+        <p:txBody>
+          <a:bodyPr wrap="square" numCol="1" anchor="t" anchorCtr="0" compatLnSpc="1">
+            <a:prstTxWarp prst="textNoShape">
+              <a:avLst/>
+            </a:prstTxWarp>
+          </a:bodyPr>
+          <a:lstStyle/>
+          <a:p>
+            <a:pPr eaLnBrk="1" hangingPunct="1">
+              <a:spcBef>
+                <a:spcPct val="0"/>
+              </a:spcBef>
+            </a:pPr>
+            <a:r>
+              <a:rPr lang="de-DE"/>
+              <a:t>Zeit Folie : Zeit Gesamt (geschätzt)</a:t>
+            </a:r>
+          </a:p>
+          <a:p>
+            <a:pPr eaLnBrk="1" hangingPunct="1">
+              <a:spcBef>
+                <a:spcPct val="0"/>
+              </a:spcBef>
+            </a:pPr>
+            <a:r>
+              <a:rPr lang="de-DE"/>
+              <a:t>0 : 35</a:t>
+            </a:r>
+          </a:p>
+        </p:txBody>
+      </p:sp>
+      <p:sp>
+        <p:nvSpPr>
+          <p:cNvPr id="44035" name="Foliennummernplatzhalter 3"/>
+          <p:cNvSpPr>
+            <a:spLocks noGrp="1"/>
+          </p:cNvSpPr>
+          <p:nvPr>
+            <p:ph type="sldNum" sz="quarter" idx="5"/>
+          </p:nvPr>
+        </p:nvSpPr>
+        <p:spPr bwMode="auto">
+          <a:ln>
+            <a:miter lim="800000"/>
+            <a:headEnd/>
+            <a:tailEnd/>
+          </a:ln>
+        </p:spPr>
+        <p:txBody>
+          <a:bodyPr wrap="square" numCol="1" anchorCtr="0" compatLnSpc="1">
+            <a:prstTxWarp prst="textNoShape">
+              <a:avLst/>
+            </a:prstTxWarp>
+          </a:bodyPr>
+          <a:lstStyle/>
+          <a:p>
+            <a:pPr fontAlgn="base">
+              <a:spcBef>
+                <a:spcPct val="0"/>
+              </a:spcBef>
+              <a:spcAft>
+                <a:spcPct val="0"/>
+              </a:spcAft>
+              <a:defRPr/>
+            </a:pPr>
+            <a:fld id="{433FCC99-5579-42CB-A178-85E6E88DD66A}" type="slidenum">
+              <a:rPr lang="de-DE">
+                <a:solidFill>
+                  <a:prstClr val="black"/>
+                </a:solidFill>
+                <a:cs typeface="Arial" charset="0"/>
+              </a:rPr>
+              <a:pPr fontAlgn="base">
+                <a:spcBef>
+                  <a:spcPct val="0"/>
+                </a:spcBef>
+                <a:spcAft>
+                  <a:spcPct val="0"/>
+                </a:spcAft>
+                <a:defRPr/>
+              </a:pPr>
+              <a:t>63</a:t>
+            </a:fld>
+            <a:endParaRPr lang="de-DE">
+              <a:solidFill>
+                <a:prstClr val="black"/>
+              </a:solidFill>
+              <a:cs typeface="Arial" charset="0"/>
+            </a:endParaRPr>
+          </a:p>
+        </p:txBody>
+      </p:sp>
+    </p:spTree>
+    <p:extLst>
+      <p:ext uri="{BB962C8B-B14F-4D97-AF65-F5344CB8AC3E}">
+        <p14:creationId xmlns:p14="http://schemas.microsoft.com/office/powerpoint/2010/main" val="2534510357"/>
+      </p:ext>
+    </p:extLst>
+  </p:cSld>
+  <p:clrMapOvr>
+    <a:masterClrMapping/>
+  </p:clrMapOvr>
+</p:notes>
+</file>
+
+<file path=ppt/notesSlides/notesSlide42.xml><?xml version="1.0" encoding="utf-8"?>
+<p:notes xmlns:a="http://schemas.openxmlformats.org/drawingml/2006/main" xmlns:r="http://schemas.openxmlformats.org/officeDocument/2006/relationships" xmlns:p="http://schemas.openxmlformats.org/presentationml/2006/main">
+  <p:cSld>
+    <p:spTree>
+      <p:nvGrpSpPr>
+        <p:cNvPr id="1" name=""/>
+        <p:cNvGrpSpPr/>
+        <p:nvPr/>
+      </p:nvGrpSpPr>
+      <p:grpSpPr>
+        <a:xfrm>
+          <a:off x="0" y="0"/>
+          <a:ext cx="0" cy="0"/>
+          <a:chOff x="0" y="0"/>
+          <a:chExt cx="0" cy="0"/>
+        </a:xfrm>
+      </p:grpSpPr>
+      <p:sp>
+        <p:nvSpPr>
           <p:cNvPr id="43010" name="Rectangle 7"/>
           <p:cNvSpPr>
             <a:spLocks noGrp="1" noChangeArrowheads="1"/>
@@ -9946,7 +10042,7 @@
                 <a:latin typeface="Times New Roman" pitchFamily="18" charset="0"/>
               </a:rPr>
               <a:pPr eaLnBrk="1" hangingPunct="1"/>
-              <a:t>63</a:t>
+              <a:t>64</a:t>
             </a:fld>
             <a:endParaRPr lang="en-GB" b="0">
               <a:solidFill>
@@ -10016,7 +10112,7 @@
 </p:notes>
 </file>
 
-<file path=ppt/notesSlides/notesSlide42.xml><?xml version="1.0" encoding="utf-8"?>
+<file path=ppt/notesSlides/notesSlide43.xml><?xml version="1.0" encoding="utf-8"?>
 <p:notes xmlns:a="http://schemas.openxmlformats.org/drawingml/2006/main" xmlns:r="http://schemas.openxmlformats.org/officeDocument/2006/relationships" xmlns:p="http://schemas.openxmlformats.org/presentationml/2006/main">
   <p:cSld>
     <p:spTree>
@@ -10251,7 +10347,7 @@
                 <a:latin typeface="Times New Roman" pitchFamily="18" charset="0"/>
               </a:rPr>
               <a:pPr eaLnBrk="1" hangingPunct="1"/>
-              <a:t>64</a:t>
+              <a:t>65</a:t>
             </a:fld>
             <a:endParaRPr lang="en-GB" b="0">
               <a:solidFill>
@@ -10313,7 +10409,7 @@
 </p:notes>
 </file>
 
-<file path=ppt/notesSlides/notesSlide43.xml><?xml version="1.0" encoding="utf-8"?>
+<file path=ppt/notesSlides/notesSlide44.xml><?xml version="1.0" encoding="utf-8"?>
 <p:notes xmlns:a="http://schemas.openxmlformats.org/drawingml/2006/main" xmlns:r="http://schemas.openxmlformats.org/officeDocument/2006/relationships" xmlns:p="http://schemas.openxmlformats.org/presentationml/2006/main">
   <p:cSld>
     <p:spTree>
@@ -10548,7 +10644,7 @@
                 <a:latin typeface="Times New Roman" pitchFamily="18" charset="0"/>
               </a:rPr>
               <a:pPr eaLnBrk="1" hangingPunct="1"/>
-              <a:t>66</a:t>
+              <a:t>67</a:t>
             </a:fld>
             <a:endParaRPr lang="en-GB" b="0">
               <a:solidFill>
@@ -11982,7 +12078,7 @@
               <a:pPr>
                 <a:defRPr/>
               </a:pPr>
-              <a:t>29.10.2019</a:t>
+              <a:t>04.11.2019</a:t>
             </a:fld>
             <a:endParaRPr lang="de-DE" dirty="0"/>
           </a:p>
@@ -12374,7 +12470,7 @@
                   </a:prstClr>
                 </a:solidFill>
               </a:rPr>
-              <a:t>29.10.2019</a:t>
+              <a:t>04.11.2019</a:t>
             </a:fld>
             <a:endParaRPr lang="de-DE">
               <a:solidFill>
@@ -13045,7 +13141,7 @@
               <a:pPr>
                 <a:defRPr/>
               </a:pPr>
-              <a:t>30.10.2019</a:t>
+              <a:t>04.11.2019</a:t>
             </a:fld>
             <a:endParaRPr lang="de-DE"/>
           </a:p>
@@ -13432,7 +13528,7 @@
               <a:pPr>
                 <a:defRPr/>
               </a:pPr>
-              <a:t>29.10.2019</a:t>
+              <a:t>04.11.2019</a:t>
             </a:fld>
             <a:endParaRPr lang="de-DE" dirty="0"/>
           </a:p>
@@ -13783,7 +13879,7 @@
               <a:pPr>
                 <a:defRPr/>
               </a:pPr>
-              <a:t>29.10.2019</a:t>
+              <a:t>04.11.2019</a:t>
             </a:fld>
             <a:endParaRPr lang="de-DE"/>
           </a:p>
@@ -14137,7 +14233,7 @@
               <a:pPr>
                 <a:defRPr/>
               </a:pPr>
-              <a:t>29.10.2019</a:t>
+              <a:t>04.11.2019</a:t>
             </a:fld>
             <a:endParaRPr lang="de-DE"/>
           </a:p>
@@ -14644,7 +14740,7 @@
                   </a:prstClr>
                 </a:solidFill>
               </a:rPr>
-              <a:t>29.10.2019</a:t>
+              <a:t>04.11.2019</a:t>
             </a:fld>
             <a:endParaRPr lang="de-DE">
               <a:solidFill>
@@ -15025,7 +15121,7 @@
               <a:pPr>
                 <a:defRPr/>
               </a:pPr>
-              <a:t>29.10.2019</a:t>
+              <a:t>04.11.2019</a:t>
             </a:fld>
             <a:endParaRPr lang="de-DE"/>
           </a:p>
@@ -15337,7 +15433,7 @@
               <a:pPr>
                 <a:defRPr/>
               </a:pPr>
-              <a:t>29.10.2019</a:t>
+              <a:t>04.11.2019</a:t>
             </a:fld>
             <a:endParaRPr lang="de-DE"/>
           </a:p>
@@ -15649,7 +15745,7 @@
             </a:pPr>
             <a:fld id="{996D3E91-6F88-44E8-86F4-CE67F38ABD63}" type="datetime1">
               <a:rPr lang="de-DE" smtClean="0"/>
-              <a:t>29.10.2019</a:t>
+              <a:t>04.11.2019</a:t>
             </a:fld>
             <a:endParaRPr lang="de-DE"/>
           </a:p>
@@ -15926,7 +16022,7 @@
                 <a:buClrTx/>
                 <a:buSzTx/>
               </a:pPr>
-              <a:t>29.10.2019</a:t>
+              <a:t>04.11.2019</a:t>
             </a:fld>
             <a:endParaRPr lang="de-DE" b="0">
               <a:solidFill>
@@ -16470,24 +16566,14 @@
               </a:rPr>
             </a:br>
             <a:r>
-              <a:rPr lang="de-DE" sz="2800" b="0" dirty="0">
+              <a:rPr lang="de-DE" sz="2800" b="0" dirty="0" smtClean="0">
                 <a:solidFill>
                   <a:srgbClr val="F79646">
                     <a:lumMod val="75000"/>
                   </a:srgbClr>
                 </a:solidFill>
               </a:rPr>
-              <a:t>Modeling </a:t>
-            </a:r>
-            <a:r>
-              <a:rPr lang="de-DE" sz="2800" b="0" dirty="0" err="1">
-                <a:solidFill>
-                  <a:srgbClr val="F79646">
-                    <a:lumMod val="75000"/>
-                  </a:srgbClr>
-                </a:solidFill>
-              </a:rPr>
-              <a:t>Behavior</a:t>
+              <a:t>UML</a:t>
             </a:r>
             <a:endParaRPr lang="en-US" sz="2800" dirty="0"/>
           </a:p>
@@ -16949,6 +17035,13 @@
   <p:clrMapOvr>
     <a:masterClrMapping/>
   </p:clrMapOvr>
+  <p:timing>
+    <p:tnLst>
+      <p:par>
+        <p:cTn id="1" dur="indefinite" restart="never" nodeType="tmRoot"/>
+      </p:par>
+    </p:tnLst>
+  </p:timing>
 </p:sld>
 </file>
 
@@ -17191,6 +17284,13 @@
   <p:clrMapOvr>
     <a:masterClrMapping/>
   </p:clrMapOvr>
+  <p:timing>
+    <p:tnLst>
+      <p:par>
+        <p:cTn id="1" dur="indefinite" restart="never" nodeType="tmRoot"/>
+      </p:par>
+    </p:tnLst>
+  </p:timing>
 </p:sld>
 </file>
 
@@ -17445,6 +17545,13 @@
   <p:clrMapOvr>
     <a:masterClrMapping/>
   </p:clrMapOvr>
+  <p:timing>
+    <p:tnLst>
+      <p:par>
+        <p:cTn id="1" dur="indefinite" restart="never" nodeType="tmRoot"/>
+      </p:par>
+    </p:tnLst>
+  </p:timing>
 </p:sld>
 </file>
 
@@ -18659,15 +18766,7 @@
                   <a:srgbClr val="AB9DDB"/>
                 </a:solidFill>
               </a:rPr>
-              <a:t>direct</a:t>
-            </a:r>
-            <a:r>
-              <a:rPr lang="de-DE" sz="2000" dirty="0" err="1" smtClean="0">
-                <a:solidFill>
-                  <a:srgbClr val="AB9DDB"/>
-                </a:solidFill>
-              </a:rPr>
-              <a:t>ion</a:t>
+              <a:t>direction</a:t>
             </a:r>
             <a:r>
               <a:rPr lang="de-DE" sz="2000" dirty="0" smtClean="0"/>
@@ -18785,6 +18884,13 @@
   <p:clrMapOvr>
     <a:masterClrMapping/>
   </p:clrMapOvr>
+  <p:timing>
+    <p:tnLst>
+      <p:par>
+        <p:cTn id="1" dur="indefinite" restart="never" nodeType="tmRoot"/>
+      </p:par>
+    </p:tnLst>
+  </p:timing>
 </p:sld>
 </file>
 
@@ -19039,6 +19145,13 @@
   <p:clrMapOvr>
     <a:masterClrMapping/>
   </p:clrMapOvr>
+  <p:timing>
+    <p:tnLst>
+      <p:par>
+        <p:cTn id="1" dur="indefinite" restart="never" nodeType="tmRoot"/>
+      </p:par>
+    </p:tnLst>
+  </p:timing>
 </p:sld>
 </file>
 
@@ -19475,6 +19588,13 @@
   <p:clrMapOvr>
     <a:masterClrMapping/>
   </p:clrMapOvr>
+  <p:timing>
+    <p:tnLst>
+      <p:par>
+        <p:cTn id="1" dur="indefinite" restart="never" nodeType="tmRoot"/>
+      </p:par>
+    </p:tnLst>
+  </p:timing>
 </p:sld>
 </file>
 
@@ -19711,6 +19831,13 @@
   <p:clrMapOvr>
     <a:masterClrMapping/>
   </p:clrMapOvr>
+  <p:timing>
+    <p:tnLst>
+      <p:par>
+        <p:cTn id="1" dur="indefinite" restart="never" nodeType="tmRoot"/>
+      </p:par>
+    </p:tnLst>
+  </p:timing>
 </p:sld>
 </file>
 
@@ -19910,6 +20037,13 @@
   <p:clrMapOvr>
     <a:masterClrMapping/>
   </p:clrMapOvr>
+  <p:timing>
+    <p:tnLst>
+      <p:par>
+        <p:cTn id="1" dur="indefinite" restart="never" nodeType="tmRoot"/>
+      </p:par>
+    </p:tnLst>
+  </p:timing>
 </p:sld>
 </file>
 
@@ -20218,6 +20352,13 @@
   <p:clrMapOvr>
     <a:masterClrMapping/>
   </p:clrMapOvr>
+  <p:timing>
+    <p:tnLst>
+      <p:par>
+        <p:cTn id="1" dur="indefinite" restart="never" nodeType="tmRoot"/>
+      </p:par>
+    </p:tnLst>
+  </p:timing>
 </p:sld>
 </file>
 
@@ -20923,6 +21064,13 @@
   <p:clrMapOvr>
     <a:masterClrMapping/>
   </p:clrMapOvr>
+  <p:timing>
+    <p:tnLst>
+      <p:par>
+        <p:cTn id="1" dur="indefinite" restart="never" nodeType="tmRoot"/>
+      </p:par>
+    </p:tnLst>
+  </p:timing>
 </p:sld>
 </file>
 
@@ -21085,6 +21233,13 @@
   <p:clrMapOvr>
     <a:masterClrMapping/>
   </p:clrMapOvr>
+  <p:timing>
+    <p:tnLst>
+      <p:par>
+        <p:cTn id="1" dur="indefinite" restart="never" nodeType="tmRoot"/>
+      </p:par>
+    </p:tnLst>
+  </p:timing>
 </p:sld>
 </file>
 
@@ -21279,6 +21434,13 @@
   <p:clrMapOvr>
     <a:masterClrMapping/>
   </p:clrMapOvr>
+  <p:timing>
+    <p:tnLst>
+      <p:par>
+        <p:cTn id="1" dur="indefinite" restart="never" nodeType="tmRoot"/>
+      </p:par>
+    </p:tnLst>
+  </p:timing>
 </p:sld>
 </file>
 
@@ -21584,6 +21746,13 @@
   <p:clrMapOvr>
     <a:masterClrMapping/>
   </p:clrMapOvr>
+  <p:timing>
+    <p:tnLst>
+      <p:par>
+        <p:cTn id="1" dur="indefinite" restart="never" nodeType="tmRoot"/>
+      </p:par>
+    </p:tnLst>
+  </p:timing>
 </p:sld>
 </file>
 
@@ -21868,6 +22037,13 @@
   <p:clrMapOvr>
     <a:masterClrMapping/>
   </p:clrMapOvr>
+  <p:timing>
+    <p:tnLst>
+      <p:par>
+        <p:cTn id="1" dur="indefinite" restart="never" nodeType="tmRoot"/>
+      </p:par>
+    </p:tnLst>
+  </p:timing>
 </p:sld>
 </file>
 
@@ -23127,6 +23303,13 @@
   <p:clrMapOvr>
     <a:masterClrMapping/>
   </p:clrMapOvr>
+  <p:timing>
+    <p:tnLst>
+      <p:par>
+        <p:cTn id="1" dur="indefinite" restart="never" nodeType="tmRoot"/>
+      </p:par>
+    </p:tnLst>
+  </p:timing>
 </p:sld>
 </file>
 
@@ -23296,6 +23479,13 @@
   <p:clrMapOvr>
     <a:masterClrMapping/>
   </p:clrMapOvr>
+  <p:timing>
+    <p:tnLst>
+      <p:par>
+        <p:cTn id="1" dur="indefinite" restart="never" nodeType="tmRoot"/>
+      </p:par>
+    </p:tnLst>
+  </p:timing>
 </p:sld>
 </file>
 
@@ -23674,6 +23864,13 @@
   <p:clrMapOvr>
     <a:masterClrMapping/>
   </p:clrMapOvr>
+  <p:timing>
+    <p:tnLst>
+      <p:par>
+        <p:cTn id="1" dur="indefinite" restart="never" nodeType="tmRoot"/>
+      </p:par>
+    </p:tnLst>
+  </p:timing>
 </p:sld>
 </file>
 
@@ -24268,6 +24465,13 @@
   <p:clrMapOvr>
     <a:masterClrMapping/>
   </p:clrMapOvr>
+  <p:timing>
+    <p:tnLst>
+      <p:par>
+        <p:cTn id="1" dur="indefinite" restart="never" nodeType="tmRoot"/>
+      </p:par>
+    </p:tnLst>
+  </p:timing>
 </p:sld>
 </file>
 
@@ -24461,16 +24665,7 @@
                 </a:solidFill>
                 <a:latin typeface="Consolas" panose="020B0609020204030204" pitchFamily="49" charset="0"/>
               </a:rPr>
-              <a:t> </a:t>
-            </a:r>
-            <a:r>
-              <a:rPr lang="de-DE" altLang="de-DE" sz="1200" b="0" dirty="0">
-                <a:solidFill>
-                  <a:srgbClr val="242729"/>
-                </a:solidFill>
-                <a:latin typeface="Consolas" panose="020B0609020204030204" pitchFamily="49" charset="0"/>
-              </a:rPr>
-              <a:t>Z</a:t>
+              <a:t> Z</a:t>
             </a:r>
             <a:r>
               <a:rPr lang="de-DE" altLang="de-DE" sz="1200" b="0" dirty="0" smtClean="0">
@@ -25462,6 +25657,13 @@
   <p:clrMapOvr>
     <a:masterClrMapping/>
   </p:clrMapOvr>
+  <p:timing>
+    <p:tnLst>
+      <p:par>
+        <p:cTn id="1" dur="indefinite" restart="never" nodeType="tmRoot"/>
+      </p:par>
+    </p:tnLst>
+  </p:timing>
 </p:sld>
 </file>
 
@@ -25697,6 +25899,13 @@
   <p:clrMapOvr>
     <a:masterClrMapping/>
   </p:clrMapOvr>
+  <p:timing>
+    <p:tnLst>
+      <p:par>
+        <p:cTn id="1" dur="indefinite" restart="never" nodeType="tmRoot"/>
+      </p:par>
+    </p:tnLst>
+  </p:timing>
 </p:sld>
 </file>
 
@@ -25784,6 +25993,143 @@
                 <a:defRPr/>
               </a:pPr>
               <a:t>30</a:t>
+            </a:fld>
+            <a:endParaRPr lang="de-DE">
+              <a:solidFill>
+                <a:prstClr val="black">
+                  <a:tint val="75000"/>
+                </a:prstClr>
+              </a:solidFill>
+            </a:endParaRPr>
+          </a:p>
+        </p:txBody>
+      </p:sp>
+      <p:sp>
+        <p:nvSpPr>
+          <p:cNvPr id="5" name="Titel 4"/>
+          <p:cNvSpPr>
+            <a:spLocks noGrp="1"/>
+          </p:cNvSpPr>
+          <p:nvPr>
+            <p:ph type="title"/>
+          </p:nvPr>
+        </p:nvSpPr>
+        <p:spPr/>
+        <p:txBody>
+          <a:bodyPr/>
+          <a:lstStyle/>
+          <a:p>
+            <a:r>
+              <a:rPr lang="de-DE" dirty="0"/>
+              <a:t>Aufgabe</a:t>
+            </a:r>
+          </a:p>
+        </p:txBody>
+      </p:sp>
+    </p:spTree>
+    <p:extLst>
+      <p:ext uri="{BB962C8B-B14F-4D97-AF65-F5344CB8AC3E}">
+        <p14:creationId xmlns:p14="http://schemas.microsoft.com/office/powerpoint/2010/main" val="3693795524"/>
+      </p:ext>
+    </p:extLst>
+  </p:cSld>
+  <p:clrMapOvr>
+    <a:masterClrMapping/>
+  </p:clrMapOvr>
+  <p:timing>
+    <p:tnLst>
+      <p:par>
+        <p:cTn id="1" dur="indefinite" restart="never" nodeType="tmRoot"/>
+      </p:par>
+    </p:tnLst>
+  </p:timing>
+</p:sld>
+</file>
+
+<file path=ppt/slides/slide31.xml><?xml version="1.0" encoding="utf-8"?>
+<p:sld xmlns:a="http://schemas.openxmlformats.org/drawingml/2006/main" xmlns:r="http://schemas.openxmlformats.org/officeDocument/2006/relationships" xmlns:p="http://schemas.openxmlformats.org/presentationml/2006/main">
+  <p:cSld>
+    <p:spTree>
+      <p:nvGrpSpPr>
+        <p:cNvPr id="1" name=""/>
+        <p:cNvGrpSpPr/>
+        <p:nvPr/>
+      </p:nvGrpSpPr>
+      <p:grpSpPr>
+        <a:xfrm>
+          <a:off x="0" y="0"/>
+          <a:ext cx="0" cy="0"/>
+          <a:chOff x="0" y="0"/>
+          <a:chExt cx="0" cy="0"/>
+        </a:xfrm>
+      </p:grpSpPr>
+      <p:sp>
+        <p:nvSpPr>
+          <p:cNvPr id="6" name="Inhaltsplatzhalter 5"/>
+          <p:cNvSpPr>
+            <a:spLocks noGrp="1"/>
+          </p:cNvSpPr>
+          <p:nvPr>
+            <p:ph idx="1"/>
+          </p:nvPr>
+        </p:nvSpPr>
+        <p:spPr/>
+        <p:txBody>
+          <a:bodyPr/>
+          <a:lstStyle/>
+          <a:p>
+            <a:pPr marL="0" indent="0">
+              <a:buNone/>
+            </a:pPr>
+            <a:r>
+              <a:rPr lang="de-DE" dirty="0"/>
+              <a:t>Modellieren Sie ein Buch, welches aus einem Inhaltsverzeichnis, einem Index sowie mehreren Kapiteln besteht, die wiederum mehrere Abschnitte haben und diese wiederum mehrere Absätze.</a:t>
+            </a:r>
+          </a:p>
+          <a:p>
+            <a:endParaRPr lang="de-DE" dirty="0"/>
+          </a:p>
+          <a:p>
+            <a:endParaRPr lang="de-DE" dirty="0"/>
+          </a:p>
+          <a:p>
+            <a:pPr marL="0" indent="0">
+              <a:buNone/>
+            </a:pPr>
+            <a:endParaRPr lang="de-DE" dirty="0"/>
+          </a:p>
+        </p:txBody>
+      </p:sp>
+      <p:sp>
+        <p:nvSpPr>
+          <p:cNvPr id="4" name="Foliennummernplatzhalter 3"/>
+          <p:cNvSpPr>
+            <a:spLocks noGrp="1"/>
+          </p:cNvSpPr>
+          <p:nvPr>
+            <p:ph type="sldNum" sz="quarter" idx="12"/>
+          </p:nvPr>
+        </p:nvSpPr>
+        <p:spPr/>
+        <p:txBody>
+          <a:bodyPr/>
+          <a:lstStyle/>
+          <a:p>
+            <a:pPr>
+              <a:defRPr/>
+            </a:pPr>
+            <a:fld id="{C0B85308-4B91-4084-B5EB-6B176834447A}" type="slidenum">
+              <a:rPr lang="de-DE" smtClean="0">
+                <a:solidFill>
+                  <a:prstClr val="black">
+                    <a:tint val="75000"/>
+                  </a:prstClr>
+                </a:solidFill>
+              </a:rPr>
+              <a:pPr>
+                <a:defRPr/>
+              </a:pPr>
+              <a:t>31</a:t>
             </a:fld>
             <a:endParaRPr lang="de-DE">
               <a:solidFill>
@@ -25840,8 +26186,8 @@
         </p:blipFill>
         <p:spPr bwMode="auto">
           <a:xfrm>
-            <a:off x="630586" y="7402657"/>
-            <a:ext cx="10680922" cy="3804642"/>
+            <a:off x="1343472" y="3450285"/>
+            <a:ext cx="7872610" cy="2804296"/>
           </a:xfrm>
           <a:prstGeom prst="rect">
             <a:avLst/>
@@ -25874,17 +26220,24 @@
     </p:spTree>
     <p:extLst>
       <p:ext uri="{BB962C8B-B14F-4D97-AF65-F5344CB8AC3E}">
-        <p14:creationId xmlns:p14="http://schemas.microsoft.com/office/powerpoint/2010/main" val="3693795524"/>
+        <p14:creationId xmlns:p14="http://schemas.microsoft.com/office/powerpoint/2010/main" val="3152265740"/>
       </p:ext>
     </p:extLst>
   </p:cSld>
   <p:clrMapOvr>
     <a:masterClrMapping/>
   </p:clrMapOvr>
+  <p:timing>
+    <p:tnLst>
+      <p:par>
+        <p:cTn id="1" dur="indefinite" restart="never" nodeType="tmRoot"/>
+      </p:par>
+    </p:tnLst>
+  </p:timing>
 </p:sld>
 </file>
 
-<file path=ppt/slides/slide31.xml><?xml version="1.0" encoding="utf-8"?>
+<file path=ppt/slides/slide32.xml><?xml version="1.0" encoding="utf-8"?>
 <p:sld xmlns:a="http://schemas.openxmlformats.org/drawingml/2006/main" xmlns:r="http://schemas.openxmlformats.org/officeDocument/2006/relationships" xmlns:p="http://schemas.openxmlformats.org/presentationml/2006/main">
   <p:cSld>
     <p:spTree>
@@ -26071,7 +26424,7 @@
               <a:pPr>
                 <a:defRPr/>
               </a:pPr>
-              <a:t>31</a:t>
+              <a:t>32</a:t>
             </a:fld>
             <a:endParaRPr lang="de-DE">
               <a:solidFill>
@@ -26093,10 +26446,17 @@
   <p:clrMapOvr>
     <a:masterClrMapping/>
   </p:clrMapOvr>
+  <p:timing>
+    <p:tnLst>
+      <p:par>
+        <p:cTn id="1" dur="indefinite" restart="never" nodeType="tmRoot"/>
+      </p:par>
+    </p:tnLst>
+  </p:timing>
 </p:sld>
 </file>
 
-<file path=ppt/slides/slide32.xml><?xml version="1.0" encoding="utf-8"?>
+<file path=ppt/slides/slide33.xml><?xml version="1.0" encoding="utf-8"?>
 <p:sld xmlns:a="http://schemas.openxmlformats.org/drawingml/2006/main" xmlns:r="http://schemas.openxmlformats.org/officeDocument/2006/relationships" xmlns:p="http://schemas.openxmlformats.org/presentationml/2006/main">
   <p:cSld>
     <p:spTree>
@@ -26277,204 +26637,6 @@
               <a:pPr>
                 <a:defRPr/>
               </a:pPr>
-              <a:t>32</a:t>
-            </a:fld>
-            <a:endParaRPr lang="de-DE">
-              <a:solidFill>
-                <a:prstClr val="black">
-                  <a:tint val="75000"/>
-                </a:prstClr>
-              </a:solidFill>
-            </a:endParaRPr>
-          </a:p>
-        </p:txBody>
-      </p:sp>
-    </p:spTree>
-  </p:cSld>
-  <p:clrMapOvr>
-    <a:masterClrMapping/>
-  </p:clrMapOvr>
-</p:sld>
-</file>
-
-<file path=ppt/slides/slide33.xml><?xml version="1.0" encoding="utf-8"?>
-<p:sld xmlns:a="http://schemas.openxmlformats.org/drawingml/2006/main" xmlns:r="http://schemas.openxmlformats.org/officeDocument/2006/relationships" xmlns:p="http://schemas.openxmlformats.org/presentationml/2006/main">
-  <p:cSld>
-    <p:spTree>
-      <p:nvGrpSpPr>
-        <p:cNvPr id="1" name=""/>
-        <p:cNvGrpSpPr/>
-        <p:nvPr/>
-      </p:nvGrpSpPr>
-      <p:grpSpPr>
-        <a:xfrm>
-          <a:off x="0" y="0"/>
-          <a:ext cx="0" cy="0"/>
-          <a:chOff x="0" y="0"/>
-          <a:chExt cx="0" cy="0"/>
-        </a:xfrm>
-      </p:grpSpPr>
-      <p:sp>
-        <p:nvSpPr>
-          <p:cNvPr id="32770" name="Rectangle 2"/>
-          <p:cNvSpPr>
-            <a:spLocks noGrp="1" noChangeArrowheads="1"/>
-          </p:cNvSpPr>
-          <p:nvPr>
-            <p:ph type="title"/>
-          </p:nvPr>
-        </p:nvSpPr>
-        <p:spPr/>
-        <p:txBody>
-          <a:bodyPr vert="horz" lIns="0" tIns="0" rIns="0" bIns="0" rtlCol="0" anchor="ctr">
-            <a:noAutofit/>
-          </a:bodyPr>
-          <a:lstStyle/>
-          <a:p>
-            <a:r>
-              <a:rPr lang="de-DE" dirty="0"/>
-              <a:t>Wofür ist Vererbung gut?</a:t>
-            </a:r>
-          </a:p>
-        </p:txBody>
-      </p:sp>
-      <p:sp>
-        <p:nvSpPr>
-          <p:cNvPr id="32771" name="Rectangle 3"/>
-          <p:cNvSpPr>
-            <a:spLocks noGrp="1" noChangeArrowheads="1"/>
-          </p:cNvSpPr>
-          <p:nvPr>
-            <p:ph idx="1"/>
-          </p:nvPr>
-        </p:nvSpPr>
-        <p:spPr/>
-        <p:txBody>
-          <a:bodyPr vert="horz" lIns="0" tIns="0" rIns="0" bIns="0" rtlCol="0">
-            <a:normAutofit/>
-          </a:bodyPr>
-          <a:lstStyle/>
-          <a:p>
-            <a:pPr marL="419100" indent="-419100"/>
-            <a:r>
-              <a:rPr lang="de-DE" dirty="0"/>
-              <a:t>Neue Software baut oft auf alter Software durch </a:t>
-            </a:r>
-            <a:r>
-              <a:rPr lang="de-DE" i="1" dirty="0">
-                <a:solidFill>
-                  <a:srgbClr val="7F0101"/>
-                </a:solidFill>
-              </a:rPr>
-              <a:t>Nachahmung</a:t>
-            </a:r>
-            <a:r>
-              <a:rPr lang="de-DE" dirty="0"/>
-              <a:t>, </a:t>
-            </a:r>
-            <a:r>
-              <a:rPr lang="de-DE" i="1" dirty="0">
-                <a:solidFill>
-                  <a:srgbClr val="7F0101"/>
-                </a:solidFill>
-              </a:rPr>
-              <a:t>Verfeinerung</a:t>
-            </a:r>
-            <a:r>
-              <a:rPr lang="de-DE" dirty="0"/>
-              <a:t> oder </a:t>
-            </a:r>
-            <a:r>
-              <a:rPr lang="de-DE" i="1" dirty="0">
-                <a:solidFill>
-                  <a:srgbClr val="7F0101"/>
-                </a:solidFill>
-              </a:rPr>
-              <a:t>Kombination </a:t>
-            </a:r>
-            <a:r>
-              <a:rPr lang="de-DE" dirty="0"/>
-              <a:t>auf.</a:t>
-            </a:r>
-          </a:p>
-          <a:p>
-            <a:pPr marL="419100" indent="-419100"/>
-            <a:endParaRPr lang="de-DE" dirty="0"/>
-          </a:p>
-          <a:p>
-            <a:pPr marL="419100" indent="-419100"/>
-            <a:r>
-              <a:rPr lang="de-DE" dirty="0"/>
-              <a:t>Genauso: Klassen können basierend auf existierenden Klassen </a:t>
-            </a:r>
-            <a:r>
-              <a:rPr lang="de-DE" i="1" dirty="0">
-                <a:solidFill>
-                  <a:srgbClr val="7F0101"/>
-                </a:solidFill>
-              </a:rPr>
-              <a:t>erweitert</a:t>
-            </a:r>
-            <a:r>
-              <a:rPr lang="de-DE" dirty="0"/>
-              <a:t>, </a:t>
-            </a:r>
-            <a:r>
-              <a:rPr lang="de-DE" i="1" dirty="0">
-                <a:solidFill>
-                  <a:srgbClr val="7F0101"/>
-                </a:solidFill>
-              </a:rPr>
-              <a:t>spezialisiert</a:t>
-            </a:r>
-            <a:r>
-              <a:rPr lang="de-DE" dirty="0"/>
-              <a:t> oder </a:t>
-            </a:r>
-            <a:r>
-              <a:rPr lang="de-DE" i="1" dirty="0">
-                <a:solidFill>
-                  <a:srgbClr val="7F0101"/>
-                </a:solidFill>
-              </a:rPr>
-              <a:t>kombiniert </a:t>
-            </a:r>
-            <a:r>
-              <a:rPr lang="de-DE" dirty="0"/>
-              <a:t>werden</a:t>
-            </a:r>
-          </a:p>
-        </p:txBody>
-      </p:sp>
-      <p:sp>
-        <p:nvSpPr>
-          <p:cNvPr id="2" name="Foliennummernplatzhalter 1"/>
-          <p:cNvSpPr>
-            <a:spLocks noGrp="1"/>
-          </p:cNvSpPr>
-          <p:nvPr>
-            <p:ph type="sldNum" sz="quarter" idx="12"/>
-          </p:nvPr>
-        </p:nvSpPr>
-        <p:spPr/>
-        <p:txBody>
-          <a:bodyPr/>
-          <a:lstStyle/>
-          <a:p>
-            <a:pPr>
-              <a:defRPr/>
-            </a:pPr>
-            <a:fld id="{C0B85308-4B91-4084-B5EB-6B176834447A}" type="slidenum">
-              <a:rPr lang="de-DE" smtClean="0">
-                <a:solidFill>
-                  <a:prstClr val="black">
-                    <a:tint val="75000"/>
-                  </a:prstClr>
-                </a:solidFill>
-              </a:rPr>
-              <a:pPr>
-                <a:defRPr/>
-              </a:pPr>
               <a:t>33</a:t>
             </a:fld>
             <a:endParaRPr lang="de-DE">
@@ -26492,6 +26654,13 @@
   <p:clrMapOvr>
     <a:masterClrMapping/>
   </p:clrMapOvr>
+  <p:timing>
+    <p:tnLst>
+      <p:par>
+        <p:cTn id="1" dur="indefinite" restart="never" nodeType="tmRoot"/>
+      </p:par>
+    </p:tnLst>
+  </p:timing>
 </p:sld>
 </file>
 
@@ -26514,7 +26683,7 @@
       </p:grpSpPr>
       <p:sp>
         <p:nvSpPr>
-          <p:cNvPr id="33794" name="Rectangle 2"/>
+          <p:cNvPr id="32770" name="Rectangle 2"/>
           <p:cNvSpPr>
             <a:spLocks noGrp="1" noChangeArrowheads="1"/>
           </p:cNvSpPr>
@@ -26530,31 +26699,15 @@
           <a:lstStyle/>
           <a:p>
             <a:r>
-              <a:rPr lang="en-US" dirty="0" err="1" smtClean="0"/>
-              <a:t>Generalisierung</a:t>
-            </a:r>
-            <a:r>
-              <a:rPr lang="en-US" dirty="0" smtClean="0"/>
-              <a:t> </a:t>
-            </a:r>
-            <a:r>
-              <a:rPr lang="en-US" dirty="0" err="1" smtClean="0"/>
-              <a:t>Beschreibt</a:t>
-            </a:r>
-            <a:r>
-              <a:rPr lang="en-US" dirty="0" smtClean="0"/>
-              <a:t> </a:t>
-            </a:r>
-            <a:r>
-              <a:rPr lang="en-US" dirty="0"/>
-              <a:t>...</a:t>
+              <a:rPr lang="de-DE" dirty="0"/>
+              <a:t>Wofür ist Vererbung gut?</a:t>
             </a:r>
           </a:p>
         </p:txBody>
       </p:sp>
       <p:sp>
         <p:nvSpPr>
-          <p:cNvPr id="33795" name="Rectangle 3"/>
+          <p:cNvPr id="32771" name="Rectangle 3"/>
           <p:cNvSpPr>
             <a:spLocks noGrp="1" noChangeArrowheads="1"/>
           </p:cNvSpPr>
@@ -26569,223 +26722,93 @@
           </a:bodyPr>
           <a:lstStyle/>
           <a:p>
-            <a:pPr>
-              <a:lnSpc>
-                <a:spcPct val="90000"/>
-              </a:lnSpc>
-              <a:buNone/>
-            </a:pPr>
-            <a:r>
-              <a:rPr lang="de-DE" sz="2000" b="1" i="1" dirty="0"/>
-              <a:t>Konzeptuelle Hierarchie:</a:t>
-            </a:r>
-          </a:p>
-          <a:p>
-            <a:pPr>
-              <a:lnSpc>
-                <a:spcPct val="90000"/>
-              </a:lnSpc>
-            </a:pPr>
-            <a:r>
-              <a:rPr lang="de-DE" sz="2000" dirty="0"/>
-              <a:t>Konzeptuell verwandte Klassen können in </a:t>
-            </a:r>
-            <a:r>
-              <a:rPr lang="de-DE" sz="2000" i="1" dirty="0">
+            <a:pPr marL="419100" indent="-419100"/>
+            <a:r>
+              <a:rPr lang="de-DE" dirty="0"/>
+              <a:t>Neue Software baut oft auf alter Software durch </a:t>
+            </a:r>
+            <a:r>
+              <a:rPr lang="de-DE" i="1" dirty="0">
                 <a:solidFill>
                   <a:srgbClr val="7F0101"/>
                 </a:solidFill>
               </a:rPr>
-              <a:t>Spezialisierungs</a:t>
-            </a:r>
-            <a:r>
-              <a:rPr lang="de-DE" sz="2000" dirty="0"/>
-              <a:t>hierarchien organisiert werden </a:t>
-            </a:r>
-          </a:p>
-          <a:p>
-            <a:pPr lvl="1">
-              <a:lnSpc>
-                <a:spcPct val="90000"/>
-              </a:lnSpc>
-            </a:pPr>
-            <a:r>
-              <a:rPr lang="de-DE" sz="2000" dirty="0" err="1"/>
-              <a:t>people</a:t>
-            </a:r>
-            <a:r>
-              <a:rPr lang="de-DE" sz="2000" dirty="0"/>
+              <a:t>Nachahmung</a:t>
+            </a:r>
+            <a:r>
+              <a:rPr lang="de-DE" dirty="0"/>
               <a:t>, </a:t>
             </a:r>
             <a:r>
-              <a:rPr lang="de-DE" sz="2000" dirty="0" err="1"/>
-              <a:t>employees</a:t>
-            </a:r>
-            <a:r>
-              <a:rPr lang="de-DE" sz="2000" dirty="0"/>
+              <a:rPr lang="de-DE" i="1" dirty="0">
+                <a:solidFill>
+                  <a:srgbClr val="7F0101"/>
+                </a:solidFill>
+              </a:rPr>
+              <a:t>Verfeinerung</a:t>
+            </a:r>
+            <a:r>
+              <a:rPr lang="de-DE" dirty="0"/>
+              <a:t> oder </a:t>
+            </a:r>
+            <a:r>
+              <a:rPr lang="de-DE" i="1" dirty="0">
+                <a:solidFill>
+                  <a:srgbClr val="7F0101"/>
+                </a:solidFill>
+              </a:rPr>
+              <a:t>Kombination </a:t>
+            </a:r>
+            <a:r>
+              <a:rPr lang="de-DE" dirty="0"/>
+              <a:t>auf.</a:t>
+            </a:r>
+          </a:p>
+          <a:p>
+            <a:pPr marL="419100" indent="-419100"/>
+            <a:endParaRPr lang="de-DE" dirty="0"/>
+          </a:p>
+          <a:p>
+            <a:pPr marL="419100" indent="-419100"/>
+            <a:r>
+              <a:rPr lang="de-DE" dirty="0"/>
+              <a:t>Genauso: Klassen können basierend auf existierenden Klassen </a:t>
+            </a:r>
+            <a:r>
+              <a:rPr lang="de-DE" i="1" dirty="0">
+                <a:solidFill>
+                  <a:srgbClr val="7F0101"/>
+                </a:solidFill>
+              </a:rPr>
+              <a:t>erweitert</a:t>
+            </a:r>
+            <a:r>
+              <a:rPr lang="de-DE" dirty="0"/>
               <a:t>, </a:t>
             </a:r>
             <a:r>
-              <a:rPr lang="de-DE" sz="2000" dirty="0" err="1"/>
-              <a:t>managers</a:t>
-            </a:r>
-            <a:endParaRPr lang="de-DE" sz="2000" dirty="0"/>
-          </a:p>
-          <a:p>
-            <a:pPr lvl="1">
-              <a:lnSpc>
-                <a:spcPct val="90000"/>
-              </a:lnSpc>
-            </a:pPr>
-            <a:r>
-              <a:rPr lang="de-DE" sz="2000" dirty="0" err="1"/>
-              <a:t>geometric</a:t>
-            </a:r>
-            <a:r>
-              <a:rPr lang="de-DE" sz="2000" dirty="0"/>
-              <a:t> </a:t>
-            </a:r>
-            <a:r>
-              <a:rPr lang="de-DE" sz="2000" dirty="0" err="1"/>
-              <a:t>objects</a:t>
-            </a:r>
-            <a:r>
-              <a:rPr lang="de-DE" sz="2000" dirty="0"/>
-              <a:t> ...</a:t>
-            </a:r>
-          </a:p>
-          <a:p>
-            <a:pPr>
-              <a:lnSpc>
-                <a:spcPct val="90000"/>
-              </a:lnSpc>
-              <a:buNone/>
-            </a:pPr>
-            <a:r>
-              <a:rPr lang="de-DE" sz="2000" b="1" i="1" dirty="0"/>
-              <a:t>Polymorphie:</a:t>
+              <a:rPr lang="de-DE" i="1" dirty="0">
+                <a:solidFill>
+                  <a:srgbClr val="7F0101"/>
+                </a:solidFill>
+              </a:rPr>
+              <a:t>spezialisiert</a:t>
             </a:r>
             <a:r>
               <a:rPr lang="de-DE" dirty="0"/>
-              <a:t> </a:t>
-            </a:r>
-          </a:p>
-          <a:p>
-            <a:pPr>
-              <a:lnSpc>
-                <a:spcPct val="90000"/>
-              </a:lnSpc>
-            </a:pPr>
-            <a:r>
-              <a:rPr lang="de-DE" sz="2000" dirty="0"/>
-              <a:t>Objekte von unterschiedlichen, aber verwandten Klassen können </a:t>
-            </a:r>
-            <a:r>
-              <a:rPr lang="de-DE" sz="2000" i="1" dirty="0">
-                <a:solidFill>
-                  <a:srgbClr val="C00000"/>
-                </a:solidFill>
-              </a:rPr>
-              <a:t>uniform</a:t>
-            </a:r>
-            <a:r>
-              <a:rPr lang="de-DE" sz="2000" dirty="0"/>
-              <a:t> (gleich) durch einen Benutzer benutzt werden</a:t>
-            </a:r>
-          </a:p>
-          <a:p>
-            <a:pPr lvl="1">
-              <a:lnSpc>
-                <a:spcPct val="90000"/>
-              </a:lnSpc>
-            </a:pPr>
-            <a:r>
-              <a:rPr lang="de-DE" sz="2000" dirty="0" err="1"/>
-              <a:t>array</a:t>
-            </a:r>
-            <a:r>
-              <a:rPr lang="de-DE" sz="2000" dirty="0"/>
-              <a:t> </a:t>
-            </a:r>
-            <a:r>
-              <a:rPr lang="de-DE" sz="2000" dirty="0" err="1"/>
-              <a:t>of</a:t>
-            </a:r>
-            <a:r>
-              <a:rPr lang="de-DE" sz="2000" dirty="0"/>
-              <a:t> </a:t>
-            </a:r>
-            <a:r>
-              <a:rPr lang="de-DE" sz="2000" dirty="0" err="1"/>
-              <a:t>geometric</a:t>
-            </a:r>
-            <a:r>
-              <a:rPr lang="de-DE" sz="2000" dirty="0"/>
-              <a:t> </a:t>
-            </a:r>
-            <a:r>
-              <a:rPr lang="de-DE" sz="2000" dirty="0" err="1"/>
-              <a:t>objects</a:t>
-            </a:r>
-            <a:endParaRPr lang="de-DE" sz="2000" dirty="0"/>
-          </a:p>
-          <a:p>
-            <a:pPr>
-              <a:lnSpc>
-                <a:spcPct val="90000"/>
-              </a:lnSpc>
-              <a:buNone/>
-            </a:pPr>
-            <a:r>
-              <a:rPr lang="de-DE" sz="2000" b="1" i="1" dirty="0"/>
-              <a:t>Software Wiederverwendung:</a:t>
+              <a:t> oder </a:t>
+            </a:r>
+            <a:r>
+              <a:rPr lang="de-DE" i="1" dirty="0">
+                <a:solidFill>
+                  <a:srgbClr val="7F0101"/>
+                </a:solidFill>
+              </a:rPr>
+              <a:t>kombiniert </a:t>
             </a:r>
             <a:r>
               <a:rPr lang="de-DE" dirty="0"/>
-              <a:t> </a:t>
-            </a:r>
-          </a:p>
-          <a:p>
-            <a:pPr>
-              <a:lnSpc>
-                <a:spcPct val="90000"/>
-              </a:lnSpc>
-            </a:pPr>
-            <a:r>
-              <a:rPr lang="de-DE" sz="2000" dirty="0"/>
-              <a:t>Verwandte Klassen können Interfaces, Datenstrukturen und Verhalten </a:t>
-            </a:r>
-            <a:r>
-              <a:rPr lang="de-DE" sz="2000" i="1" dirty="0">
-                <a:solidFill>
-                  <a:srgbClr val="7F0101"/>
-                </a:solidFill>
-              </a:rPr>
-              <a:t>teilen</a:t>
-            </a:r>
-            <a:endParaRPr lang="de-DE" sz="2000" dirty="0"/>
-          </a:p>
-          <a:p>
-            <a:pPr lvl="1">
-              <a:lnSpc>
-                <a:spcPct val="90000"/>
-              </a:lnSpc>
-            </a:pPr>
-            <a:r>
-              <a:rPr lang="de-DE" sz="2000" dirty="0" err="1"/>
-              <a:t>geometric</a:t>
-            </a:r>
-            <a:r>
-              <a:rPr lang="de-DE" sz="2000" dirty="0"/>
-              <a:t> </a:t>
-            </a:r>
-            <a:r>
-              <a:rPr lang="de-DE" sz="2000" dirty="0" err="1"/>
-              <a:t>objects</a:t>
-            </a:r>
-            <a:r>
-              <a:rPr lang="de-DE" sz="2000" dirty="0"/>
-              <a:t> ...</a:t>
+              <a:t>werden</a:t>
             </a:r>
           </a:p>
         </p:txBody>
@@ -26836,6 +26859,13 @@
   <p:clrMapOvr>
     <a:masterClrMapping/>
   </p:clrMapOvr>
+  <p:timing>
+    <p:tnLst>
+      <p:par>
+        <p:cTn id="1" dur="indefinite" restart="never" nodeType="tmRoot"/>
+      </p:par>
+    </p:tnLst>
+  </p:timing>
 </p:sld>
 </file>
 
@@ -26858,6 +26888,357 @@
       </p:grpSpPr>
       <p:sp>
         <p:nvSpPr>
+          <p:cNvPr id="33794" name="Rectangle 2"/>
+          <p:cNvSpPr>
+            <a:spLocks noGrp="1" noChangeArrowheads="1"/>
+          </p:cNvSpPr>
+          <p:nvPr>
+            <p:ph type="title"/>
+          </p:nvPr>
+        </p:nvSpPr>
+        <p:spPr/>
+        <p:txBody>
+          <a:bodyPr vert="horz" lIns="0" tIns="0" rIns="0" bIns="0" rtlCol="0" anchor="ctr">
+            <a:noAutofit/>
+          </a:bodyPr>
+          <a:lstStyle/>
+          <a:p>
+            <a:r>
+              <a:rPr lang="en-US" dirty="0" err="1" smtClean="0"/>
+              <a:t>Generalisierung</a:t>
+            </a:r>
+            <a:r>
+              <a:rPr lang="en-US" dirty="0" smtClean="0"/>
+              <a:t> </a:t>
+            </a:r>
+            <a:r>
+              <a:rPr lang="en-US" dirty="0" err="1" smtClean="0"/>
+              <a:t>Beschreibt</a:t>
+            </a:r>
+            <a:r>
+              <a:rPr lang="en-US" dirty="0" smtClean="0"/>
+              <a:t> </a:t>
+            </a:r>
+            <a:r>
+              <a:rPr lang="en-US" dirty="0"/>
+              <a:t>...</a:t>
+            </a:r>
+          </a:p>
+        </p:txBody>
+      </p:sp>
+      <p:sp>
+        <p:nvSpPr>
+          <p:cNvPr id="33795" name="Rectangle 3"/>
+          <p:cNvSpPr>
+            <a:spLocks noGrp="1" noChangeArrowheads="1"/>
+          </p:cNvSpPr>
+          <p:nvPr>
+            <p:ph idx="1"/>
+          </p:nvPr>
+        </p:nvSpPr>
+        <p:spPr/>
+        <p:txBody>
+          <a:bodyPr vert="horz" lIns="0" tIns="0" rIns="0" bIns="0" rtlCol="0">
+            <a:normAutofit/>
+          </a:bodyPr>
+          <a:lstStyle/>
+          <a:p>
+            <a:pPr>
+              <a:lnSpc>
+                <a:spcPct val="90000"/>
+              </a:lnSpc>
+              <a:buNone/>
+            </a:pPr>
+            <a:r>
+              <a:rPr lang="de-DE" sz="2000" b="1" i="1" dirty="0"/>
+              <a:t>Konzeptuelle Hierarchie:</a:t>
+            </a:r>
+          </a:p>
+          <a:p>
+            <a:pPr>
+              <a:lnSpc>
+                <a:spcPct val="90000"/>
+              </a:lnSpc>
+            </a:pPr>
+            <a:r>
+              <a:rPr lang="de-DE" sz="2000" dirty="0"/>
+              <a:t>Konzeptuell verwandte Klassen können in </a:t>
+            </a:r>
+            <a:r>
+              <a:rPr lang="de-DE" sz="2000" i="1" dirty="0">
+                <a:solidFill>
+                  <a:srgbClr val="7F0101"/>
+                </a:solidFill>
+              </a:rPr>
+              <a:t>Spezialisierungs</a:t>
+            </a:r>
+            <a:r>
+              <a:rPr lang="de-DE" sz="2000" dirty="0"/>
+              <a:t>hierarchien organisiert werden </a:t>
+            </a:r>
+          </a:p>
+          <a:p>
+            <a:pPr lvl="1">
+              <a:lnSpc>
+                <a:spcPct val="90000"/>
+              </a:lnSpc>
+            </a:pPr>
+            <a:r>
+              <a:rPr lang="de-DE" sz="2000" dirty="0" err="1"/>
+              <a:t>people</a:t>
+            </a:r>
+            <a:r>
+              <a:rPr lang="de-DE" sz="2000" dirty="0"/>
+              <a:t>, </a:t>
+            </a:r>
+            <a:r>
+              <a:rPr lang="de-DE" sz="2000" dirty="0" err="1"/>
+              <a:t>employees</a:t>
+            </a:r>
+            <a:r>
+              <a:rPr lang="de-DE" sz="2000" dirty="0"/>
+              <a:t>, </a:t>
+            </a:r>
+            <a:r>
+              <a:rPr lang="de-DE" sz="2000" dirty="0" err="1"/>
+              <a:t>managers</a:t>
+            </a:r>
+            <a:endParaRPr lang="de-DE" sz="2000" dirty="0"/>
+          </a:p>
+          <a:p>
+            <a:pPr lvl="1">
+              <a:lnSpc>
+                <a:spcPct val="90000"/>
+              </a:lnSpc>
+            </a:pPr>
+            <a:r>
+              <a:rPr lang="de-DE" sz="2000" dirty="0" err="1"/>
+              <a:t>geometric</a:t>
+            </a:r>
+            <a:r>
+              <a:rPr lang="de-DE" sz="2000" dirty="0"/>
+              <a:t> </a:t>
+            </a:r>
+            <a:r>
+              <a:rPr lang="de-DE" sz="2000" dirty="0" err="1"/>
+              <a:t>objects</a:t>
+            </a:r>
+            <a:r>
+              <a:rPr lang="de-DE" sz="2000" dirty="0"/>
+              <a:t> ...</a:t>
+            </a:r>
+          </a:p>
+          <a:p>
+            <a:pPr>
+              <a:lnSpc>
+                <a:spcPct val="90000"/>
+              </a:lnSpc>
+              <a:buNone/>
+            </a:pPr>
+            <a:r>
+              <a:rPr lang="de-DE" sz="2000" b="1" i="1" dirty="0"/>
+              <a:t>Polymorphie:</a:t>
+            </a:r>
+            <a:r>
+              <a:rPr lang="de-DE" dirty="0"/>
+              <a:t> </a:t>
+            </a:r>
+          </a:p>
+          <a:p>
+            <a:pPr>
+              <a:lnSpc>
+                <a:spcPct val="90000"/>
+              </a:lnSpc>
+            </a:pPr>
+            <a:r>
+              <a:rPr lang="de-DE" sz="2000" dirty="0"/>
+              <a:t>Objekte von unterschiedlichen, aber verwandten Klassen können </a:t>
+            </a:r>
+            <a:r>
+              <a:rPr lang="de-DE" sz="2000" i="1" dirty="0">
+                <a:solidFill>
+                  <a:srgbClr val="C00000"/>
+                </a:solidFill>
+              </a:rPr>
+              <a:t>uniform</a:t>
+            </a:r>
+            <a:r>
+              <a:rPr lang="de-DE" sz="2000" dirty="0"/>
+              <a:t> (gleich) durch einen Benutzer benutzt werden</a:t>
+            </a:r>
+          </a:p>
+          <a:p>
+            <a:pPr lvl="1">
+              <a:lnSpc>
+                <a:spcPct val="90000"/>
+              </a:lnSpc>
+            </a:pPr>
+            <a:r>
+              <a:rPr lang="de-DE" sz="2000" dirty="0" err="1"/>
+              <a:t>array</a:t>
+            </a:r>
+            <a:r>
+              <a:rPr lang="de-DE" sz="2000" dirty="0"/>
+              <a:t> </a:t>
+            </a:r>
+            <a:r>
+              <a:rPr lang="de-DE" sz="2000" dirty="0" err="1"/>
+              <a:t>of</a:t>
+            </a:r>
+            <a:r>
+              <a:rPr lang="de-DE" sz="2000" dirty="0"/>
+              <a:t> </a:t>
+            </a:r>
+            <a:r>
+              <a:rPr lang="de-DE" sz="2000" dirty="0" err="1"/>
+              <a:t>geometric</a:t>
+            </a:r>
+            <a:r>
+              <a:rPr lang="de-DE" sz="2000" dirty="0"/>
+              <a:t> </a:t>
+            </a:r>
+            <a:r>
+              <a:rPr lang="de-DE" sz="2000" dirty="0" err="1"/>
+              <a:t>objects</a:t>
+            </a:r>
+            <a:endParaRPr lang="de-DE" sz="2000" dirty="0"/>
+          </a:p>
+          <a:p>
+            <a:pPr>
+              <a:lnSpc>
+                <a:spcPct val="90000"/>
+              </a:lnSpc>
+              <a:buNone/>
+            </a:pPr>
+            <a:r>
+              <a:rPr lang="de-DE" sz="2000" b="1" i="1" dirty="0"/>
+              <a:t>Software Wiederverwendung:</a:t>
+            </a:r>
+            <a:r>
+              <a:rPr lang="de-DE" dirty="0"/>
+              <a:t> </a:t>
+            </a:r>
+          </a:p>
+          <a:p>
+            <a:pPr>
+              <a:lnSpc>
+                <a:spcPct val="90000"/>
+              </a:lnSpc>
+            </a:pPr>
+            <a:r>
+              <a:rPr lang="de-DE" sz="2000" dirty="0"/>
+              <a:t>Verwandte Klassen können Interfaces, Datenstrukturen und Verhalten </a:t>
+            </a:r>
+            <a:r>
+              <a:rPr lang="de-DE" sz="2000" i="1" dirty="0">
+                <a:solidFill>
+                  <a:srgbClr val="7F0101"/>
+                </a:solidFill>
+              </a:rPr>
+              <a:t>teilen</a:t>
+            </a:r>
+            <a:endParaRPr lang="de-DE" sz="2000" dirty="0"/>
+          </a:p>
+          <a:p>
+            <a:pPr lvl="1">
+              <a:lnSpc>
+                <a:spcPct val="90000"/>
+              </a:lnSpc>
+            </a:pPr>
+            <a:r>
+              <a:rPr lang="de-DE" sz="2000" dirty="0" err="1"/>
+              <a:t>geometric</a:t>
+            </a:r>
+            <a:r>
+              <a:rPr lang="de-DE" sz="2000" dirty="0"/>
+              <a:t> </a:t>
+            </a:r>
+            <a:r>
+              <a:rPr lang="de-DE" sz="2000" dirty="0" err="1"/>
+              <a:t>objects</a:t>
+            </a:r>
+            <a:r>
+              <a:rPr lang="de-DE" sz="2000" dirty="0"/>
+              <a:t> ...</a:t>
+            </a:r>
+          </a:p>
+        </p:txBody>
+      </p:sp>
+      <p:sp>
+        <p:nvSpPr>
+          <p:cNvPr id="2" name="Foliennummernplatzhalter 1"/>
+          <p:cNvSpPr>
+            <a:spLocks noGrp="1"/>
+          </p:cNvSpPr>
+          <p:nvPr>
+            <p:ph type="sldNum" sz="quarter" idx="12"/>
+          </p:nvPr>
+        </p:nvSpPr>
+        <p:spPr/>
+        <p:txBody>
+          <a:bodyPr/>
+          <a:lstStyle/>
+          <a:p>
+            <a:pPr>
+              <a:defRPr/>
+            </a:pPr>
+            <a:fld id="{C0B85308-4B91-4084-B5EB-6B176834447A}" type="slidenum">
+              <a:rPr lang="de-DE" smtClean="0">
+                <a:solidFill>
+                  <a:prstClr val="black">
+                    <a:tint val="75000"/>
+                  </a:prstClr>
+                </a:solidFill>
+              </a:rPr>
+              <a:pPr>
+                <a:defRPr/>
+              </a:pPr>
+              <a:t>35</a:t>
+            </a:fld>
+            <a:endParaRPr lang="de-DE">
+              <a:solidFill>
+                <a:prstClr val="black">
+                  <a:tint val="75000"/>
+                </a:prstClr>
+              </a:solidFill>
+            </a:endParaRPr>
+          </a:p>
+        </p:txBody>
+      </p:sp>
+    </p:spTree>
+  </p:cSld>
+  <p:clrMapOvr>
+    <a:masterClrMapping/>
+  </p:clrMapOvr>
+  <p:timing>
+    <p:tnLst>
+      <p:par>
+        <p:cTn id="1" dur="indefinite" restart="never" nodeType="tmRoot"/>
+      </p:par>
+    </p:tnLst>
+  </p:timing>
+</p:sld>
+</file>
+
+<file path=ppt/slides/slide36.xml><?xml version="1.0" encoding="utf-8"?>
+<p:sld xmlns:a="http://schemas.openxmlformats.org/drawingml/2006/main" xmlns:r="http://schemas.openxmlformats.org/officeDocument/2006/relationships" xmlns:p="http://schemas.openxmlformats.org/presentationml/2006/main">
+  <p:cSld>
+    <p:spTree>
+      <p:nvGrpSpPr>
+        <p:cNvPr id="1" name=""/>
+        <p:cNvGrpSpPr/>
+        <p:nvPr/>
+      </p:nvGrpSpPr>
+      <p:grpSpPr>
+        <a:xfrm>
+          <a:off x="0" y="0"/>
+          <a:ext cx="0" cy="0"/>
+          <a:chOff x="0" y="0"/>
+          <a:chExt cx="0" cy="0"/>
+        </a:xfrm>
+      </p:grpSpPr>
+      <p:sp>
+        <p:nvSpPr>
           <p:cNvPr id="6" name="Inhaltsplatzhalter 5"/>
           <p:cNvSpPr>
             <a:spLocks noGrp="1"/>
@@ -26934,7 +27315,7 @@
               <a:pPr>
                 <a:defRPr/>
               </a:pPr>
-              <a:t>35</a:t>
+              <a:t>36</a:t>
             </a:fld>
             <a:endParaRPr lang="de-DE">
               <a:solidFill>
@@ -27032,10 +27413,17 @@
   <p:clrMapOvr>
     <a:masterClrMapping/>
   </p:clrMapOvr>
+  <p:timing>
+    <p:tnLst>
+      <p:par>
+        <p:cTn id="1" dur="indefinite" restart="never" nodeType="tmRoot"/>
+      </p:par>
+    </p:tnLst>
+  </p:timing>
 </p:sld>
 </file>
 
-<file path=ppt/slides/slide36.xml><?xml version="1.0" encoding="utf-8"?>
+<file path=ppt/slides/slide37.xml><?xml version="1.0" encoding="utf-8"?>
 <p:sld xmlns:a="http://schemas.openxmlformats.org/drawingml/2006/main" xmlns:r="http://schemas.openxmlformats.org/officeDocument/2006/relationships" xmlns:p="http://schemas.openxmlformats.org/presentationml/2006/main">
   <p:cSld>
     <p:spTree>
@@ -27124,7 +27512,7 @@
               <a:pPr>
                 <a:defRPr/>
               </a:pPr>
-              <a:t>36</a:t>
+              <a:t>37</a:t>
             </a:fld>
             <a:endParaRPr lang="de-DE">
               <a:solidFill>
@@ -27195,10 +27583,17 @@
   <p:clrMapOvr>
     <a:masterClrMapping/>
   </p:clrMapOvr>
+  <p:timing>
+    <p:tnLst>
+      <p:par>
+        <p:cTn id="1" dur="indefinite" restart="never" nodeType="tmRoot"/>
+      </p:par>
+    </p:tnLst>
+  </p:timing>
 </p:sld>
 </file>
 
-<file path=ppt/slides/slide37.xml><?xml version="1.0" encoding="utf-8"?>
+<file path=ppt/slides/slide38.xml><?xml version="1.0" encoding="utf-8"?>
 <p:sld xmlns:a="http://schemas.openxmlformats.org/drawingml/2006/main" xmlns:r="http://schemas.openxmlformats.org/officeDocument/2006/relationships" xmlns:p="http://schemas.openxmlformats.org/presentationml/2006/main">
   <p:cSld>
     <p:spTree>
@@ -27376,7 +27771,7 @@
               <a:pPr>
                 <a:defRPr/>
               </a:pPr>
-              <a:t>37</a:t>
+              <a:t>38</a:t>
             </a:fld>
             <a:endParaRPr lang="de-DE">
               <a:solidFill>
@@ -27401,7 +27796,7 @@
 </p:sld>
 </file>
 
-<file path=ppt/slides/slide38.xml><?xml version="1.0" encoding="utf-8"?>
+<file path=ppt/slides/slide39.xml><?xml version="1.0" encoding="utf-8"?>
 <p:sld xmlns:a="http://schemas.openxmlformats.org/drawingml/2006/main" xmlns:r="http://schemas.openxmlformats.org/officeDocument/2006/relationships" xmlns:p="http://schemas.openxmlformats.org/presentationml/2006/main">
   <p:cSld>
     <p:spTree>
@@ -27730,7 +28125,7 @@
               <a:pPr>
                 <a:defRPr/>
               </a:pPr>
-              <a:t>38</a:t>
+              <a:t>39</a:t>
             </a:fld>
             <a:endParaRPr lang="de-DE">
               <a:solidFill>
@@ -27752,10 +28147,17 @@
   <p:clrMapOvr>
     <a:masterClrMapping/>
   </p:clrMapOvr>
+  <p:timing>
+    <p:tnLst>
+      <p:par>
+        <p:cTn id="1" dur="indefinite" restart="never" nodeType="tmRoot"/>
+      </p:par>
+    </p:tnLst>
+  </p:timing>
 </p:sld>
 </file>
 
-<file path=ppt/slides/slide39.xml><?xml version="1.0" encoding="utf-8"?>
+<file path=ppt/slides/slide4.xml><?xml version="1.0" encoding="utf-8"?>
 <p:sld xmlns:a="http://schemas.openxmlformats.org/drawingml/2006/main" xmlns:r="http://schemas.openxmlformats.org/officeDocument/2006/relationships" xmlns:p="http://schemas.openxmlformats.org/presentationml/2006/main">
   <p:cSld>
     <p:spTree>
@@ -27774,6 +28176,368 @@
       </p:grpSpPr>
       <p:sp>
         <p:nvSpPr>
+          <p:cNvPr id="7170" name="Rectangle 2"/>
+          <p:cNvSpPr>
+            <a:spLocks noGrp="1" noChangeArrowheads="1"/>
+          </p:cNvSpPr>
+          <p:nvPr>
+            <p:ph type="title"/>
+          </p:nvPr>
+        </p:nvSpPr>
+        <p:spPr/>
+        <p:txBody>
+          <a:bodyPr vert="horz" lIns="0" tIns="0" rIns="0" bIns="0" rtlCol="0" anchor="ctr">
+            <a:noAutofit/>
+          </a:bodyPr>
+          <a:lstStyle/>
+          <a:p>
+            <a:r>
+              <a:rPr lang="en-US"/>
+              <a:t>UML</a:t>
+            </a:r>
+          </a:p>
+        </p:txBody>
+      </p:sp>
+      <p:sp>
+        <p:nvSpPr>
+          <p:cNvPr id="7171" name="Rectangle 3"/>
+          <p:cNvSpPr>
+            <a:spLocks noGrp="1" noChangeArrowheads="1"/>
+          </p:cNvSpPr>
+          <p:nvPr>
+            <p:ph idx="1"/>
+          </p:nvPr>
+        </p:nvSpPr>
+        <p:spPr/>
+        <p:txBody>
+          <a:bodyPr vert="horz" lIns="0" tIns="0" rIns="0" bIns="0" rtlCol="0">
+            <a:normAutofit/>
+          </a:bodyPr>
+          <a:lstStyle/>
+          <a:p>
+            <a:pPr marL="419100" indent="-419100">
+              <a:lnSpc>
+                <a:spcPct val="80000"/>
+              </a:lnSpc>
+              <a:buNone/>
+            </a:pPr>
+            <a:r>
+              <a:rPr lang="de-DE" sz="2000" b="1" i="1" dirty="0"/>
+              <a:t>Was ist UML?</a:t>
+            </a:r>
+            <a:endParaRPr lang="de-DE" sz="2000" dirty="0"/>
+          </a:p>
+          <a:p>
+            <a:pPr marL="419100" indent="-419100">
+              <a:lnSpc>
+                <a:spcPct val="80000"/>
+              </a:lnSpc>
+            </a:pPr>
+            <a:r>
+              <a:rPr lang="de-DE" sz="2000" dirty="0"/>
+              <a:t>Uniform </a:t>
+            </a:r>
+            <a:r>
+              <a:rPr lang="de-DE" sz="2000" dirty="0" err="1"/>
+              <a:t>notation</a:t>
+            </a:r>
+            <a:r>
+              <a:rPr lang="de-DE" sz="2000" dirty="0"/>
+              <a:t>: </a:t>
+            </a:r>
+            <a:r>
+              <a:rPr lang="de-DE" sz="2000" dirty="0" err="1"/>
+              <a:t>Booch</a:t>
+            </a:r>
+            <a:r>
+              <a:rPr lang="de-DE" sz="2000" dirty="0"/>
+              <a:t> + OMT + </a:t>
+            </a:r>
+            <a:r>
+              <a:rPr lang="de-DE" sz="2000" dirty="0" err="1"/>
+              <a:t>Use</a:t>
+            </a:r>
+            <a:r>
+              <a:rPr lang="de-DE" sz="2000" dirty="0"/>
+              <a:t> Cases (+ </a:t>
+            </a:r>
+            <a:r>
+              <a:rPr lang="de-DE" sz="2000" dirty="0" err="1"/>
+              <a:t>state</a:t>
+            </a:r>
+            <a:r>
+              <a:rPr lang="de-DE" sz="2000" dirty="0"/>
+              <a:t> </a:t>
+            </a:r>
+            <a:r>
+              <a:rPr lang="de-DE" sz="2000" dirty="0" err="1"/>
+              <a:t>charts</a:t>
+            </a:r>
+            <a:r>
+              <a:rPr lang="de-DE" sz="2000" dirty="0"/>
+              <a:t>)</a:t>
+            </a:r>
+          </a:p>
+          <a:p>
+            <a:pPr marL="838200" lvl="1" indent="-381000">
+              <a:lnSpc>
+                <a:spcPct val="80000"/>
+              </a:lnSpc>
+            </a:pPr>
+            <a:r>
+              <a:rPr lang="de-DE" sz="2000" dirty="0"/>
+              <a:t>UML ist </a:t>
+            </a:r>
+            <a:r>
+              <a:rPr lang="de-DE" sz="2000" i="1" dirty="0">
+                <a:solidFill>
+                  <a:srgbClr val="7F0101"/>
+                </a:solidFill>
+              </a:rPr>
+              <a:t>nicht</a:t>
+            </a:r>
+            <a:r>
+              <a:rPr lang="de-DE" sz="2000" dirty="0"/>
+              <a:t> eine Methode oder ein Prozess</a:t>
+            </a:r>
+          </a:p>
+          <a:p>
+            <a:pPr marL="838200" lvl="1" indent="-381000">
+              <a:lnSpc>
+                <a:spcPct val="80000"/>
+              </a:lnSpc>
+            </a:pPr>
+            <a:r>
+              <a:rPr lang="de-DE" sz="2000" dirty="0"/>
+              <a:t>… Der </a:t>
+            </a:r>
+            <a:r>
+              <a:rPr lang="de-DE" sz="2000" i="1" dirty="0">
+                <a:solidFill>
+                  <a:srgbClr val="7F0101"/>
+                </a:solidFill>
+              </a:rPr>
+              <a:t>Unified Development </a:t>
+            </a:r>
+            <a:r>
+              <a:rPr lang="de-DE" sz="2000" i="1" dirty="0" err="1">
+                <a:solidFill>
+                  <a:srgbClr val="7F0101"/>
+                </a:solidFill>
+              </a:rPr>
+              <a:t>Process</a:t>
+            </a:r>
+            <a:r>
+              <a:rPr lang="de-DE" sz="2000" dirty="0"/>
+              <a:t> hingegen schon…</a:t>
+            </a:r>
+          </a:p>
+          <a:p>
+            <a:pPr marL="419100" indent="-419100">
+              <a:lnSpc>
+                <a:spcPct val="80000"/>
+              </a:lnSpc>
+              <a:buNone/>
+            </a:pPr>
+            <a:endParaRPr lang="de-DE" sz="1800" b="1" i="1" dirty="0"/>
+          </a:p>
+          <a:p>
+            <a:pPr marL="419100" indent="-419100">
+              <a:lnSpc>
+                <a:spcPct val="80000"/>
+              </a:lnSpc>
+              <a:buNone/>
+            </a:pPr>
+            <a:r>
+              <a:rPr lang="de-DE" sz="2000" b="1" i="1" dirty="0"/>
+              <a:t>Warum eine grafische Modellierungssprache?</a:t>
+            </a:r>
+          </a:p>
+          <a:p>
+            <a:pPr marL="419100" indent="-419100">
+              <a:lnSpc>
+                <a:spcPct val="80000"/>
+              </a:lnSpc>
+            </a:pPr>
+            <a:r>
+              <a:rPr lang="de-DE" sz="2000" dirty="0"/>
+              <a:t>Software Projekte werden durch </a:t>
+            </a:r>
+            <a:r>
+              <a:rPr lang="de-DE" sz="2000" i="1" dirty="0">
+                <a:solidFill>
+                  <a:srgbClr val="7F0101"/>
+                </a:solidFill>
+              </a:rPr>
+              <a:t>Teams </a:t>
+            </a:r>
+            <a:r>
+              <a:rPr lang="de-DE" sz="2000" dirty="0"/>
+              <a:t>bearbeitet</a:t>
+            </a:r>
+          </a:p>
+          <a:p>
+            <a:pPr marL="419100" indent="-419100">
+              <a:lnSpc>
+                <a:spcPct val="80000"/>
+              </a:lnSpc>
+            </a:pPr>
+            <a:r>
+              <a:rPr lang="de-DE" sz="2000" dirty="0"/>
+              <a:t>Team Mitglieder müssen </a:t>
+            </a:r>
+            <a:r>
+              <a:rPr lang="de-DE" sz="2000" i="1" dirty="0">
+                <a:solidFill>
+                  <a:srgbClr val="7F0101"/>
+                </a:solidFill>
+              </a:rPr>
+              <a:t>kommunizieren</a:t>
+            </a:r>
+            <a:endParaRPr lang="de-DE" sz="2000" dirty="0"/>
+          </a:p>
+          <a:p>
+            <a:pPr marL="838200" lvl="1" indent="-381000">
+              <a:lnSpc>
+                <a:spcPct val="80000"/>
+              </a:lnSpc>
+            </a:pPr>
+            <a:r>
+              <a:rPr lang="de-DE" sz="2000" dirty="0"/>
+              <a:t>... manchmal sogar mit den Endbenutzern</a:t>
+            </a:r>
+          </a:p>
+          <a:p>
+            <a:pPr marL="419100" indent="-419100">
+              <a:lnSpc>
+                <a:spcPct val="80000"/>
+              </a:lnSpc>
+            </a:pPr>
+            <a:r>
+              <a:rPr lang="de-DE" sz="2000" dirty="0"/>
+              <a:t>“Ein Bild sagt mehr als tausend Worte”</a:t>
+            </a:r>
+          </a:p>
+          <a:p>
+            <a:pPr marL="838200" lvl="1" indent="-381000">
+              <a:lnSpc>
+                <a:spcPct val="80000"/>
+              </a:lnSpc>
+            </a:pPr>
+            <a:r>
+              <a:rPr lang="de-DE" sz="2000" dirty="0"/>
+              <a:t>Die Frage ist nur </a:t>
+            </a:r>
+            <a:r>
+              <a:rPr lang="de-DE" sz="2000" i="1" dirty="0">
+                <a:solidFill>
+                  <a:srgbClr val="7F0101"/>
+                </a:solidFill>
+              </a:rPr>
+              <a:t>welche Worte</a:t>
+            </a:r>
+            <a:endParaRPr lang="de-DE" sz="2000" dirty="0"/>
+          </a:p>
+          <a:p>
+            <a:pPr marL="838200" lvl="1" indent="-381000">
+              <a:lnSpc>
+                <a:spcPct val="80000"/>
+              </a:lnSpc>
+            </a:pPr>
+            <a:r>
+              <a:rPr lang="de-DE" sz="2000" dirty="0"/>
+              <a:t>Notwendigkeit </a:t>
+            </a:r>
+            <a:r>
+              <a:rPr lang="de-DE" sz="2000" i="1" dirty="0">
+                <a:solidFill>
+                  <a:srgbClr val="7F0101"/>
+                </a:solidFill>
+              </a:rPr>
+              <a:t>verschiedene Sichten</a:t>
+            </a:r>
+            <a:r>
+              <a:rPr lang="de-DE" sz="2000" dirty="0"/>
+              <a:t> auf das selbe Software Artefakt (z.B. Code)</a:t>
+            </a:r>
+          </a:p>
+        </p:txBody>
+      </p:sp>
+      <p:sp>
+        <p:nvSpPr>
+          <p:cNvPr id="2" name="Foliennummernplatzhalter 1"/>
+          <p:cNvSpPr>
+            <a:spLocks noGrp="1"/>
+          </p:cNvSpPr>
+          <p:nvPr>
+            <p:ph type="sldNum" sz="quarter" idx="12"/>
+          </p:nvPr>
+        </p:nvSpPr>
+        <p:spPr/>
+        <p:txBody>
+          <a:bodyPr/>
+          <a:lstStyle/>
+          <a:p>
+            <a:pPr>
+              <a:defRPr/>
+            </a:pPr>
+            <a:fld id="{C0B85308-4B91-4084-B5EB-6B176834447A}" type="slidenum">
+              <a:rPr lang="de-DE" smtClean="0">
+                <a:solidFill>
+                  <a:prstClr val="black">
+                    <a:tint val="75000"/>
+                  </a:prstClr>
+                </a:solidFill>
+              </a:rPr>
+              <a:pPr>
+                <a:defRPr/>
+              </a:pPr>
+              <a:t>4</a:t>
+            </a:fld>
+            <a:endParaRPr lang="de-DE">
+              <a:solidFill>
+                <a:prstClr val="black">
+                  <a:tint val="75000"/>
+                </a:prstClr>
+              </a:solidFill>
+            </a:endParaRPr>
+          </a:p>
+        </p:txBody>
+      </p:sp>
+    </p:spTree>
+  </p:cSld>
+  <p:clrMapOvr>
+    <a:masterClrMapping/>
+  </p:clrMapOvr>
+  <p:timing>
+    <p:tnLst>
+      <p:par>
+        <p:cTn id="1" dur="indefinite" restart="never" nodeType="tmRoot"/>
+      </p:par>
+    </p:tnLst>
+  </p:timing>
+</p:sld>
+</file>
+
+<file path=ppt/slides/slide40.xml><?xml version="1.0" encoding="utf-8"?>
+<p:sld xmlns:a="http://schemas.openxmlformats.org/drawingml/2006/main" xmlns:r="http://schemas.openxmlformats.org/officeDocument/2006/relationships" xmlns:p="http://schemas.openxmlformats.org/presentationml/2006/main">
+  <p:cSld>
+    <p:spTree>
+      <p:nvGrpSpPr>
+        <p:cNvPr id="1" name=""/>
+        <p:cNvGrpSpPr/>
+        <p:nvPr/>
+      </p:nvGrpSpPr>
+      <p:grpSpPr>
+        <a:xfrm>
+          <a:off x="0" y="0"/>
+          <a:ext cx="0" cy="0"/>
+          <a:chOff x="0" y="0"/>
+          <a:chExt cx="0" cy="0"/>
+        </a:xfrm>
+      </p:grpSpPr>
+      <p:sp>
+        <p:nvSpPr>
           <p:cNvPr id="8194" name="Rectangle 1026"/>
           <p:cNvSpPr>
             <a:spLocks noGrp="1" noChangeArrowheads="1"/>
@@ -27911,7 +28675,7 @@
               <a:pPr>
                 <a:defRPr/>
               </a:pPr>
-              <a:t>39</a:t>
+              <a:t>40</a:t>
             </a:fld>
             <a:endParaRPr lang="de-DE">
               <a:solidFill>
@@ -28391,362 +29155,7 @@
 </p:sld>
 </file>
 
-<file path=ppt/slides/slide4.xml><?xml version="1.0" encoding="utf-8"?>
-<p:sld xmlns:a="http://schemas.openxmlformats.org/drawingml/2006/main" xmlns:r="http://schemas.openxmlformats.org/officeDocument/2006/relationships" xmlns:p="http://schemas.openxmlformats.org/presentationml/2006/main">
-  <p:cSld>
-    <p:spTree>
-      <p:nvGrpSpPr>
-        <p:cNvPr id="1" name=""/>
-        <p:cNvGrpSpPr/>
-        <p:nvPr/>
-      </p:nvGrpSpPr>
-      <p:grpSpPr>
-        <a:xfrm>
-          <a:off x="0" y="0"/>
-          <a:ext cx="0" cy="0"/>
-          <a:chOff x="0" y="0"/>
-          <a:chExt cx="0" cy="0"/>
-        </a:xfrm>
-      </p:grpSpPr>
-      <p:sp>
-        <p:nvSpPr>
-          <p:cNvPr id="7170" name="Rectangle 2"/>
-          <p:cNvSpPr>
-            <a:spLocks noGrp="1" noChangeArrowheads="1"/>
-          </p:cNvSpPr>
-          <p:nvPr>
-            <p:ph type="title"/>
-          </p:nvPr>
-        </p:nvSpPr>
-        <p:spPr/>
-        <p:txBody>
-          <a:bodyPr vert="horz" lIns="0" tIns="0" rIns="0" bIns="0" rtlCol="0" anchor="ctr">
-            <a:noAutofit/>
-          </a:bodyPr>
-          <a:lstStyle/>
-          <a:p>
-            <a:r>
-              <a:rPr lang="en-US"/>
-              <a:t>UML</a:t>
-            </a:r>
-          </a:p>
-        </p:txBody>
-      </p:sp>
-      <p:sp>
-        <p:nvSpPr>
-          <p:cNvPr id="7171" name="Rectangle 3"/>
-          <p:cNvSpPr>
-            <a:spLocks noGrp="1" noChangeArrowheads="1"/>
-          </p:cNvSpPr>
-          <p:nvPr>
-            <p:ph idx="1"/>
-          </p:nvPr>
-        </p:nvSpPr>
-        <p:spPr/>
-        <p:txBody>
-          <a:bodyPr vert="horz" lIns="0" tIns="0" rIns="0" bIns="0" rtlCol="0">
-            <a:normAutofit/>
-          </a:bodyPr>
-          <a:lstStyle/>
-          <a:p>
-            <a:pPr marL="419100" indent="-419100">
-              <a:lnSpc>
-                <a:spcPct val="80000"/>
-              </a:lnSpc>
-              <a:buNone/>
-            </a:pPr>
-            <a:r>
-              <a:rPr lang="de-DE" sz="2000" b="1" i="1" dirty="0"/>
-              <a:t>Was ist UML?</a:t>
-            </a:r>
-            <a:endParaRPr lang="de-DE" sz="2000" dirty="0"/>
-          </a:p>
-          <a:p>
-            <a:pPr marL="419100" indent="-419100">
-              <a:lnSpc>
-                <a:spcPct val="80000"/>
-              </a:lnSpc>
-            </a:pPr>
-            <a:r>
-              <a:rPr lang="de-DE" sz="2000" dirty="0"/>
-              <a:t>Uniform </a:t>
-            </a:r>
-            <a:r>
-              <a:rPr lang="de-DE" sz="2000" dirty="0" err="1"/>
-              <a:t>notation</a:t>
-            </a:r>
-            <a:r>
-              <a:rPr lang="de-DE" sz="2000" dirty="0"/>
-              <a:t>: </a:t>
-            </a:r>
-            <a:r>
-              <a:rPr lang="de-DE" sz="2000" dirty="0" err="1"/>
-              <a:t>Booch</a:t>
-            </a:r>
-            <a:r>
-              <a:rPr lang="de-DE" sz="2000" dirty="0"/>
-              <a:t> + OMT + </a:t>
-            </a:r>
-            <a:r>
-              <a:rPr lang="de-DE" sz="2000" dirty="0" err="1"/>
-              <a:t>Use</a:t>
-            </a:r>
-            <a:r>
-              <a:rPr lang="de-DE" sz="2000" dirty="0"/>
-              <a:t> Cases (+ </a:t>
-            </a:r>
-            <a:r>
-              <a:rPr lang="de-DE" sz="2000" dirty="0" err="1"/>
-              <a:t>state</a:t>
-            </a:r>
-            <a:r>
-              <a:rPr lang="de-DE" sz="2000" dirty="0"/>
-              <a:t> </a:t>
-            </a:r>
-            <a:r>
-              <a:rPr lang="de-DE" sz="2000" dirty="0" err="1"/>
-              <a:t>charts</a:t>
-            </a:r>
-            <a:r>
-              <a:rPr lang="de-DE" sz="2000" dirty="0"/>
-              <a:t>)</a:t>
-            </a:r>
-          </a:p>
-          <a:p>
-            <a:pPr marL="838200" lvl="1" indent="-381000">
-              <a:lnSpc>
-                <a:spcPct val="80000"/>
-              </a:lnSpc>
-            </a:pPr>
-            <a:r>
-              <a:rPr lang="de-DE" sz="2000" dirty="0"/>
-              <a:t>UML ist </a:t>
-            </a:r>
-            <a:r>
-              <a:rPr lang="de-DE" sz="2000" i="1" dirty="0">
-                <a:solidFill>
-                  <a:srgbClr val="7F0101"/>
-                </a:solidFill>
-              </a:rPr>
-              <a:t>nicht</a:t>
-            </a:r>
-            <a:r>
-              <a:rPr lang="de-DE" sz="2000" dirty="0"/>
-              <a:t> eine Methode oder ein Prozess</a:t>
-            </a:r>
-          </a:p>
-          <a:p>
-            <a:pPr marL="838200" lvl="1" indent="-381000">
-              <a:lnSpc>
-                <a:spcPct val="80000"/>
-              </a:lnSpc>
-            </a:pPr>
-            <a:r>
-              <a:rPr lang="de-DE" sz="2000" dirty="0"/>
-              <a:t>… Der </a:t>
-            </a:r>
-            <a:r>
-              <a:rPr lang="de-DE" sz="2000" i="1" dirty="0">
-                <a:solidFill>
-                  <a:srgbClr val="7F0101"/>
-                </a:solidFill>
-              </a:rPr>
-              <a:t>Unified Development </a:t>
-            </a:r>
-            <a:r>
-              <a:rPr lang="de-DE" sz="2000" i="1" dirty="0" err="1">
-                <a:solidFill>
-                  <a:srgbClr val="7F0101"/>
-                </a:solidFill>
-              </a:rPr>
-              <a:t>Process</a:t>
-            </a:r>
-            <a:r>
-              <a:rPr lang="de-DE" sz="2000" dirty="0"/>
-              <a:t> hingegen schon…</a:t>
-            </a:r>
-          </a:p>
-          <a:p>
-            <a:pPr marL="419100" indent="-419100">
-              <a:lnSpc>
-                <a:spcPct val="80000"/>
-              </a:lnSpc>
-              <a:buNone/>
-            </a:pPr>
-            <a:endParaRPr lang="de-DE" sz="1800" b="1" i="1" dirty="0"/>
-          </a:p>
-          <a:p>
-            <a:pPr marL="419100" indent="-419100">
-              <a:lnSpc>
-                <a:spcPct val="80000"/>
-              </a:lnSpc>
-              <a:buNone/>
-            </a:pPr>
-            <a:r>
-              <a:rPr lang="de-DE" sz="2000" b="1" i="1" dirty="0"/>
-              <a:t>Warum eine grafische Modellierungssprache?</a:t>
-            </a:r>
-          </a:p>
-          <a:p>
-            <a:pPr marL="419100" indent="-419100">
-              <a:lnSpc>
-                <a:spcPct val="80000"/>
-              </a:lnSpc>
-            </a:pPr>
-            <a:r>
-              <a:rPr lang="de-DE" sz="2000" dirty="0"/>
-              <a:t>Software Projekte werden durch </a:t>
-            </a:r>
-            <a:r>
-              <a:rPr lang="de-DE" sz="2000" i="1" dirty="0">
-                <a:solidFill>
-                  <a:srgbClr val="7F0101"/>
-                </a:solidFill>
-              </a:rPr>
-              <a:t>Teams </a:t>
-            </a:r>
-            <a:r>
-              <a:rPr lang="de-DE" sz="2000" dirty="0"/>
-              <a:t>bearbeitet</a:t>
-            </a:r>
-          </a:p>
-          <a:p>
-            <a:pPr marL="419100" indent="-419100">
-              <a:lnSpc>
-                <a:spcPct val="80000"/>
-              </a:lnSpc>
-            </a:pPr>
-            <a:r>
-              <a:rPr lang="de-DE" sz="2000" dirty="0"/>
-              <a:t>Team Mitglieder müssen </a:t>
-            </a:r>
-            <a:r>
-              <a:rPr lang="de-DE" sz="2000" i="1" dirty="0">
-                <a:solidFill>
-                  <a:srgbClr val="7F0101"/>
-                </a:solidFill>
-              </a:rPr>
-              <a:t>kommunizieren</a:t>
-            </a:r>
-            <a:endParaRPr lang="de-DE" sz="2000" dirty="0"/>
-          </a:p>
-          <a:p>
-            <a:pPr marL="838200" lvl="1" indent="-381000">
-              <a:lnSpc>
-                <a:spcPct val="80000"/>
-              </a:lnSpc>
-            </a:pPr>
-            <a:r>
-              <a:rPr lang="de-DE" sz="2000" dirty="0"/>
-              <a:t>... manchmal sogar mit den Endbenutzern</a:t>
-            </a:r>
-          </a:p>
-          <a:p>
-            <a:pPr marL="419100" indent="-419100">
-              <a:lnSpc>
-                <a:spcPct val="80000"/>
-              </a:lnSpc>
-            </a:pPr>
-            <a:r>
-              <a:rPr lang="de-DE" sz="2000" dirty="0"/>
-              <a:t>“Ein Bild sagt mehr als tausend Worte”</a:t>
-            </a:r>
-          </a:p>
-          <a:p>
-            <a:pPr marL="838200" lvl="1" indent="-381000">
-              <a:lnSpc>
-                <a:spcPct val="80000"/>
-              </a:lnSpc>
-            </a:pPr>
-            <a:r>
-              <a:rPr lang="de-DE" sz="2000" dirty="0"/>
-              <a:t>Die Frage ist nur </a:t>
-            </a:r>
-            <a:r>
-              <a:rPr lang="de-DE" sz="2000" i="1" dirty="0">
-                <a:solidFill>
-                  <a:srgbClr val="7F0101"/>
-                </a:solidFill>
-              </a:rPr>
-              <a:t>welche Worte</a:t>
-            </a:r>
-            <a:endParaRPr lang="de-DE" sz="2000" dirty="0"/>
-          </a:p>
-          <a:p>
-            <a:pPr marL="838200" lvl="1" indent="-381000">
-              <a:lnSpc>
-                <a:spcPct val="80000"/>
-              </a:lnSpc>
-            </a:pPr>
-            <a:r>
-              <a:rPr lang="de-DE" sz="2000" dirty="0"/>
-              <a:t>Notwendigkeit </a:t>
-            </a:r>
-            <a:r>
-              <a:rPr lang="de-DE" sz="2000" i="1" dirty="0">
-                <a:solidFill>
-                  <a:srgbClr val="7F0101"/>
-                </a:solidFill>
-              </a:rPr>
-              <a:t>verschiedene Sichten</a:t>
-            </a:r>
-            <a:r>
-              <a:rPr lang="de-DE" sz="2000" dirty="0"/>
-              <a:t> auf das selbe Software Artefakt (z.B. Code)</a:t>
-            </a:r>
-          </a:p>
-        </p:txBody>
-      </p:sp>
-      <p:sp>
-        <p:nvSpPr>
-          <p:cNvPr id="2" name="Foliennummernplatzhalter 1"/>
-          <p:cNvSpPr>
-            <a:spLocks noGrp="1"/>
-          </p:cNvSpPr>
-          <p:nvPr>
-            <p:ph type="sldNum" sz="quarter" idx="12"/>
-          </p:nvPr>
-        </p:nvSpPr>
-        <p:spPr/>
-        <p:txBody>
-          <a:bodyPr/>
-          <a:lstStyle/>
-          <a:p>
-            <a:pPr>
-              <a:defRPr/>
-            </a:pPr>
-            <a:fld id="{C0B85308-4B91-4084-B5EB-6B176834447A}" type="slidenum">
-              <a:rPr lang="de-DE" smtClean="0">
-                <a:solidFill>
-                  <a:prstClr val="black">
-                    <a:tint val="75000"/>
-                  </a:prstClr>
-                </a:solidFill>
-              </a:rPr>
-              <a:pPr>
-                <a:defRPr/>
-              </a:pPr>
-              <a:t>4</a:t>
-            </a:fld>
-            <a:endParaRPr lang="de-DE">
-              <a:solidFill>
-                <a:prstClr val="black">
-                  <a:tint val="75000"/>
-                </a:prstClr>
-              </a:solidFill>
-            </a:endParaRPr>
-          </a:p>
-        </p:txBody>
-      </p:sp>
-    </p:spTree>
-  </p:cSld>
-  <p:clrMapOvr>
-    <a:masterClrMapping/>
-  </p:clrMapOvr>
-</p:sld>
-</file>
-
-<file path=ppt/slides/slide40.xml><?xml version="1.0" encoding="utf-8"?>
+<file path=ppt/slides/slide41.xml><?xml version="1.0" encoding="utf-8"?>
 <p:sld xmlns:a="http://schemas.openxmlformats.org/drawingml/2006/main" xmlns:r="http://schemas.openxmlformats.org/officeDocument/2006/relationships" xmlns:p="http://schemas.openxmlformats.org/presentationml/2006/main">
   <p:cSld>
     <p:spTree>
@@ -28921,7 +29330,7 @@
               <a:pPr>
                 <a:defRPr/>
               </a:pPr>
-              <a:t>40</a:t>
+              <a:t>41</a:t>
             </a:fld>
             <a:endParaRPr lang="de-DE">
               <a:solidFill>
@@ -28943,10 +29352,17 @@
   <p:clrMapOvr>
     <a:masterClrMapping/>
   </p:clrMapOvr>
+  <p:timing>
+    <p:tnLst>
+      <p:par>
+        <p:cTn id="1" dur="indefinite" restart="never" nodeType="tmRoot"/>
+      </p:par>
+    </p:tnLst>
+  </p:timing>
 </p:sld>
 </file>
 
-<file path=ppt/slides/slide41.xml><?xml version="1.0" encoding="utf-8"?>
+<file path=ppt/slides/slide42.xml><?xml version="1.0" encoding="utf-8"?>
 <p:sld xmlns:a="http://schemas.openxmlformats.org/drawingml/2006/main" xmlns:r="http://schemas.openxmlformats.org/officeDocument/2006/relationships" xmlns:p="http://schemas.openxmlformats.org/presentationml/2006/main">
   <p:cSld>
     <p:spTree>
@@ -29222,7 +29638,7 @@
               <a:pPr>
                 <a:defRPr/>
               </a:pPr>
-              <a:t>41</a:t>
+              <a:t>42</a:t>
             </a:fld>
             <a:endParaRPr lang="de-DE">
               <a:solidFill>
@@ -29338,7 +29754,7 @@
 </p:sld>
 </file>
 
-<file path=ppt/slides/slide42.xml><?xml version="1.0" encoding="utf-8"?>
+<file path=ppt/slides/slide43.xml><?xml version="1.0" encoding="utf-8"?>
 <p:sld xmlns:a="http://schemas.openxmlformats.org/drawingml/2006/main" xmlns:r="http://schemas.openxmlformats.org/officeDocument/2006/relationships" xmlns:p="http://schemas.openxmlformats.org/presentationml/2006/main">
   <p:cSld>
     <p:spTree>
@@ -29533,7 +29949,7 @@
               <a:pPr>
                 <a:defRPr/>
               </a:pPr>
-              <a:t>42</a:t>
+              <a:t>43</a:t>
             </a:fld>
             <a:endParaRPr lang="de-DE">
               <a:solidFill>
@@ -29643,10 +30059,17 @@
   <p:clrMapOvr>
     <a:masterClrMapping/>
   </p:clrMapOvr>
+  <p:timing>
+    <p:tnLst>
+      <p:par>
+        <p:cTn id="1" dur="indefinite" restart="never" nodeType="tmRoot"/>
+      </p:par>
+    </p:tnLst>
+  </p:timing>
 </p:sld>
 </file>
 
-<file path=ppt/slides/slide43.xml><?xml version="1.0" encoding="utf-8"?>
+<file path=ppt/slides/slide44.xml><?xml version="1.0" encoding="utf-8"?>
 <p:sld xmlns:a="http://schemas.openxmlformats.org/drawingml/2006/main" xmlns:r="http://schemas.openxmlformats.org/officeDocument/2006/relationships" xmlns:p="http://schemas.openxmlformats.org/presentationml/2006/main">
   <p:cSld>
     <p:spTree>
@@ -29736,7 +30159,7 @@
               <a:pPr>
                 <a:defRPr/>
               </a:pPr>
-              <a:t>43</a:t>
+              <a:t>44</a:t>
             </a:fld>
             <a:endParaRPr lang="de-DE">
               <a:solidFill>
@@ -29955,7 +30378,7 @@
 </p:sld>
 </file>
 
-<file path=ppt/slides/slide44.xml><?xml version="1.0" encoding="utf-8"?>
+<file path=ppt/slides/slide45.xml><?xml version="1.0" encoding="utf-8"?>
 <p:sld xmlns:a="http://schemas.openxmlformats.org/drawingml/2006/main" xmlns:r="http://schemas.openxmlformats.org/officeDocument/2006/relationships" xmlns:p="http://schemas.openxmlformats.org/presentationml/2006/main">
   <p:cSld>
     <p:spTree>
@@ -30029,7 +30452,7 @@
               <a:pPr>
                 <a:defRPr/>
               </a:pPr>
-              <a:t>44</a:t>
+              <a:t>45</a:t>
             </a:fld>
             <a:endParaRPr lang="de-DE">
               <a:solidFill>
@@ -30105,10 +30528,17 @@
   <p:clrMapOvr>
     <a:masterClrMapping/>
   </p:clrMapOvr>
+  <p:timing>
+    <p:tnLst>
+      <p:par>
+        <p:cTn id="1" dur="indefinite" restart="never" nodeType="tmRoot"/>
+      </p:par>
+    </p:tnLst>
+  </p:timing>
 </p:sld>
 </file>
 
-<file path=ppt/slides/slide45.xml><?xml version="1.0" encoding="utf-8"?>
+<file path=ppt/slides/slide46.xml><?xml version="1.0" encoding="utf-8"?>
 <p:sld xmlns:a="http://schemas.openxmlformats.org/drawingml/2006/main" xmlns:r="http://schemas.openxmlformats.org/officeDocument/2006/relationships" xmlns:p="http://schemas.openxmlformats.org/presentationml/2006/main">
   <p:cSld>
     <p:spTree>
@@ -30175,7 +30605,7 @@
               <a:pPr>
                 <a:defRPr/>
               </a:pPr>
-              <a:t>45</a:t>
+              <a:t>46</a:t>
             </a:fld>
             <a:endParaRPr lang="de-DE"/>
           </a:p>
@@ -30556,7 +30986,7 @@
 </p:sld>
 </file>
 
-<file path=ppt/slides/slide46.xml><?xml version="1.0" encoding="utf-8"?>
+<file path=ppt/slides/slide47.xml><?xml version="1.0" encoding="utf-8"?>
 <p:sld xmlns:a="http://schemas.openxmlformats.org/drawingml/2006/main" xmlns:r="http://schemas.openxmlformats.org/officeDocument/2006/relationships" xmlns:p="http://schemas.openxmlformats.org/presentationml/2006/main" show="0">
   <p:cSld>
     <p:spTree>
@@ -30758,7 +31188,7 @@
               <a:pPr>
                 <a:defRPr/>
               </a:pPr>
-              <a:t>46</a:t>
+              <a:t>47</a:t>
             </a:fld>
             <a:endParaRPr lang="de-DE">
               <a:solidFill>
@@ -30791,7 +31221,7 @@
 </p:sld>
 </file>
 
-<file path=ppt/slides/slide47.xml><?xml version="1.0" encoding="utf-8"?>
+<file path=ppt/slides/slide48.xml><?xml version="1.0" encoding="utf-8"?>
 <p:sld xmlns:a="http://schemas.openxmlformats.org/drawingml/2006/main" xmlns:r="http://schemas.openxmlformats.org/officeDocument/2006/relationships" xmlns:p="http://schemas.openxmlformats.org/presentationml/2006/main" show="0">
   <p:cSld>
     <p:spTree>
@@ -30936,7 +31366,7 @@
               <a:pPr>
                 <a:defRPr/>
               </a:pPr>
-              <a:t>47</a:t>
+              <a:t>48</a:t>
             </a:fld>
             <a:endParaRPr lang="de-DE">
               <a:solidFill>
@@ -31023,7 +31453,7 @@
 </p:sld>
 </file>
 
-<file path=ppt/slides/slide48.xml><?xml version="1.0" encoding="utf-8"?>
+<file path=ppt/slides/slide49.xml><?xml version="1.0" encoding="utf-8"?>
 <p:sld xmlns:a="http://schemas.openxmlformats.org/drawingml/2006/main" xmlns:r="http://schemas.openxmlformats.org/officeDocument/2006/relationships" xmlns:p="http://schemas.openxmlformats.org/presentationml/2006/main" show="0">
   <p:cSld>
     <p:spTree>
@@ -31418,7 +31848,7 @@
               <a:pPr>
                 <a:defRPr/>
               </a:pPr>
-              <a:t>48</a:t>
+              <a:t>49</a:t>
             </a:fld>
             <a:endParaRPr lang="de-DE">
               <a:solidFill>
@@ -31448,209 +31878,13 @@
       <p:transition spd="slow"/>
     </mc:Fallback>
   </mc:AlternateContent>
-</p:sld>
-</file>
-
-<file path=ppt/slides/slide49.xml><?xml version="1.0" encoding="utf-8"?>
-<p:sld xmlns:a="http://schemas.openxmlformats.org/drawingml/2006/main" xmlns:r="http://schemas.openxmlformats.org/officeDocument/2006/relationships" xmlns:p="http://schemas.openxmlformats.org/presentationml/2006/main">
-  <p:cSld>
-    <p:spTree>
-      <p:nvGrpSpPr>
-        <p:cNvPr id="1" name=""/>
-        <p:cNvGrpSpPr/>
-        <p:nvPr/>
-      </p:nvGrpSpPr>
-      <p:grpSpPr>
-        <a:xfrm>
-          <a:off x="0" y="0"/>
-          <a:ext cx="0" cy="0"/>
-          <a:chOff x="0" y="0"/>
-          <a:chExt cx="0" cy="0"/>
-        </a:xfrm>
-      </p:grpSpPr>
-      <p:sp>
-        <p:nvSpPr>
-          <p:cNvPr id="2" name="Rechteck 1"/>
-          <p:cNvSpPr/>
-          <p:nvPr/>
-        </p:nvSpPr>
-        <p:spPr>
-          <a:xfrm>
-            <a:off x="1416051" y="-100013"/>
-            <a:ext cx="9504363" cy="6985001"/>
-          </a:xfrm>
-          <a:prstGeom prst="rect">
-            <a:avLst/>
-          </a:prstGeom>
-          <a:solidFill>
-            <a:srgbClr val="FFC000"/>
-          </a:solidFill>
-          <a:ln>
-            <a:noFill/>
-          </a:ln>
-        </p:spPr>
-        <p:style>
-          <a:lnRef idx="2">
-            <a:schemeClr val="accent1">
-              <a:shade val="50000"/>
-            </a:schemeClr>
-          </a:lnRef>
-          <a:fillRef idx="1">
-            <a:schemeClr val="accent1"/>
-          </a:fillRef>
-          <a:effectRef idx="0">
-            <a:schemeClr val="accent1"/>
-          </a:effectRef>
-          <a:fontRef idx="minor">
-            <a:schemeClr val="lt1"/>
-          </a:fontRef>
-        </p:style>
-        <p:txBody>
-          <a:bodyPr anchor="ctr"/>
-          <a:lstStyle/>
-          <a:p>
-            <a:pPr defTabSz="914400" fontAlgn="auto">
-              <a:lnSpc>
-                <a:spcPct val="100000"/>
-              </a:lnSpc>
-              <a:spcBef>
-                <a:spcPts val="0"/>
-              </a:spcBef>
-              <a:spcAft>
-                <a:spcPts val="0"/>
-              </a:spcAft>
-              <a:buClrTx/>
-              <a:buSzTx/>
-              <a:defRPr/>
-            </a:pPr>
-            <a:endParaRPr lang="de-DE" b="0" dirty="0">
-              <a:solidFill>
-                <a:prstClr val="white"/>
-              </a:solidFill>
-            </a:endParaRPr>
-          </a:p>
-        </p:txBody>
-      </p:sp>
-      <p:sp>
-        <p:nvSpPr>
-          <p:cNvPr id="43010" name="Textfeld 2"/>
-          <p:cNvSpPr txBox="1">
-            <a:spLocks noChangeArrowheads="1"/>
-          </p:cNvSpPr>
-          <p:nvPr/>
-        </p:nvSpPr>
-        <p:spPr bwMode="auto">
-          <a:xfrm>
-            <a:off x="1560719" y="1916114"/>
-            <a:ext cx="8721875" cy="830997"/>
-          </a:xfrm>
-          <a:prstGeom prst="rect">
-            <a:avLst/>
-          </a:prstGeom>
-          <a:noFill/>
-          <a:ln w="9525">
-            <a:noFill/>
-            <a:miter lim="800000"/>
-            <a:headEnd/>
-            <a:tailEnd/>
-          </a:ln>
-        </p:spPr>
-        <p:txBody>
-          <a:bodyPr wrap="none">
-            <a:spAutoFit/>
-          </a:bodyPr>
-          <a:lstStyle/>
-          <a:p>
-            <a:pPr defTabSz="914400" fontAlgn="auto">
-              <a:lnSpc>
-                <a:spcPct val="100000"/>
-              </a:lnSpc>
-              <a:spcBef>
-                <a:spcPts val="0"/>
-              </a:spcBef>
-              <a:spcAft>
-                <a:spcPts val="0"/>
-              </a:spcAft>
-              <a:buClrTx/>
-              <a:buSzTx/>
-            </a:pPr>
-            <a:r>
-              <a:rPr lang="de-DE" sz="4800" b="0" dirty="0" err="1">
-                <a:solidFill>
-                  <a:prstClr val="white"/>
-                </a:solidFill>
-                <a:latin typeface="Calibri" pitchFamily="34" charset="0"/>
-              </a:rPr>
-              <a:t>Statechart</a:t>
-            </a:r>
-            <a:r>
-              <a:rPr lang="de-DE" sz="4800" b="0" dirty="0">
-                <a:solidFill>
-                  <a:prstClr val="white"/>
-                </a:solidFill>
-                <a:latin typeface="Calibri" pitchFamily="34" charset="0"/>
-              </a:rPr>
-              <a:t> (Zustands-)Diagramme</a:t>
-            </a:r>
-          </a:p>
-        </p:txBody>
-      </p:sp>
-      <p:sp>
-        <p:nvSpPr>
-          <p:cNvPr id="4" name="Foliennummernplatzhalter 3"/>
-          <p:cNvSpPr>
-            <a:spLocks noGrp="1"/>
-          </p:cNvSpPr>
-          <p:nvPr>
-            <p:ph type="sldNum" sz="quarter" idx="4294967295"/>
-          </p:nvPr>
-        </p:nvSpPr>
-        <p:spPr>
-          <a:xfrm>
-            <a:off x="8534400" y="6356351"/>
-            <a:ext cx="2133600" cy="365125"/>
-          </a:xfrm>
-        </p:spPr>
-        <p:txBody>
-          <a:bodyPr/>
-          <a:lstStyle/>
-          <a:p>
-            <a:pPr>
-              <a:defRPr/>
-            </a:pPr>
-            <a:fld id="{955A4B10-9205-419D-9BB2-D0CD2832847A}" type="slidenum">
-              <a:rPr lang="de-DE">
-                <a:solidFill>
-                  <a:prstClr val="black">
-                    <a:tint val="75000"/>
-                  </a:prstClr>
-                </a:solidFill>
-              </a:rPr>
-              <a:pPr>
-                <a:defRPr/>
-              </a:pPr>
-              <a:t>49</a:t>
-            </a:fld>
-            <a:endParaRPr lang="de-DE">
-              <a:solidFill>
-                <a:prstClr val="black">
-                  <a:tint val="75000"/>
-                </a:prstClr>
-              </a:solidFill>
-            </a:endParaRPr>
-          </a:p>
-        </p:txBody>
-      </p:sp>
-    </p:spTree>
-    <p:extLst>
-      <p:ext uri="{BB962C8B-B14F-4D97-AF65-F5344CB8AC3E}">
-        <p14:creationId xmlns:p14="http://schemas.microsoft.com/office/powerpoint/2010/main" val="2000585264"/>
-      </p:ext>
-    </p:extLst>
-  </p:cSld>
-  <p:clrMapOvr>
-    <a:masterClrMapping/>
-  </p:clrMapOvr>
+  <p:timing>
+    <p:tnLst>
+      <p:par>
+        <p:cTn id="1" dur="indefinite" restart="never" nodeType="tmRoot"/>
+      </p:par>
+    </p:tnLst>
+  </p:timing>
 </p:sld>
 </file>
 
@@ -32291,6 +32525,216 @@
       </p:grpSpPr>
       <p:sp>
         <p:nvSpPr>
+          <p:cNvPr id="2" name="Rechteck 1"/>
+          <p:cNvSpPr/>
+          <p:nvPr/>
+        </p:nvSpPr>
+        <p:spPr>
+          <a:xfrm>
+            <a:off x="1416051" y="-100013"/>
+            <a:ext cx="9504363" cy="6985001"/>
+          </a:xfrm>
+          <a:prstGeom prst="rect">
+            <a:avLst/>
+          </a:prstGeom>
+          <a:solidFill>
+            <a:srgbClr val="FFC000"/>
+          </a:solidFill>
+          <a:ln>
+            <a:noFill/>
+          </a:ln>
+        </p:spPr>
+        <p:style>
+          <a:lnRef idx="2">
+            <a:schemeClr val="accent1">
+              <a:shade val="50000"/>
+            </a:schemeClr>
+          </a:lnRef>
+          <a:fillRef idx="1">
+            <a:schemeClr val="accent1"/>
+          </a:fillRef>
+          <a:effectRef idx="0">
+            <a:schemeClr val="accent1"/>
+          </a:effectRef>
+          <a:fontRef idx="minor">
+            <a:schemeClr val="lt1"/>
+          </a:fontRef>
+        </p:style>
+        <p:txBody>
+          <a:bodyPr anchor="ctr"/>
+          <a:lstStyle/>
+          <a:p>
+            <a:pPr defTabSz="914400" fontAlgn="auto">
+              <a:lnSpc>
+                <a:spcPct val="100000"/>
+              </a:lnSpc>
+              <a:spcBef>
+                <a:spcPts val="0"/>
+              </a:spcBef>
+              <a:spcAft>
+                <a:spcPts val="0"/>
+              </a:spcAft>
+              <a:buClrTx/>
+              <a:buSzTx/>
+              <a:defRPr/>
+            </a:pPr>
+            <a:endParaRPr lang="de-DE" b="0" dirty="0">
+              <a:solidFill>
+                <a:prstClr val="white"/>
+              </a:solidFill>
+            </a:endParaRPr>
+          </a:p>
+        </p:txBody>
+      </p:sp>
+      <p:sp>
+        <p:nvSpPr>
+          <p:cNvPr id="43010" name="Textfeld 2"/>
+          <p:cNvSpPr txBox="1">
+            <a:spLocks noChangeArrowheads="1"/>
+          </p:cNvSpPr>
+          <p:nvPr/>
+        </p:nvSpPr>
+        <p:spPr bwMode="auto">
+          <a:xfrm>
+            <a:off x="1560719" y="1916114"/>
+            <a:ext cx="8721875" cy="830997"/>
+          </a:xfrm>
+          <a:prstGeom prst="rect">
+            <a:avLst/>
+          </a:prstGeom>
+          <a:noFill/>
+          <a:ln w="9525">
+            <a:noFill/>
+            <a:miter lim="800000"/>
+            <a:headEnd/>
+            <a:tailEnd/>
+          </a:ln>
+        </p:spPr>
+        <p:txBody>
+          <a:bodyPr wrap="none">
+            <a:spAutoFit/>
+          </a:bodyPr>
+          <a:lstStyle/>
+          <a:p>
+            <a:pPr defTabSz="914400" fontAlgn="auto">
+              <a:lnSpc>
+                <a:spcPct val="100000"/>
+              </a:lnSpc>
+              <a:spcBef>
+                <a:spcPts val="0"/>
+              </a:spcBef>
+              <a:spcAft>
+                <a:spcPts val="0"/>
+              </a:spcAft>
+              <a:buClrTx/>
+              <a:buSzTx/>
+            </a:pPr>
+            <a:r>
+              <a:rPr lang="de-DE" sz="4800" b="0" dirty="0" err="1">
+                <a:solidFill>
+                  <a:prstClr val="white"/>
+                </a:solidFill>
+                <a:latin typeface="Calibri" pitchFamily="34" charset="0"/>
+              </a:rPr>
+              <a:t>Statechart</a:t>
+            </a:r>
+            <a:r>
+              <a:rPr lang="de-DE" sz="4800" b="0" dirty="0">
+                <a:solidFill>
+                  <a:prstClr val="white"/>
+                </a:solidFill>
+                <a:latin typeface="Calibri" pitchFamily="34" charset="0"/>
+              </a:rPr>
+              <a:t> (Zustands-)Diagramme</a:t>
+            </a:r>
+          </a:p>
+        </p:txBody>
+      </p:sp>
+      <p:sp>
+        <p:nvSpPr>
+          <p:cNvPr id="4" name="Foliennummernplatzhalter 3"/>
+          <p:cNvSpPr>
+            <a:spLocks noGrp="1"/>
+          </p:cNvSpPr>
+          <p:nvPr>
+            <p:ph type="sldNum" sz="quarter" idx="4294967295"/>
+          </p:nvPr>
+        </p:nvSpPr>
+        <p:spPr>
+          <a:xfrm>
+            <a:off x="8534400" y="6356351"/>
+            <a:ext cx="2133600" cy="365125"/>
+          </a:xfrm>
+        </p:spPr>
+        <p:txBody>
+          <a:bodyPr/>
+          <a:lstStyle/>
+          <a:p>
+            <a:pPr>
+              <a:defRPr/>
+            </a:pPr>
+            <a:fld id="{955A4B10-9205-419D-9BB2-D0CD2832847A}" type="slidenum">
+              <a:rPr lang="de-DE">
+                <a:solidFill>
+                  <a:prstClr val="black">
+                    <a:tint val="75000"/>
+                  </a:prstClr>
+                </a:solidFill>
+              </a:rPr>
+              <a:pPr>
+                <a:defRPr/>
+              </a:pPr>
+              <a:t>50</a:t>
+            </a:fld>
+            <a:endParaRPr lang="de-DE">
+              <a:solidFill>
+                <a:prstClr val="black">
+                  <a:tint val="75000"/>
+                </a:prstClr>
+              </a:solidFill>
+            </a:endParaRPr>
+          </a:p>
+        </p:txBody>
+      </p:sp>
+    </p:spTree>
+    <p:extLst>
+      <p:ext uri="{BB962C8B-B14F-4D97-AF65-F5344CB8AC3E}">
+        <p14:creationId xmlns:p14="http://schemas.microsoft.com/office/powerpoint/2010/main" val="2000585264"/>
+      </p:ext>
+    </p:extLst>
+  </p:cSld>
+  <p:clrMapOvr>
+    <a:masterClrMapping/>
+  </p:clrMapOvr>
+  <p:timing>
+    <p:tnLst>
+      <p:par>
+        <p:cTn id="1" dur="indefinite" restart="never" nodeType="tmRoot"/>
+      </p:par>
+    </p:tnLst>
+  </p:timing>
+</p:sld>
+</file>
+
+<file path=ppt/slides/slide51.xml><?xml version="1.0" encoding="utf-8"?>
+<p:sld xmlns:a="http://schemas.openxmlformats.org/drawingml/2006/main" xmlns:r="http://schemas.openxmlformats.org/officeDocument/2006/relationships" xmlns:p="http://schemas.openxmlformats.org/presentationml/2006/main">
+  <p:cSld>
+    <p:spTree>
+      <p:nvGrpSpPr>
+        <p:cNvPr id="1" name=""/>
+        <p:cNvGrpSpPr/>
+        <p:nvPr/>
+      </p:nvGrpSpPr>
+      <p:grpSpPr>
+        <a:xfrm>
+          <a:off x="0" y="0"/>
+          <a:ext cx="0" cy="0"/>
+          <a:chOff x="0" y="0"/>
+          <a:chExt cx="0" cy="0"/>
+        </a:xfrm>
+      </p:grpSpPr>
+      <p:sp>
+        <p:nvSpPr>
           <p:cNvPr id="18434" name="Rectangle 2"/>
           <p:cNvSpPr>
             <a:spLocks noGrp="1" noChangeArrowheads="1"/>
@@ -32343,7 +32787,7 @@
               <a:pPr>
                 <a:defRPr/>
               </a:pPr>
-              <a:t>50</a:t>
+              <a:t>51</a:t>
             </a:fld>
             <a:endParaRPr lang="de-DE">
               <a:solidFill>
@@ -32406,10 +32850,17 @@
   <p:clrMapOvr>
     <a:masterClrMapping/>
   </p:clrMapOvr>
+  <p:timing>
+    <p:tnLst>
+      <p:par>
+        <p:cTn id="1" dur="indefinite" restart="never" nodeType="tmRoot"/>
+      </p:par>
+    </p:tnLst>
+  </p:timing>
 </p:sld>
 </file>
 
-<file path=ppt/slides/slide51.xml><?xml version="1.0" encoding="utf-8"?>
+<file path=ppt/slides/slide52.xml><?xml version="1.0" encoding="utf-8"?>
 <p:sld xmlns:a="http://schemas.openxmlformats.org/drawingml/2006/main" xmlns:r="http://schemas.openxmlformats.org/officeDocument/2006/relationships" xmlns:p="http://schemas.openxmlformats.org/presentationml/2006/main">
   <p:cSld>
     <p:spTree>
@@ -32684,7 +33135,7 @@
               <a:pPr>
                 <a:defRPr/>
               </a:pPr>
-              <a:t>51</a:t>
+              <a:t>52</a:t>
             </a:fld>
             <a:endParaRPr lang="de-DE">
               <a:solidFill>
@@ -32972,313 +33423,6 @@
 </p:sld>
 </file>
 
-<file path=ppt/slides/slide52.xml><?xml version="1.0" encoding="utf-8"?>
-<p:sld xmlns:a="http://schemas.openxmlformats.org/drawingml/2006/main" xmlns:r="http://schemas.openxmlformats.org/officeDocument/2006/relationships" xmlns:p="http://schemas.openxmlformats.org/presentationml/2006/main">
-  <p:cSld>
-    <p:spTree>
-      <p:nvGrpSpPr>
-        <p:cNvPr id="1" name=""/>
-        <p:cNvGrpSpPr/>
-        <p:nvPr/>
-      </p:nvGrpSpPr>
-      <p:grpSpPr>
-        <a:xfrm>
-          <a:off x="0" y="0"/>
-          <a:ext cx="0" cy="0"/>
-          <a:chOff x="0" y="0"/>
-          <a:chExt cx="0" cy="0"/>
-        </a:xfrm>
-      </p:grpSpPr>
-      <p:sp>
-        <p:nvSpPr>
-          <p:cNvPr id="20482" name="Rectangle 2"/>
-          <p:cNvSpPr>
-            <a:spLocks noGrp="1" noChangeArrowheads="1"/>
-          </p:cNvSpPr>
-          <p:nvPr>
-            <p:ph type="title"/>
-          </p:nvPr>
-        </p:nvSpPr>
-        <p:spPr/>
-        <p:txBody>
-          <a:bodyPr vert="horz" lIns="0" tIns="0" rIns="0" bIns="0" rtlCol="0" anchor="ctr">
-            <a:noAutofit/>
-          </a:bodyPr>
-          <a:lstStyle/>
-          <a:p>
-            <a:r>
-              <a:rPr lang="en-US" dirty="0" smtClean="0"/>
-              <a:t>Definition</a:t>
-            </a:r>
-            <a:r>
-              <a:rPr lang="en-US" dirty="0"/>
-              <a:t> </a:t>
-            </a:r>
-            <a:r>
-              <a:rPr lang="en-US" dirty="0" smtClean="0"/>
-              <a:t>II</a:t>
-            </a:r>
-            <a:endParaRPr lang="en-US" dirty="0"/>
-          </a:p>
-        </p:txBody>
-      </p:sp>
-      <p:sp>
-        <p:nvSpPr>
-          <p:cNvPr id="20483" name="Rectangle 3"/>
-          <p:cNvSpPr>
-            <a:spLocks noGrp="1" noChangeArrowheads="1"/>
-          </p:cNvSpPr>
-          <p:nvPr>
-            <p:ph idx="1"/>
-          </p:nvPr>
-        </p:nvSpPr>
-        <p:spPr/>
-        <p:txBody>
-          <a:bodyPr vert="horz" lIns="0" tIns="0" rIns="0" bIns="0" rtlCol="0">
-            <a:normAutofit/>
-          </a:bodyPr>
-          <a:lstStyle/>
-          <a:p>
-            <a:pPr marL="419100" indent="-419100">
-              <a:buNone/>
-            </a:pPr>
-            <a:r>
-              <a:rPr lang="de-DE" dirty="0"/>
-              <a:t>Ein </a:t>
-            </a:r>
-            <a:r>
-              <a:rPr lang="de-DE" u="sng" dirty="0"/>
-              <a:t>Zustand</a:t>
-            </a:r>
-            <a:r>
-              <a:rPr lang="de-DE" dirty="0"/>
-              <a:t> ist eine Zeitperiode, bei der ein Objekt auf ein Ereignis </a:t>
-            </a:r>
-            <a:r>
-              <a:rPr lang="de-DE" i="1" dirty="0">
-                <a:solidFill>
-                  <a:srgbClr val="7F0101"/>
-                </a:solidFill>
-              </a:rPr>
-              <a:t>wartet</a:t>
-            </a:r>
-            <a:r>
-              <a:rPr lang="de-DE" dirty="0"/>
-              <a:t>:</a:t>
-            </a:r>
-          </a:p>
-          <a:p>
-            <a:pPr marL="838200" lvl="1" indent="-381000"/>
-            <a:r>
-              <a:rPr lang="de-DE" dirty="0"/>
-              <a:t>Dargestellt als </a:t>
-            </a:r>
-            <a:r>
-              <a:rPr lang="de-DE" i="1" dirty="0">
-                <a:solidFill>
-                  <a:srgbClr val="7F0101"/>
-                </a:solidFill>
-              </a:rPr>
-              <a:t>abgerundete Box</a:t>
-            </a:r>
-            <a:r>
-              <a:rPr lang="de-DE" dirty="0"/>
-              <a:t> mit (bis zu) drei Sektionen:</a:t>
-            </a:r>
-          </a:p>
-          <a:p>
-            <a:pPr marL="1295400" lvl="2" indent="-381000"/>
-            <a:r>
-              <a:rPr lang="de-DE" i="1" dirty="0" err="1"/>
-              <a:t>name</a:t>
-            </a:r>
-            <a:r>
-              <a:rPr lang="de-DE" dirty="0"/>
-              <a:t> — optional</a:t>
-            </a:r>
-          </a:p>
-          <a:p>
-            <a:pPr marL="1295400" lvl="2" indent="-381000"/>
-            <a:r>
-              <a:rPr lang="de-DE" i="1" dirty="0" err="1"/>
-              <a:t>state</a:t>
-            </a:r>
-            <a:r>
-              <a:rPr lang="de-DE" dirty="0"/>
-              <a:t> variables — </a:t>
-            </a:r>
-            <a:r>
-              <a:rPr lang="de-DE" dirty="0" err="1"/>
-              <a:t>name</a:t>
-            </a:r>
-            <a:r>
-              <a:rPr lang="de-DE" dirty="0"/>
-              <a:t>: type = </a:t>
-            </a:r>
-            <a:r>
-              <a:rPr lang="de-DE" dirty="0" err="1"/>
-              <a:t>value</a:t>
-            </a:r>
-            <a:r>
-              <a:rPr lang="de-DE" dirty="0"/>
-              <a:t> (valid </a:t>
-            </a:r>
-            <a:r>
-              <a:rPr lang="de-DE" dirty="0" err="1"/>
-              <a:t>only</a:t>
-            </a:r>
-            <a:r>
-              <a:rPr lang="de-DE" dirty="0"/>
-              <a:t> </a:t>
-            </a:r>
-            <a:r>
-              <a:rPr lang="de-DE" dirty="0" err="1"/>
-              <a:t>for</a:t>
-            </a:r>
-            <a:r>
-              <a:rPr lang="de-DE" dirty="0"/>
-              <a:t> </a:t>
-            </a:r>
-            <a:r>
-              <a:rPr lang="de-DE" dirty="0" err="1"/>
-              <a:t>that</a:t>
-            </a:r>
-            <a:r>
-              <a:rPr lang="de-DE" dirty="0"/>
-              <a:t> </a:t>
-            </a:r>
-            <a:r>
-              <a:rPr lang="de-DE" dirty="0" err="1"/>
-              <a:t>state</a:t>
-            </a:r>
-            <a:r>
-              <a:rPr lang="de-DE" dirty="0"/>
-              <a:t>)</a:t>
-            </a:r>
-          </a:p>
-          <a:p>
-            <a:pPr marL="1295400" lvl="2" indent="-381000"/>
-            <a:r>
-              <a:rPr lang="de-DE" i="1" dirty="0" err="1"/>
-              <a:t>triggered</a:t>
-            </a:r>
-            <a:r>
-              <a:rPr lang="de-DE" i="1" dirty="0"/>
-              <a:t> </a:t>
-            </a:r>
-            <a:r>
-              <a:rPr lang="de-DE" i="1" dirty="0" err="1"/>
-              <a:t>operations</a:t>
-            </a:r>
-            <a:r>
-              <a:rPr lang="de-DE" dirty="0"/>
-              <a:t> — internal </a:t>
-            </a:r>
-            <a:r>
-              <a:rPr lang="de-DE" dirty="0" err="1"/>
-              <a:t>transitions</a:t>
-            </a:r>
-            <a:r>
-              <a:rPr lang="de-DE" dirty="0"/>
-              <a:t> </a:t>
-            </a:r>
-            <a:r>
-              <a:rPr lang="de-DE" dirty="0" err="1"/>
-              <a:t>and</a:t>
-            </a:r>
-            <a:r>
-              <a:rPr lang="de-DE" dirty="0"/>
-              <a:t> </a:t>
-            </a:r>
-            <a:r>
-              <a:rPr lang="de-DE" dirty="0" err="1"/>
-              <a:t>ongoing</a:t>
-            </a:r>
-            <a:r>
-              <a:rPr lang="de-DE" dirty="0"/>
-              <a:t> </a:t>
-            </a:r>
-            <a:r>
-              <a:rPr lang="de-DE" dirty="0" err="1"/>
-              <a:t>operations</a:t>
-            </a:r>
-            <a:endParaRPr lang="de-DE" dirty="0"/>
-          </a:p>
-          <a:p>
-            <a:pPr marL="838200" lvl="1" indent="-381000"/>
-            <a:r>
-              <a:rPr lang="de-DE" dirty="0"/>
-              <a:t>Kann </a:t>
-            </a:r>
-            <a:r>
-              <a:rPr lang="de-DE" i="1" dirty="0">
-                <a:solidFill>
-                  <a:srgbClr val="7F0101"/>
-                </a:solidFill>
-              </a:rPr>
-              <a:t>geschachtelt </a:t>
-            </a:r>
-            <a:r>
-              <a:rPr lang="de-DE" dirty="0"/>
-              <a:t>sein</a:t>
-            </a:r>
-          </a:p>
-        </p:txBody>
-      </p:sp>
-      <p:sp>
-        <p:nvSpPr>
-          <p:cNvPr id="2" name="Foliennummernplatzhalter 1"/>
-          <p:cNvSpPr>
-            <a:spLocks noGrp="1"/>
-          </p:cNvSpPr>
-          <p:nvPr>
-            <p:ph type="sldNum" sz="quarter" idx="12"/>
-          </p:nvPr>
-        </p:nvSpPr>
-        <p:spPr/>
-        <p:txBody>
-          <a:bodyPr/>
-          <a:lstStyle/>
-          <a:p>
-            <a:pPr>
-              <a:defRPr/>
-            </a:pPr>
-            <a:fld id="{C0B85308-4B91-4084-B5EB-6B176834447A}" type="slidenum">
-              <a:rPr lang="de-DE" smtClean="0">
-                <a:solidFill>
-                  <a:prstClr val="black">
-                    <a:tint val="75000"/>
-                  </a:prstClr>
-                </a:solidFill>
-              </a:rPr>
-              <a:pPr>
-                <a:defRPr/>
-              </a:pPr>
-              <a:t>52</a:t>
-            </a:fld>
-            <a:endParaRPr lang="de-DE">
-              <a:solidFill>
-                <a:prstClr val="black">
-                  <a:tint val="75000"/>
-                </a:prstClr>
-              </a:solidFill>
-            </a:endParaRPr>
-          </a:p>
-        </p:txBody>
-      </p:sp>
-    </p:spTree>
-    <p:extLst>
-      <p:ext uri="{BB962C8B-B14F-4D97-AF65-F5344CB8AC3E}">
-        <p14:creationId xmlns:p14="http://schemas.microsoft.com/office/powerpoint/2010/main" val="1404256429"/>
-      </p:ext>
-    </p:extLst>
-  </p:cSld>
-  <p:clrMapOvr>
-    <a:masterClrMapping/>
-  </p:clrMapOvr>
-</p:sld>
-</file>
-
 <file path=ppt/slides/slide53.xml><?xml version="1.0" encoding="utf-8"?>
 <p:sld xmlns:a="http://schemas.openxmlformats.org/drawingml/2006/main" xmlns:r="http://schemas.openxmlformats.org/officeDocument/2006/relationships" xmlns:p="http://schemas.openxmlformats.org/presentationml/2006/main">
   <p:cSld>
@@ -33298,6 +33442,320 @@
       </p:grpSpPr>
       <p:sp>
         <p:nvSpPr>
+          <p:cNvPr id="20482" name="Rectangle 2"/>
+          <p:cNvSpPr>
+            <a:spLocks noGrp="1" noChangeArrowheads="1"/>
+          </p:cNvSpPr>
+          <p:nvPr>
+            <p:ph type="title"/>
+          </p:nvPr>
+        </p:nvSpPr>
+        <p:spPr/>
+        <p:txBody>
+          <a:bodyPr vert="horz" lIns="0" tIns="0" rIns="0" bIns="0" rtlCol="0" anchor="ctr">
+            <a:noAutofit/>
+          </a:bodyPr>
+          <a:lstStyle/>
+          <a:p>
+            <a:r>
+              <a:rPr lang="en-US" dirty="0" smtClean="0"/>
+              <a:t>Definition</a:t>
+            </a:r>
+            <a:r>
+              <a:rPr lang="en-US" dirty="0"/>
+              <a:t> </a:t>
+            </a:r>
+            <a:r>
+              <a:rPr lang="en-US" dirty="0" smtClean="0"/>
+              <a:t>II</a:t>
+            </a:r>
+            <a:endParaRPr lang="en-US" dirty="0"/>
+          </a:p>
+        </p:txBody>
+      </p:sp>
+      <p:sp>
+        <p:nvSpPr>
+          <p:cNvPr id="20483" name="Rectangle 3"/>
+          <p:cNvSpPr>
+            <a:spLocks noGrp="1" noChangeArrowheads="1"/>
+          </p:cNvSpPr>
+          <p:nvPr>
+            <p:ph idx="1"/>
+          </p:nvPr>
+        </p:nvSpPr>
+        <p:spPr/>
+        <p:txBody>
+          <a:bodyPr vert="horz" lIns="0" tIns="0" rIns="0" bIns="0" rtlCol="0">
+            <a:normAutofit/>
+          </a:bodyPr>
+          <a:lstStyle/>
+          <a:p>
+            <a:pPr marL="419100" indent="-419100">
+              <a:buNone/>
+            </a:pPr>
+            <a:r>
+              <a:rPr lang="de-DE" dirty="0"/>
+              <a:t>Ein </a:t>
+            </a:r>
+            <a:r>
+              <a:rPr lang="de-DE" u="sng" dirty="0"/>
+              <a:t>Zustand</a:t>
+            </a:r>
+            <a:r>
+              <a:rPr lang="de-DE" dirty="0"/>
+              <a:t> ist eine Zeitperiode, bei der ein Objekt auf ein Ereignis </a:t>
+            </a:r>
+            <a:r>
+              <a:rPr lang="de-DE" i="1" dirty="0">
+                <a:solidFill>
+                  <a:srgbClr val="7F0101"/>
+                </a:solidFill>
+              </a:rPr>
+              <a:t>wartet</a:t>
+            </a:r>
+            <a:r>
+              <a:rPr lang="de-DE" dirty="0"/>
+              <a:t>:</a:t>
+            </a:r>
+          </a:p>
+          <a:p>
+            <a:pPr marL="838200" lvl="1" indent="-381000"/>
+            <a:r>
+              <a:rPr lang="de-DE" dirty="0"/>
+              <a:t>Dargestellt als </a:t>
+            </a:r>
+            <a:r>
+              <a:rPr lang="de-DE" i="1" dirty="0">
+                <a:solidFill>
+                  <a:srgbClr val="7F0101"/>
+                </a:solidFill>
+              </a:rPr>
+              <a:t>abgerundete Box</a:t>
+            </a:r>
+            <a:r>
+              <a:rPr lang="de-DE" dirty="0"/>
+              <a:t> mit (bis zu) drei Sektionen:</a:t>
+            </a:r>
+          </a:p>
+          <a:p>
+            <a:pPr marL="1295400" lvl="2" indent="-381000"/>
+            <a:r>
+              <a:rPr lang="de-DE" i="1" dirty="0" err="1"/>
+              <a:t>name</a:t>
+            </a:r>
+            <a:r>
+              <a:rPr lang="de-DE" dirty="0"/>
+              <a:t> — optional</a:t>
+            </a:r>
+          </a:p>
+          <a:p>
+            <a:pPr marL="1295400" lvl="2" indent="-381000"/>
+            <a:r>
+              <a:rPr lang="de-DE" i="1" dirty="0" err="1"/>
+              <a:t>state</a:t>
+            </a:r>
+            <a:r>
+              <a:rPr lang="de-DE" dirty="0"/>
+              <a:t> variables — </a:t>
+            </a:r>
+            <a:r>
+              <a:rPr lang="de-DE" dirty="0" err="1"/>
+              <a:t>name</a:t>
+            </a:r>
+            <a:r>
+              <a:rPr lang="de-DE" dirty="0"/>
+              <a:t>: type = </a:t>
+            </a:r>
+            <a:r>
+              <a:rPr lang="de-DE" dirty="0" err="1"/>
+              <a:t>value</a:t>
+            </a:r>
+            <a:r>
+              <a:rPr lang="de-DE" dirty="0"/>
+              <a:t> (valid </a:t>
+            </a:r>
+            <a:r>
+              <a:rPr lang="de-DE" dirty="0" err="1"/>
+              <a:t>only</a:t>
+            </a:r>
+            <a:r>
+              <a:rPr lang="de-DE" dirty="0"/>
+              <a:t> </a:t>
+            </a:r>
+            <a:r>
+              <a:rPr lang="de-DE" dirty="0" err="1"/>
+              <a:t>for</a:t>
+            </a:r>
+            <a:r>
+              <a:rPr lang="de-DE" dirty="0"/>
+              <a:t> </a:t>
+            </a:r>
+            <a:r>
+              <a:rPr lang="de-DE" dirty="0" err="1"/>
+              <a:t>that</a:t>
+            </a:r>
+            <a:r>
+              <a:rPr lang="de-DE" dirty="0"/>
+              <a:t> </a:t>
+            </a:r>
+            <a:r>
+              <a:rPr lang="de-DE" dirty="0" err="1"/>
+              <a:t>state</a:t>
+            </a:r>
+            <a:r>
+              <a:rPr lang="de-DE" dirty="0"/>
+              <a:t>)</a:t>
+            </a:r>
+          </a:p>
+          <a:p>
+            <a:pPr marL="1295400" lvl="2" indent="-381000"/>
+            <a:r>
+              <a:rPr lang="de-DE" i="1" dirty="0" err="1"/>
+              <a:t>triggered</a:t>
+            </a:r>
+            <a:r>
+              <a:rPr lang="de-DE" i="1" dirty="0"/>
+              <a:t> </a:t>
+            </a:r>
+            <a:r>
+              <a:rPr lang="de-DE" i="1" dirty="0" err="1"/>
+              <a:t>operations</a:t>
+            </a:r>
+            <a:r>
+              <a:rPr lang="de-DE" dirty="0"/>
+              <a:t> — internal </a:t>
+            </a:r>
+            <a:r>
+              <a:rPr lang="de-DE" dirty="0" err="1"/>
+              <a:t>transitions</a:t>
+            </a:r>
+            <a:r>
+              <a:rPr lang="de-DE" dirty="0"/>
+              <a:t> </a:t>
+            </a:r>
+            <a:r>
+              <a:rPr lang="de-DE" dirty="0" err="1"/>
+              <a:t>and</a:t>
+            </a:r>
+            <a:r>
+              <a:rPr lang="de-DE" dirty="0"/>
+              <a:t> </a:t>
+            </a:r>
+            <a:r>
+              <a:rPr lang="de-DE" dirty="0" err="1"/>
+              <a:t>ongoing</a:t>
+            </a:r>
+            <a:r>
+              <a:rPr lang="de-DE" dirty="0"/>
+              <a:t> </a:t>
+            </a:r>
+            <a:r>
+              <a:rPr lang="de-DE" dirty="0" err="1"/>
+              <a:t>operations</a:t>
+            </a:r>
+            <a:endParaRPr lang="de-DE" dirty="0"/>
+          </a:p>
+          <a:p>
+            <a:pPr marL="838200" lvl="1" indent="-381000"/>
+            <a:r>
+              <a:rPr lang="de-DE" dirty="0"/>
+              <a:t>Kann </a:t>
+            </a:r>
+            <a:r>
+              <a:rPr lang="de-DE" i="1" dirty="0">
+                <a:solidFill>
+                  <a:srgbClr val="7F0101"/>
+                </a:solidFill>
+              </a:rPr>
+              <a:t>geschachtelt </a:t>
+            </a:r>
+            <a:r>
+              <a:rPr lang="de-DE" dirty="0"/>
+              <a:t>sein</a:t>
+            </a:r>
+          </a:p>
+        </p:txBody>
+      </p:sp>
+      <p:sp>
+        <p:nvSpPr>
+          <p:cNvPr id="2" name="Foliennummernplatzhalter 1"/>
+          <p:cNvSpPr>
+            <a:spLocks noGrp="1"/>
+          </p:cNvSpPr>
+          <p:nvPr>
+            <p:ph type="sldNum" sz="quarter" idx="12"/>
+          </p:nvPr>
+        </p:nvSpPr>
+        <p:spPr/>
+        <p:txBody>
+          <a:bodyPr/>
+          <a:lstStyle/>
+          <a:p>
+            <a:pPr>
+              <a:defRPr/>
+            </a:pPr>
+            <a:fld id="{C0B85308-4B91-4084-B5EB-6B176834447A}" type="slidenum">
+              <a:rPr lang="de-DE" smtClean="0">
+                <a:solidFill>
+                  <a:prstClr val="black">
+                    <a:tint val="75000"/>
+                  </a:prstClr>
+                </a:solidFill>
+              </a:rPr>
+              <a:pPr>
+                <a:defRPr/>
+              </a:pPr>
+              <a:t>53</a:t>
+            </a:fld>
+            <a:endParaRPr lang="de-DE">
+              <a:solidFill>
+                <a:prstClr val="black">
+                  <a:tint val="75000"/>
+                </a:prstClr>
+              </a:solidFill>
+            </a:endParaRPr>
+          </a:p>
+        </p:txBody>
+      </p:sp>
+    </p:spTree>
+    <p:extLst>
+      <p:ext uri="{BB962C8B-B14F-4D97-AF65-F5344CB8AC3E}">
+        <p14:creationId xmlns:p14="http://schemas.microsoft.com/office/powerpoint/2010/main" val="1404256429"/>
+      </p:ext>
+    </p:extLst>
+  </p:cSld>
+  <p:clrMapOvr>
+    <a:masterClrMapping/>
+  </p:clrMapOvr>
+  <p:timing>
+    <p:tnLst>
+      <p:par>
+        <p:cTn id="1" dur="indefinite" restart="never" nodeType="tmRoot"/>
+      </p:par>
+    </p:tnLst>
+  </p:timing>
+</p:sld>
+</file>
+
+<file path=ppt/slides/slide54.xml><?xml version="1.0" encoding="utf-8"?>
+<p:sld xmlns:a="http://schemas.openxmlformats.org/drawingml/2006/main" xmlns:r="http://schemas.openxmlformats.org/officeDocument/2006/relationships" xmlns:p="http://schemas.openxmlformats.org/presentationml/2006/main">
+  <p:cSld>
+    <p:spTree>
+      <p:nvGrpSpPr>
+        <p:cNvPr id="1" name=""/>
+        <p:cNvGrpSpPr/>
+        <p:nvPr/>
+      </p:nvGrpSpPr>
+      <p:grpSpPr>
+        <a:xfrm>
+          <a:off x="0" y="0"/>
+          <a:ext cx="0" cy="0"/>
+          <a:chOff x="0" y="0"/>
+          <a:chExt cx="0" cy="0"/>
+        </a:xfrm>
+      </p:grpSpPr>
+      <p:sp>
+        <p:nvSpPr>
           <p:cNvPr id="21506" name="Rectangle 2"/>
           <p:cNvSpPr>
             <a:spLocks noGrp="1" noChangeArrowheads="1"/>
@@ -33465,7 +33923,7 @@
               <a:pPr>
                 <a:defRPr/>
               </a:pPr>
-              <a:t>53</a:t>
+              <a:t>54</a:t>
             </a:fld>
             <a:endParaRPr lang="de-DE">
               <a:solidFill>
@@ -33541,10 +33999,17 @@
   <p:clrMapOvr>
     <a:masterClrMapping/>
   </p:clrMapOvr>
+  <p:timing>
+    <p:tnLst>
+      <p:par>
+        <p:cTn id="1" dur="indefinite" restart="never" nodeType="tmRoot"/>
+      </p:par>
+    </p:tnLst>
+  </p:timing>
 </p:sld>
 </file>
 
-<file path=ppt/slides/slide54.xml><?xml version="1.0" encoding="utf-8"?>
+<file path=ppt/slides/slide55.xml><?xml version="1.0" encoding="utf-8"?>
 <p:sld xmlns:a="http://schemas.openxmlformats.org/drawingml/2006/main" xmlns:r="http://schemas.openxmlformats.org/officeDocument/2006/relationships" xmlns:p="http://schemas.openxmlformats.org/presentationml/2006/main">
   <p:cSld>
     <p:spTree>
@@ -33825,7 +34290,7 @@
               <a:pPr>
                 <a:defRPr/>
               </a:pPr>
-              <a:t>54</a:t>
+              <a:t>55</a:t>
             </a:fld>
             <a:endParaRPr lang="de-DE">
               <a:solidFill>
@@ -34027,7 +34492,7 @@
 </p:sld>
 </file>
 
-<file path=ppt/slides/slide55.xml><?xml version="1.0" encoding="utf-8"?>
+<file path=ppt/slides/slide56.xml><?xml version="1.0" encoding="utf-8"?>
 <p:sld xmlns:a="http://schemas.openxmlformats.org/drawingml/2006/main" xmlns:r="http://schemas.openxmlformats.org/officeDocument/2006/relationships" xmlns:p="http://schemas.openxmlformats.org/presentationml/2006/main">
   <p:cSld>
     <p:spTree>
@@ -34240,7 +34705,7 @@
               <a:pPr>
                 <a:defRPr/>
               </a:pPr>
-              <a:t>55</a:t>
+              <a:t>56</a:t>
             </a:fld>
             <a:endParaRPr lang="de-DE">
               <a:solidFill>
@@ -34399,7 +34864,7 @@
 </p:sld>
 </file>
 
-<file path=ppt/slides/slide56.xml><?xml version="1.0" encoding="utf-8"?>
+<file path=ppt/slides/slide57.xml><?xml version="1.0" encoding="utf-8"?>
 <p:sld xmlns:a="http://schemas.openxmlformats.org/drawingml/2006/main" xmlns:r="http://schemas.openxmlformats.org/officeDocument/2006/relationships" xmlns:p="http://schemas.openxmlformats.org/presentationml/2006/main">
   <p:cSld>
     <p:spTree>
@@ -34505,7 +34970,7 @@
               <a:pPr>
                 <a:defRPr/>
               </a:pPr>
-              <a:t>56</a:t>
+              <a:t>57</a:t>
             </a:fld>
             <a:endParaRPr lang="de-DE">
               <a:solidFill>
@@ -34584,7 +35049,7 @@
 </p:sld>
 </file>
 
-<file path=ppt/slides/slide57.xml><?xml version="1.0" encoding="utf-8"?>
+<file path=ppt/slides/slide58.xml><?xml version="1.0" encoding="utf-8"?>
 <p:sld xmlns:a="http://schemas.openxmlformats.org/drawingml/2006/main" xmlns:r="http://schemas.openxmlformats.org/officeDocument/2006/relationships" xmlns:p="http://schemas.openxmlformats.org/presentationml/2006/main">
   <p:cSld>
     <p:spTree>
@@ -34673,7 +35138,7 @@
               <a:pPr>
                 <a:defRPr/>
               </a:pPr>
-              <a:t>57</a:t>
+              <a:t>58</a:t>
             </a:fld>
             <a:endParaRPr lang="de-DE">
               <a:solidFill>
@@ -36258,10 +36723,17 @@
   <p:clrMapOvr>
     <a:masterClrMapping/>
   </p:clrMapOvr>
+  <p:timing>
+    <p:tnLst>
+      <p:par>
+        <p:cTn id="1" dur="indefinite" restart="never" nodeType="tmRoot"/>
+      </p:par>
+    </p:tnLst>
+  </p:timing>
 </p:sld>
 </file>
 
-<file path=ppt/slides/slide58.xml><?xml version="1.0" encoding="utf-8"?>
+<file path=ppt/slides/slide59.xml><?xml version="1.0" encoding="utf-8"?>
 <p:sld xmlns:a="http://schemas.openxmlformats.org/drawingml/2006/main" xmlns:r="http://schemas.openxmlformats.org/officeDocument/2006/relationships" xmlns:p="http://schemas.openxmlformats.org/presentationml/2006/main">
   <p:cSld>
     <p:spTree>
@@ -36323,7 +36795,7 @@
               <a:pPr>
                 <a:defRPr/>
               </a:pPr>
-              <a:t>58</a:t>
+              <a:t>59</a:t>
             </a:fld>
             <a:endParaRPr lang="de-DE"/>
           </a:p>
@@ -36361,11 +36833,18 @@
   <p:clrMapOvr>
     <a:masterClrMapping/>
   </p:clrMapOvr>
+  <p:timing>
+    <p:tnLst>
+      <p:par>
+        <p:cTn id="1" dur="indefinite" restart="never" nodeType="tmRoot"/>
+      </p:par>
+    </p:tnLst>
+  </p:timing>
 </p:sld>
 </file>
 
-<file path=ppt/slides/slide59.xml><?xml version="1.0" encoding="utf-8"?>
-<p:sld xmlns:a="http://schemas.openxmlformats.org/drawingml/2006/main" xmlns:r="http://schemas.openxmlformats.org/officeDocument/2006/relationships" xmlns:p="http://schemas.openxmlformats.org/presentationml/2006/main" show="0">
+<file path=ppt/slides/slide6.xml><?xml version="1.0" encoding="utf-8"?>
+<p:sld xmlns:a="http://schemas.openxmlformats.org/drawingml/2006/main" xmlns:r="http://schemas.openxmlformats.org/officeDocument/2006/relationships" xmlns:p="http://schemas.openxmlformats.org/presentationml/2006/main">
   <p:cSld>
     <p:spTree>
       <p:nvGrpSpPr>
@@ -36383,6 +36862,384 @@
       </p:grpSpPr>
       <p:sp>
         <p:nvSpPr>
+          <p:cNvPr id="9218" name="Rectangle 2"/>
+          <p:cNvSpPr>
+            <a:spLocks noGrp="1" noChangeArrowheads="1"/>
+          </p:cNvSpPr>
+          <p:nvPr>
+            <p:ph type="title"/>
+          </p:nvPr>
+        </p:nvSpPr>
+        <p:spPr/>
+        <p:txBody>
+          <a:bodyPr vert="horz" lIns="0" tIns="0" rIns="0" bIns="0" rtlCol="0" anchor="ctr">
+            <a:noAutofit/>
+          </a:bodyPr>
+          <a:lstStyle/>
+          <a:p>
+            <a:r>
+              <a:rPr lang="en-US" dirty="0"/>
+              <a:t>UML Geschichte</a:t>
+            </a:r>
+          </a:p>
+        </p:txBody>
+      </p:sp>
+      <p:sp>
+        <p:nvSpPr>
+          <p:cNvPr id="9219" name="Rectangle 3"/>
+          <p:cNvSpPr>
+            <a:spLocks noGrp="1" noChangeArrowheads="1"/>
+          </p:cNvSpPr>
+          <p:nvPr>
+            <p:ph idx="1"/>
+          </p:nvPr>
+        </p:nvSpPr>
+        <p:spPr/>
+        <p:txBody>
+          <a:bodyPr vert="horz" lIns="0" tIns="0" rIns="0" bIns="0" rtlCol="0">
+            <a:normAutofit/>
+          </a:bodyPr>
+          <a:lstStyle/>
+          <a:p>
+            <a:pPr>
+              <a:lnSpc>
+                <a:spcPct val="90000"/>
+              </a:lnSpc>
+            </a:pPr>
+            <a:r>
+              <a:rPr lang="en-US" dirty="0"/>
+              <a:t>1994: Grady </a:t>
+            </a:r>
+            <a:r>
+              <a:rPr lang="en-US" dirty="0" err="1"/>
+              <a:t>Booch</a:t>
+            </a:r>
+            <a:r>
+              <a:rPr lang="en-US" dirty="0"/>
+              <a:t> (</a:t>
+            </a:r>
+            <a:r>
+              <a:rPr lang="en-US" dirty="0" err="1"/>
+              <a:t>Booch</a:t>
+            </a:r>
+            <a:r>
+              <a:rPr lang="en-US" dirty="0"/>
+              <a:t> method) + James Rumbaugh (OMT) in der </a:t>
+            </a:r>
+            <a:r>
+              <a:rPr lang="en-US" dirty="0" err="1"/>
+              <a:t>Firma</a:t>
+            </a:r>
+            <a:r>
+              <a:rPr lang="en-US" dirty="0"/>
+              <a:t> Rational</a:t>
+            </a:r>
+          </a:p>
+          <a:p>
+            <a:pPr>
+              <a:lnSpc>
+                <a:spcPct val="90000"/>
+              </a:lnSpc>
+            </a:pPr>
+            <a:r>
+              <a:rPr lang="en-US" dirty="0"/>
+              <a:t>1994: Ivar Jacobson (OOSE, use cases) </a:t>
+            </a:r>
+            <a:r>
+              <a:rPr lang="en-US" dirty="0" err="1"/>
+              <a:t>tritt</a:t>
+            </a:r>
+            <a:r>
+              <a:rPr lang="en-US" dirty="0"/>
+              <a:t> Rational </a:t>
+            </a:r>
+            <a:r>
+              <a:rPr lang="en-US" dirty="0" err="1"/>
+              <a:t>bei</a:t>
+            </a:r>
+            <a:endParaRPr lang="en-US" dirty="0"/>
+          </a:p>
+          <a:p>
+            <a:pPr lvl="1">
+              <a:lnSpc>
+                <a:spcPct val="90000"/>
+              </a:lnSpc>
+            </a:pPr>
+            <a:r>
+              <a:rPr lang="en-US" dirty="0"/>
+              <a:t>“The three amigos”</a:t>
+            </a:r>
+          </a:p>
+          <a:p>
+            <a:pPr>
+              <a:lnSpc>
+                <a:spcPct val="90000"/>
+              </a:lnSpc>
+            </a:pPr>
+            <a:r>
+              <a:rPr lang="en-US" dirty="0"/>
+              <a:t>1996: Rational </a:t>
+            </a:r>
+            <a:r>
+              <a:rPr lang="en-US" dirty="0" err="1"/>
+              <a:t>gründet</a:t>
+            </a:r>
+            <a:r>
+              <a:rPr lang="en-US" dirty="0"/>
+              <a:t> </a:t>
+            </a:r>
+            <a:r>
+              <a:rPr lang="en-US" dirty="0" err="1"/>
+              <a:t>ein</a:t>
+            </a:r>
+            <a:r>
+              <a:rPr lang="en-US" dirty="0"/>
+              <a:t> </a:t>
+            </a:r>
+            <a:r>
+              <a:rPr lang="en-US" dirty="0" err="1"/>
+              <a:t>Konsortium</a:t>
+            </a:r>
+            <a:r>
+              <a:rPr lang="en-US" dirty="0"/>
+              <a:t>, um UML </a:t>
+            </a:r>
+            <a:r>
+              <a:rPr lang="en-US" dirty="0" err="1"/>
+              <a:t>zu</a:t>
+            </a:r>
+            <a:r>
+              <a:rPr lang="en-US" dirty="0"/>
+              <a:t> </a:t>
+            </a:r>
+            <a:r>
+              <a:rPr lang="en-US" dirty="0" err="1"/>
+              <a:t>unterstützen</a:t>
+            </a:r>
+            <a:endParaRPr lang="en-US" dirty="0"/>
+          </a:p>
+          <a:p>
+            <a:pPr>
+              <a:lnSpc>
+                <a:spcPct val="90000"/>
+              </a:lnSpc>
+            </a:pPr>
+            <a:r>
+              <a:rPr lang="en-US" dirty="0"/>
+              <a:t>1997: UML 1.0 </a:t>
+            </a:r>
+            <a:r>
+              <a:rPr lang="en-US" dirty="0" err="1"/>
+              <a:t>bei</a:t>
+            </a:r>
+            <a:r>
+              <a:rPr lang="en-US" dirty="0"/>
+              <a:t> der OMG </a:t>
+            </a:r>
+            <a:r>
+              <a:rPr lang="en-US" dirty="0" err="1"/>
+              <a:t>eingereicht</a:t>
+            </a:r>
+            <a:endParaRPr lang="en-US" dirty="0"/>
+          </a:p>
+          <a:p>
+            <a:pPr>
+              <a:lnSpc>
+                <a:spcPct val="90000"/>
+              </a:lnSpc>
+            </a:pPr>
+            <a:r>
+              <a:rPr lang="en-US" dirty="0"/>
+              <a:t>1997: UML 1.1 </a:t>
+            </a:r>
+            <a:r>
+              <a:rPr lang="en-US" dirty="0" err="1"/>
+              <a:t>als</a:t>
+            </a:r>
+            <a:r>
+              <a:rPr lang="en-US" dirty="0"/>
+              <a:t> OMG-Standard </a:t>
+            </a:r>
+            <a:r>
+              <a:rPr lang="en-US" dirty="0" err="1"/>
+              <a:t>akzeptiert</a:t>
+            </a:r>
+            <a:endParaRPr lang="en-US" dirty="0"/>
+          </a:p>
+          <a:p>
+            <a:pPr lvl="1">
+              <a:lnSpc>
+                <a:spcPct val="90000"/>
+              </a:lnSpc>
+            </a:pPr>
+            <a:r>
+              <a:rPr lang="en-US" dirty="0"/>
+              <a:t>Aber, OMG </a:t>
+            </a:r>
+            <a:r>
+              <a:rPr lang="en-US" dirty="0" err="1"/>
+              <a:t>benannte</a:t>
+            </a:r>
+            <a:r>
+              <a:rPr lang="en-US" dirty="0"/>
+              <a:t> </a:t>
+            </a:r>
+            <a:r>
+              <a:rPr lang="en-US" dirty="0" err="1"/>
+              <a:t>es</a:t>
+            </a:r>
+            <a:r>
+              <a:rPr lang="en-US" dirty="0"/>
+              <a:t> UML 1.0</a:t>
+            </a:r>
+          </a:p>
+          <a:p>
+            <a:pPr>
+              <a:lnSpc>
+                <a:spcPct val="90000"/>
+              </a:lnSpc>
+            </a:pPr>
+            <a:r>
+              <a:rPr lang="en-US" dirty="0"/>
+              <a:t>1998-…: </a:t>
+            </a:r>
+            <a:r>
+              <a:rPr lang="en-US" dirty="0" err="1"/>
+              <a:t>Revisionen</a:t>
+            </a:r>
+            <a:r>
+              <a:rPr lang="en-US" dirty="0"/>
+              <a:t> </a:t>
+            </a:r>
+            <a:r>
+              <a:rPr lang="en-US" dirty="0" smtClean="0"/>
+              <a:t>UML 1.2 </a:t>
+            </a:r>
+            <a:r>
+              <a:rPr lang="en-US" dirty="0"/>
+              <a:t>- 1.5</a:t>
+            </a:r>
+          </a:p>
+          <a:p>
+            <a:pPr>
+              <a:lnSpc>
+                <a:spcPct val="90000"/>
+              </a:lnSpc>
+            </a:pPr>
+            <a:r>
+              <a:rPr lang="en-US" dirty="0"/>
+              <a:t>2005: </a:t>
+            </a:r>
+            <a:r>
+              <a:rPr lang="en-US" dirty="0" err="1"/>
+              <a:t>Hauptrevision</a:t>
+            </a:r>
+            <a:r>
+              <a:rPr lang="en-US" dirty="0"/>
+              <a:t> </a:t>
+            </a:r>
+            <a:r>
+              <a:rPr lang="en-US" dirty="0" err="1"/>
+              <a:t>zu</a:t>
+            </a:r>
+            <a:r>
+              <a:rPr lang="en-US" dirty="0"/>
+              <a:t> </a:t>
+            </a:r>
+            <a:r>
+              <a:rPr lang="en-US" dirty="0" smtClean="0"/>
+              <a:t>UML 2.0</a:t>
+            </a:r>
+            <a:r>
+              <a:rPr lang="en-US" dirty="0"/>
+              <a:t>, </a:t>
+            </a:r>
+            <a:r>
+              <a:rPr lang="en-US" dirty="0" err="1"/>
+              <a:t>beinhaltet</a:t>
+            </a:r>
+            <a:r>
+              <a:rPr lang="en-US" dirty="0"/>
+              <a:t> OCL (object constraint language)</a:t>
+            </a:r>
+          </a:p>
+        </p:txBody>
+      </p:sp>
+      <p:sp>
+        <p:nvSpPr>
+          <p:cNvPr id="2" name="Foliennummernplatzhalter 1"/>
+          <p:cNvSpPr>
+            <a:spLocks noGrp="1"/>
+          </p:cNvSpPr>
+          <p:nvPr>
+            <p:ph type="sldNum" sz="quarter" idx="12"/>
+          </p:nvPr>
+        </p:nvSpPr>
+        <p:spPr/>
+        <p:txBody>
+          <a:bodyPr/>
+          <a:lstStyle/>
+          <a:p>
+            <a:pPr>
+              <a:defRPr/>
+            </a:pPr>
+            <a:fld id="{C0B85308-4B91-4084-B5EB-6B176834447A}" type="slidenum">
+              <a:rPr lang="de-DE" smtClean="0">
+                <a:solidFill>
+                  <a:prstClr val="black">
+                    <a:tint val="75000"/>
+                  </a:prstClr>
+                </a:solidFill>
+              </a:rPr>
+              <a:pPr>
+                <a:defRPr/>
+              </a:pPr>
+              <a:t>6</a:t>
+            </a:fld>
+            <a:endParaRPr lang="de-DE">
+              <a:solidFill>
+                <a:prstClr val="black">
+                  <a:tint val="75000"/>
+                </a:prstClr>
+              </a:solidFill>
+            </a:endParaRPr>
+          </a:p>
+        </p:txBody>
+      </p:sp>
+    </p:spTree>
+  </p:cSld>
+  <p:clrMapOvr>
+    <a:masterClrMapping/>
+  </p:clrMapOvr>
+  <p:timing>
+    <p:tnLst>
+      <p:par>
+        <p:cTn id="1" dur="indefinite" restart="never" nodeType="tmRoot"/>
+      </p:par>
+    </p:tnLst>
+  </p:timing>
+</p:sld>
+</file>
+
+<file path=ppt/slides/slide60.xml><?xml version="1.0" encoding="utf-8"?>
+<p:sld xmlns:a="http://schemas.openxmlformats.org/drawingml/2006/main" xmlns:r="http://schemas.openxmlformats.org/officeDocument/2006/relationships" xmlns:p="http://schemas.openxmlformats.org/presentationml/2006/main">
+  <p:cSld>
+    <p:spTree>
+      <p:nvGrpSpPr>
+        <p:cNvPr id="1" name=""/>
+        <p:cNvGrpSpPr/>
+        <p:nvPr/>
+      </p:nvGrpSpPr>
+      <p:grpSpPr>
+        <a:xfrm>
+          <a:off x="0" y="0"/>
+          <a:ext cx="0" cy="0"/>
+          <a:chOff x="0" y="0"/>
+          <a:chExt cx="0" cy="0"/>
+        </a:xfrm>
+      </p:grpSpPr>
+      <p:sp>
+        <p:nvSpPr>
           <p:cNvPr id="6" name="Inhaltsplatzhalter 5"/>
           <p:cNvSpPr>
             <a:spLocks noGrp="1"/>
@@ -36423,7 +37280,7 @@
               <a:pPr>
                 <a:defRPr/>
               </a:pPr>
-              <a:t>59</a:t>
+              <a:t>60</a:t>
             </a:fld>
             <a:endParaRPr lang="de-DE"/>
           </a:p>
@@ -36485,389 +37342,25 @@
   <p:clrMapOvr>
     <a:masterClrMapping/>
   </p:clrMapOvr>
-  <mc:AlternateContent xmlns:mc="http://schemas.openxmlformats.org/markup-compatibility/2006" xmlns:p14="http://schemas.microsoft.com/office/powerpoint/2010/main">
-    <mc:Choice Requires="p14">
+  <mc:AlternateContent xmlns:mc="http://schemas.openxmlformats.org/markup-compatibility/2006">
+    <mc:Choice xmlns:p14="http://schemas.microsoft.com/office/powerpoint/2010/main" Requires="p14">
       <p:transition spd="slow" p14:dur="2000"/>
     </mc:Choice>
-    <mc:Fallback xmlns="">
+    <mc:Fallback>
       <p:transition spd="slow"/>
     </mc:Fallback>
   </mc:AlternateContent>
+  <p:timing>
+    <p:tnLst>
+      <p:par>
+        <p:cTn id="1" dur="indefinite" restart="never" nodeType="tmRoot"/>
+      </p:par>
+    </p:tnLst>
+  </p:timing>
 </p:sld>
 </file>
 
-<file path=ppt/slides/slide6.xml><?xml version="1.0" encoding="utf-8"?>
-<p:sld xmlns:a="http://schemas.openxmlformats.org/drawingml/2006/main" xmlns:r="http://schemas.openxmlformats.org/officeDocument/2006/relationships" xmlns:p="http://schemas.openxmlformats.org/presentationml/2006/main">
-  <p:cSld>
-    <p:spTree>
-      <p:nvGrpSpPr>
-        <p:cNvPr id="1" name=""/>
-        <p:cNvGrpSpPr/>
-        <p:nvPr/>
-      </p:nvGrpSpPr>
-      <p:grpSpPr>
-        <a:xfrm>
-          <a:off x="0" y="0"/>
-          <a:ext cx="0" cy="0"/>
-          <a:chOff x="0" y="0"/>
-          <a:chExt cx="0" cy="0"/>
-        </a:xfrm>
-      </p:grpSpPr>
-      <p:sp>
-        <p:nvSpPr>
-          <p:cNvPr id="9218" name="Rectangle 2"/>
-          <p:cNvSpPr>
-            <a:spLocks noGrp="1" noChangeArrowheads="1"/>
-          </p:cNvSpPr>
-          <p:nvPr>
-            <p:ph type="title"/>
-          </p:nvPr>
-        </p:nvSpPr>
-        <p:spPr/>
-        <p:txBody>
-          <a:bodyPr vert="horz" lIns="0" tIns="0" rIns="0" bIns="0" rtlCol="0" anchor="ctr">
-            <a:noAutofit/>
-          </a:bodyPr>
-          <a:lstStyle/>
-          <a:p>
-            <a:r>
-              <a:rPr lang="en-US" dirty="0"/>
-              <a:t>UML Geschichte</a:t>
-            </a:r>
-          </a:p>
-        </p:txBody>
-      </p:sp>
-      <p:sp>
-        <p:nvSpPr>
-          <p:cNvPr id="9219" name="Rectangle 3"/>
-          <p:cNvSpPr>
-            <a:spLocks noGrp="1" noChangeArrowheads="1"/>
-          </p:cNvSpPr>
-          <p:nvPr>
-            <p:ph idx="1"/>
-          </p:nvPr>
-        </p:nvSpPr>
-        <p:spPr/>
-        <p:txBody>
-          <a:bodyPr vert="horz" lIns="0" tIns="0" rIns="0" bIns="0" rtlCol="0">
-            <a:normAutofit/>
-          </a:bodyPr>
-          <a:lstStyle/>
-          <a:p>
-            <a:pPr>
-              <a:lnSpc>
-                <a:spcPct val="90000"/>
-              </a:lnSpc>
-            </a:pPr>
-            <a:r>
-              <a:rPr lang="en-US" dirty="0"/>
-              <a:t>1994: Grady </a:t>
-            </a:r>
-            <a:r>
-              <a:rPr lang="en-US" dirty="0" err="1"/>
-              <a:t>Booch</a:t>
-            </a:r>
-            <a:r>
-              <a:rPr lang="en-US" dirty="0"/>
-              <a:t> (</a:t>
-            </a:r>
-            <a:r>
-              <a:rPr lang="en-US" dirty="0" err="1"/>
-              <a:t>Booch</a:t>
-            </a:r>
-            <a:r>
-              <a:rPr lang="en-US" dirty="0"/>
-              <a:t> method) + James Rumbaugh (OMT) in der </a:t>
-            </a:r>
-            <a:r>
-              <a:rPr lang="en-US" dirty="0" err="1"/>
-              <a:t>Firma</a:t>
-            </a:r>
-            <a:r>
-              <a:rPr lang="en-US" dirty="0"/>
-              <a:t> Rational</a:t>
-            </a:r>
-          </a:p>
-          <a:p>
-            <a:pPr>
-              <a:lnSpc>
-                <a:spcPct val="90000"/>
-              </a:lnSpc>
-            </a:pPr>
-            <a:r>
-              <a:rPr lang="en-US" dirty="0"/>
-              <a:t>1994: Ivar Jacobson (OOSE, use cases) </a:t>
-            </a:r>
-            <a:r>
-              <a:rPr lang="en-US" dirty="0" err="1"/>
-              <a:t>tritt</a:t>
-            </a:r>
-            <a:r>
-              <a:rPr lang="en-US" dirty="0"/>
-              <a:t> Rational </a:t>
-            </a:r>
-            <a:r>
-              <a:rPr lang="en-US" dirty="0" err="1"/>
-              <a:t>bei</a:t>
-            </a:r>
-            <a:endParaRPr lang="en-US" dirty="0"/>
-          </a:p>
-          <a:p>
-            <a:pPr lvl="1">
-              <a:lnSpc>
-                <a:spcPct val="90000"/>
-              </a:lnSpc>
-            </a:pPr>
-            <a:r>
-              <a:rPr lang="en-US" dirty="0"/>
-              <a:t>“The three amigos”</a:t>
-            </a:r>
-          </a:p>
-          <a:p>
-            <a:pPr>
-              <a:lnSpc>
-                <a:spcPct val="90000"/>
-              </a:lnSpc>
-            </a:pPr>
-            <a:r>
-              <a:rPr lang="en-US" dirty="0"/>
-              <a:t>1996: Rational </a:t>
-            </a:r>
-            <a:r>
-              <a:rPr lang="en-US" dirty="0" err="1"/>
-              <a:t>gründet</a:t>
-            </a:r>
-            <a:r>
-              <a:rPr lang="en-US" dirty="0"/>
-              <a:t> </a:t>
-            </a:r>
-            <a:r>
-              <a:rPr lang="en-US" dirty="0" err="1"/>
-              <a:t>ein</a:t>
-            </a:r>
-            <a:r>
-              <a:rPr lang="en-US" dirty="0"/>
-              <a:t> </a:t>
-            </a:r>
-            <a:r>
-              <a:rPr lang="en-US" dirty="0" err="1"/>
-              <a:t>Konsortium</a:t>
-            </a:r>
-            <a:r>
-              <a:rPr lang="en-US" dirty="0"/>
-              <a:t>, um UML </a:t>
-            </a:r>
-            <a:r>
-              <a:rPr lang="en-US" dirty="0" err="1"/>
-              <a:t>zu</a:t>
-            </a:r>
-            <a:r>
-              <a:rPr lang="en-US" dirty="0"/>
-              <a:t> </a:t>
-            </a:r>
-            <a:r>
-              <a:rPr lang="en-US" dirty="0" err="1"/>
-              <a:t>unterstützen</a:t>
-            </a:r>
-            <a:endParaRPr lang="en-US" dirty="0"/>
-          </a:p>
-          <a:p>
-            <a:pPr>
-              <a:lnSpc>
-                <a:spcPct val="90000"/>
-              </a:lnSpc>
-            </a:pPr>
-            <a:r>
-              <a:rPr lang="en-US" dirty="0"/>
-              <a:t>1997: UML 1.0 </a:t>
-            </a:r>
-            <a:r>
-              <a:rPr lang="en-US" dirty="0" err="1"/>
-              <a:t>bei</a:t>
-            </a:r>
-            <a:r>
-              <a:rPr lang="en-US" dirty="0"/>
-              <a:t> der OMG </a:t>
-            </a:r>
-            <a:r>
-              <a:rPr lang="en-US" dirty="0" err="1"/>
-              <a:t>eingereicht</a:t>
-            </a:r>
-            <a:endParaRPr lang="en-US" dirty="0"/>
-          </a:p>
-          <a:p>
-            <a:pPr>
-              <a:lnSpc>
-                <a:spcPct val="90000"/>
-              </a:lnSpc>
-            </a:pPr>
-            <a:r>
-              <a:rPr lang="en-US" dirty="0"/>
-              <a:t>1997: UML 1.1 </a:t>
-            </a:r>
-            <a:r>
-              <a:rPr lang="en-US" dirty="0" err="1"/>
-              <a:t>als</a:t>
-            </a:r>
-            <a:r>
-              <a:rPr lang="en-US" dirty="0"/>
-              <a:t> OMG-Standard </a:t>
-            </a:r>
-            <a:r>
-              <a:rPr lang="en-US" dirty="0" err="1"/>
-              <a:t>akzeptiert</a:t>
-            </a:r>
-            <a:endParaRPr lang="en-US" dirty="0"/>
-          </a:p>
-          <a:p>
-            <a:pPr lvl="1">
-              <a:lnSpc>
-                <a:spcPct val="90000"/>
-              </a:lnSpc>
-            </a:pPr>
-            <a:r>
-              <a:rPr lang="en-US" dirty="0"/>
-              <a:t>Aber, OMG </a:t>
-            </a:r>
-            <a:r>
-              <a:rPr lang="en-US" dirty="0" err="1"/>
-              <a:t>benannte</a:t>
-            </a:r>
-            <a:r>
-              <a:rPr lang="en-US" dirty="0"/>
-              <a:t> </a:t>
-            </a:r>
-            <a:r>
-              <a:rPr lang="en-US" dirty="0" err="1"/>
-              <a:t>es</a:t>
-            </a:r>
-            <a:r>
-              <a:rPr lang="en-US" dirty="0"/>
-              <a:t> UML 1.0</a:t>
-            </a:r>
-          </a:p>
-          <a:p>
-            <a:pPr>
-              <a:lnSpc>
-                <a:spcPct val="90000"/>
-              </a:lnSpc>
-            </a:pPr>
-            <a:r>
-              <a:rPr lang="en-US" dirty="0"/>
-              <a:t>1998-…: </a:t>
-            </a:r>
-            <a:r>
-              <a:rPr lang="en-US" dirty="0" err="1"/>
-              <a:t>Revisionen</a:t>
-            </a:r>
-            <a:r>
-              <a:rPr lang="en-US" dirty="0"/>
-              <a:t> </a:t>
-            </a:r>
-            <a:r>
-              <a:rPr lang="en-US" dirty="0" smtClean="0"/>
-              <a:t>UML 1.2 </a:t>
-            </a:r>
-            <a:r>
-              <a:rPr lang="en-US" dirty="0"/>
-              <a:t>- 1.5</a:t>
-            </a:r>
-          </a:p>
-          <a:p>
-            <a:pPr>
-              <a:lnSpc>
-                <a:spcPct val="90000"/>
-              </a:lnSpc>
-            </a:pPr>
-            <a:r>
-              <a:rPr lang="en-US" dirty="0"/>
-              <a:t>2005: </a:t>
-            </a:r>
-            <a:r>
-              <a:rPr lang="en-US" dirty="0" err="1"/>
-              <a:t>Hauptrevision</a:t>
-            </a:r>
-            <a:r>
-              <a:rPr lang="en-US" dirty="0"/>
-              <a:t> </a:t>
-            </a:r>
-            <a:r>
-              <a:rPr lang="en-US" dirty="0" err="1"/>
-              <a:t>zu</a:t>
-            </a:r>
-            <a:r>
-              <a:rPr lang="en-US" dirty="0"/>
-              <a:t> </a:t>
-            </a:r>
-            <a:r>
-              <a:rPr lang="en-US" dirty="0" smtClean="0"/>
-              <a:t>UML 2.0</a:t>
-            </a:r>
-            <a:r>
-              <a:rPr lang="en-US" dirty="0"/>
-              <a:t>, </a:t>
-            </a:r>
-            <a:r>
-              <a:rPr lang="en-US" dirty="0" err="1"/>
-              <a:t>beinhaltet</a:t>
-            </a:r>
-            <a:r>
-              <a:rPr lang="en-US" dirty="0"/>
-              <a:t> OCL (object constraint language)</a:t>
-            </a:r>
-          </a:p>
-        </p:txBody>
-      </p:sp>
-      <p:sp>
-        <p:nvSpPr>
-          <p:cNvPr id="2" name="Foliennummernplatzhalter 1"/>
-          <p:cNvSpPr>
-            <a:spLocks noGrp="1"/>
-          </p:cNvSpPr>
-          <p:nvPr>
-            <p:ph type="sldNum" sz="quarter" idx="12"/>
-          </p:nvPr>
-        </p:nvSpPr>
-        <p:spPr/>
-        <p:txBody>
-          <a:bodyPr/>
-          <a:lstStyle/>
-          <a:p>
-            <a:pPr>
-              <a:defRPr/>
-            </a:pPr>
-            <a:fld id="{C0B85308-4B91-4084-B5EB-6B176834447A}" type="slidenum">
-              <a:rPr lang="de-DE" smtClean="0">
-                <a:solidFill>
-                  <a:prstClr val="black">
-                    <a:tint val="75000"/>
-                  </a:prstClr>
-                </a:solidFill>
-              </a:rPr>
-              <a:pPr>
-                <a:defRPr/>
-              </a:pPr>
-              <a:t>6</a:t>
-            </a:fld>
-            <a:endParaRPr lang="de-DE">
-              <a:solidFill>
-                <a:prstClr val="black">
-                  <a:tint val="75000"/>
-                </a:prstClr>
-              </a:solidFill>
-            </a:endParaRPr>
-          </a:p>
-        </p:txBody>
-      </p:sp>
-    </p:spTree>
-  </p:cSld>
-  <p:clrMapOvr>
-    <a:masterClrMapping/>
-  </p:clrMapOvr>
-</p:sld>
-</file>
-
-<file path=ppt/slides/slide60.xml><?xml version="1.0" encoding="utf-8"?>
+<file path=ppt/slides/slide61.xml><?xml version="1.0" encoding="utf-8"?>
 <p:sld xmlns:a="http://schemas.openxmlformats.org/drawingml/2006/main" xmlns:r="http://schemas.openxmlformats.org/officeDocument/2006/relationships" xmlns:p="http://schemas.openxmlformats.org/presentationml/2006/main" show="0">
   <p:cSld>
     <p:spTree>
@@ -36956,7 +37449,7 @@
               <a:pPr>
                 <a:defRPr/>
               </a:pPr>
-              <a:t>60</a:t>
+              <a:t>61</a:t>
             </a:fld>
             <a:endParaRPr lang="de-DE">
               <a:solidFill>
@@ -37043,7 +37536,7 @@
 </p:sld>
 </file>
 
-<file path=ppt/slides/slide61.xml><?xml version="1.0" encoding="utf-8"?>
+<file path=ppt/slides/slide62.xml><?xml version="1.0" encoding="utf-8"?>
 <p:sld xmlns:a="http://schemas.openxmlformats.org/drawingml/2006/main" xmlns:r="http://schemas.openxmlformats.org/officeDocument/2006/relationships" xmlns:p="http://schemas.openxmlformats.org/presentationml/2006/main" show="0">
   <p:cSld>
     <p:spTree>
@@ -37257,7 +37750,7 @@
               <a:pPr>
                 <a:defRPr/>
               </a:pPr>
-              <a:t>61</a:t>
+              <a:t>62</a:t>
             </a:fld>
             <a:endParaRPr lang="de-DE">
               <a:solidFill>
@@ -37290,7 +37783,7 @@
 </p:sld>
 </file>
 
-<file path=ppt/slides/slide62.xml><?xml version="1.0" encoding="utf-8"?>
+<file path=ppt/slides/slide63.xml><?xml version="1.0" encoding="utf-8"?>
 <p:sld xmlns:a="http://schemas.openxmlformats.org/drawingml/2006/main" xmlns:r="http://schemas.openxmlformats.org/officeDocument/2006/relationships" xmlns:p="http://schemas.openxmlformats.org/presentationml/2006/main">
   <p:cSld>
     <p:spTree>
@@ -37459,223 +37952,6 @@
               <a:pPr>
                 <a:defRPr/>
               </a:pPr>
-              <a:t>62</a:t>
-            </a:fld>
-            <a:endParaRPr lang="de-DE">
-              <a:solidFill>
-                <a:prstClr val="black">
-                  <a:tint val="75000"/>
-                </a:prstClr>
-              </a:solidFill>
-            </a:endParaRPr>
-          </a:p>
-        </p:txBody>
-      </p:sp>
-    </p:spTree>
-    <p:extLst>
-      <p:ext uri="{BB962C8B-B14F-4D97-AF65-F5344CB8AC3E}">
-        <p14:creationId xmlns:p14="http://schemas.microsoft.com/office/powerpoint/2010/main" val="2225173718"/>
-      </p:ext>
-    </p:extLst>
-  </p:cSld>
-  <p:clrMapOvr>
-    <a:masterClrMapping/>
-  </p:clrMapOvr>
-</p:sld>
-</file>
-
-<file path=ppt/slides/slide63.xml><?xml version="1.0" encoding="utf-8"?>
-<p:sld xmlns:a="http://schemas.openxmlformats.org/drawingml/2006/main" xmlns:r="http://schemas.openxmlformats.org/officeDocument/2006/relationships" xmlns:p="http://schemas.openxmlformats.org/presentationml/2006/main">
-  <p:cSld>
-    <p:spTree>
-      <p:nvGrpSpPr>
-        <p:cNvPr id="1" name=""/>
-        <p:cNvGrpSpPr/>
-        <p:nvPr/>
-      </p:nvGrpSpPr>
-      <p:grpSpPr>
-        <a:xfrm>
-          <a:off x="0" y="0"/>
-          <a:ext cx="0" cy="0"/>
-          <a:chOff x="0" y="0"/>
-          <a:chExt cx="0" cy="0"/>
-        </a:xfrm>
-      </p:grpSpPr>
-      <p:sp>
-        <p:nvSpPr>
-          <p:cNvPr id="29698" name="Rectangle 2"/>
-          <p:cNvSpPr>
-            <a:spLocks noGrp="1" noChangeArrowheads="1"/>
-          </p:cNvSpPr>
-          <p:nvPr>
-            <p:ph type="title"/>
-          </p:nvPr>
-        </p:nvSpPr>
-        <p:spPr/>
-        <p:txBody>
-          <a:bodyPr vert="horz" lIns="0" tIns="0" rIns="0" bIns="0" rtlCol="0" anchor="ctr">
-            <a:noAutofit/>
-          </a:bodyPr>
-          <a:lstStyle/>
-          <a:p>
-            <a:r>
-              <a:rPr lang="de-DE" dirty="0"/>
-              <a:t>Perspektiven</a:t>
-            </a:r>
-          </a:p>
-        </p:txBody>
-      </p:sp>
-      <p:sp>
-        <p:nvSpPr>
-          <p:cNvPr id="29699" name="Rectangle 3"/>
-          <p:cNvSpPr>
-            <a:spLocks noGrp="1" noChangeArrowheads="1"/>
-          </p:cNvSpPr>
-          <p:nvPr>
-            <p:ph idx="1"/>
-          </p:nvPr>
-        </p:nvSpPr>
-        <p:spPr/>
-        <p:txBody>
-          <a:bodyPr vert="horz" lIns="0" tIns="0" rIns="0" bIns="0" rtlCol="0">
-            <a:normAutofit lnSpcReduction="10000"/>
-          </a:bodyPr>
-          <a:lstStyle/>
-          <a:p>
-            <a:pPr marL="457200" indent="-457200">
-              <a:buNone/>
-            </a:pPr>
-            <a:r>
-              <a:rPr lang="de-DE" dirty="0"/>
-              <a:t>Drei Perspektiven beim Erstellen von UML Diagrammen:</a:t>
-            </a:r>
-          </a:p>
-          <a:p>
-            <a:pPr marL="457200" indent="-457200">
-              <a:buNone/>
-            </a:pPr>
-            <a:endParaRPr lang="de-DE" dirty="0"/>
-          </a:p>
-          <a:p>
-            <a:pPr marL="457200" indent="-457200">
-              <a:buFont typeface="Arial" charset="0"/>
-              <a:buAutoNum type="arabicPeriod"/>
-            </a:pPr>
-            <a:r>
-              <a:rPr lang="de-DE" b="1" i="1" dirty="0"/>
-              <a:t>Konzeptionell</a:t>
-            </a:r>
-            <a:endParaRPr lang="de-DE" dirty="0"/>
-          </a:p>
-          <a:p>
-            <a:pPr marL="838200" lvl="1" indent="-381000"/>
-            <a:r>
-              <a:rPr lang="de-DE" dirty="0"/>
-              <a:t>Repräsentieren Domänenkonzepte</a:t>
-            </a:r>
-          </a:p>
-          <a:p>
-            <a:pPr marL="1295400" lvl="2" indent="-381000"/>
-            <a:r>
-              <a:rPr lang="de-DE" dirty="0"/>
-              <a:t>Ignoriere Software Belange</a:t>
-            </a:r>
-          </a:p>
-          <a:p>
-            <a:pPr marL="457200" indent="-457200">
-              <a:buFont typeface="Arial" charset="0"/>
-              <a:buAutoNum type="arabicPeriod"/>
-            </a:pPr>
-            <a:r>
-              <a:rPr lang="de-DE" b="1" i="1" dirty="0"/>
-              <a:t>Spezifikation</a:t>
-            </a:r>
-            <a:endParaRPr lang="de-DE" dirty="0"/>
-          </a:p>
-          <a:p>
-            <a:pPr marL="838200" lvl="1" indent="-381000"/>
-            <a:r>
-              <a:rPr lang="de-DE" dirty="0"/>
-              <a:t>Fokus auf sichtbare Interfaces und Verhalten</a:t>
-            </a:r>
-          </a:p>
-          <a:p>
-            <a:pPr marL="1295400" lvl="2" indent="-381000"/>
-            <a:r>
-              <a:rPr lang="de-DE" dirty="0"/>
-              <a:t>Ignoriere interne Implementierung</a:t>
-            </a:r>
-          </a:p>
-          <a:p>
-            <a:pPr marL="457200" indent="-457200">
-              <a:buFont typeface="Arial" charset="0"/>
-              <a:buAutoNum type="arabicPeriod"/>
-            </a:pPr>
-            <a:r>
-              <a:rPr lang="de-DE" b="1" i="1" dirty="0"/>
-              <a:t>Implementierung</a:t>
-            </a:r>
-            <a:endParaRPr lang="de-DE" dirty="0"/>
-          </a:p>
-          <a:p>
-            <a:pPr marL="838200" lvl="1" indent="-381000"/>
-            <a:r>
-              <a:rPr lang="de-DE" dirty="0"/>
-              <a:t>Dokumentiere Implementierungsentscheidungen</a:t>
-            </a:r>
-          </a:p>
-          <a:p>
-            <a:pPr marL="1295400" lvl="2" indent="-381000"/>
-            <a:r>
-              <a:rPr lang="de-DE" dirty="0"/>
-              <a:t>Häufigste, aber am wenigsten nützlichste Perspektive (!)</a:t>
-            </a:r>
-          </a:p>
-          <a:p>
-            <a:pPr marL="838200" lvl="1" indent="-381000" algn="r">
-              <a:buNone/>
-            </a:pPr>
-            <a:r>
-              <a:rPr lang="de-DE" i="1" dirty="0"/>
-              <a:t>—UML </a:t>
-            </a:r>
-            <a:r>
-              <a:rPr lang="de-DE" i="1" dirty="0" err="1"/>
-              <a:t>Distilled</a:t>
-            </a:r>
-            <a:endParaRPr lang="de-DE" i="1" dirty="0"/>
-          </a:p>
-        </p:txBody>
-      </p:sp>
-      <p:sp>
-        <p:nvSpPr>
-          <p:cNvPr id="2" name="Foliennummernplatzhalter 1"/>
-          <p:cNvSpPr>
-            <a:spLocks noGrp="1"/>
-          </p:cNvSpPr>
-          <p:nvPr>
-            <p:ph type="sldNum" sz="quarter" idx="12"/>
-          </p:nvPr>
-        </p:nvSpPr>
-        <p:spPr/>
-        <p:txBody>
-          <a:bodyPr/>
-          <a:lstStyle/>
-          <a:p>
-            <a:pPr>
-              <a:defRPr/>
-            </a:pPr>
-            <a:fld id="{C0B85308-4B91-4084-B5EB-6B176834447A}" type="slidenum">
-              <a:rPr lang="de-DE" smtClean="0">
-                <a:solidFill>
-                  <a:prstClr val="black">
-                    <a:tint val="75000"/>
-                  </a:prstClr>
-                </a:solidFill>
-              </a:rPr>
-              <a:pPr>
-                <a:defRPr/>
-              </a:pPr>
               <a:t>63</a:t>
             </a:fld>
             <a:endParaRPr lang="de-DE">
@@ -37691,7 +37967,7 @@
     </p:spTree>
     <p:extLst>
       <p:ext uri="{BB962C8B-B14F-4D97-AF65-F5344CB8AC3E}">
-        <p14:creationId xmlns:p14="http://schemas.microsoft.com/office/powerpoint/2010/main" val="491021241"/>
+        <p14:creationId xmlns:p14="http://schemas.microsoft.com/office/powerpoint/2010/main" val="2225173718"/>
       </p:ext>
     </p:extLst>
   </p:cSld>
@@ -37720,7 +37996,31 @@
       </p:grpSpPr>
       <p:sp>
         <p:nvSpPr>
-          <p:cNvPr id="35843" name="Rectangle 5"/>
+          <p:cNvPr id="29698" name="Rectangle 2"/>
+          <p:cNvSpPr>
+            <a:spLocks noGrp="1" noChangeArrowheads="1"/>
+          </p:cNvSpPr>
+          <p:nvPr>
+            <p:ph type="title"/>
+          </p:nvPr>
+        </p:nvSpPr>
+        <p:spPr/>
+        <p:txBody>
+          <a:bodyPr vert="horz" lIns="0" tIns="0" rIns="0" bIns="0" rtlCol="0" anchor="ctr">
+            <a:noAutofit/>
+          </a:bodyPr>
+          <a:lstStyle/>
+          <a:p>
+            <a:r>
+              <a:rPr lang="de-DE" dirty="0"/>
+              <a:t>Perspektiven</a:t>
+            </a:r>
+          </a:p>
+        </p:txBody>
+      </p:sp>
+      <p:sp>
+        <p:nvSpPr>
+          <p:cNvPr id="29699" name="Rectangle 3"/>
           <p:cNvSpPr>
             <a:spLocks noGrp="1" noChangeArrowheads="1"/>
           </p:cNvSpPr>
@@ -37731,43 +38031,112 @@
         <p:spPr/>
         <p:txBody>
           <a:bodyPr vert="horz" lIns="0" tIns="0" rIns="0" bIns="0" rtlCol="0">
-            <a:normAutofit/>
+            <a:normAutofit lnSpcReduction="10000"/>
           </a:bodyPr>
           <a:lstStyle/>
           <a:p>
-            <a:pPr marL="419100" indent="-419100"/>
+            <a:pPr marL="457200" indent="-457200">
+              <a:buNone/>
+            </a:pPr>
             <a:r>
               <a:rPr lang="de-DE" dirty="0"/>
-              <a:t>Wie kann ich Klassen, Objekte und Assoziationen repräsentieren?</a:t>
-            </a:r>
-          </a:p>
-          <a:p>
-            <a:pPr marL="419100" indent="-419100"/>
+              <a:t>Drei Perspektiven beim Erstellen von UML Diagrammen:</a:t>
+            </a:r>
+          </a:p>
+          <a:p>
+            <a:pPr marL="457200" indent="-457200">
+              <a:buNone/>
+            </a:pPr>
+            <a:endParaRPr lang="de-DE" dirty="0"/>
+          </a:p>
+          <a:p>
+            <a:pPr marL="457200" indent="-457200">
+              <a:buFont typeface="Arial" charset="0"/>
+              <a:buAutoNum type="arabicPeriod"/>
+            </a:pPr>
+            <a:r>
+              <a:rPr lang="de-DE" b="1" i="1" dirty="0"/>
+              <a:t>Konzeptionell</a:t>
+            </a:r>
+            <a:endParaRPr lang="de-DE" dirty="0"/>
+          </a:p>
+          <a:p>
+            <a:pPr marL="838200" lvl="1" indent="-381000"/>
             <a:r>
               <a:rPr lang="de-DE" dirty="0"/>
-              <a:t>Wie kann ich die Sichtbarkeit von Attributen und Operationen bestimmen?</a:t>
-            </a:r>
-          </a:p>
-          <a:p>
-            <a:pPr marL="419100" indent="-419100"/>
+              <a:t>Repräsentieren Domänenkonzepte</a:t>
+            </a:r>
+          </a:p>
+          <a:p>
+            <a:pPr marL="1295400" lvl="2" indent="-381000"/>
             <a:r>
               <a:rPr lang="de-DE" dirty="0"/>
-              <a:t>Warum ist Vererbung in der Analyse und im Design nützlich?</a:t>
-            </a:r>
-          </a:p>
-          <a:p>
-            <a:pPr marL="419100" indent="-419100"/>
+              <a:t>Ignoriere Software Belange</a:t>
+            </a:r>
+          </a:p>
+          <a:p>
+            <a:pPr marL="457200" indent="-457200">
+              <a:buFont typeface="Arial" charset="0"/>
+              <a:buAutoNum type="arabicPeriod"/>
+            </a:pPr>
+            <a:r>
+              <a:rPr lang="de-DE" b="1" i="1" dirty="0"/>
+              <a:t>Spezifikation</a:t>
+            </a:r>
+            <a:endParaRPr lang="de-DE" dirty="0"/>
+          </a:p>
+          <a:p>
+            <a:pPr marL="838200" lvl="1" indent="-381000"/>
             <a:r>
               <a:rPr lang="de-DE" dirty="0"/>
-              <a:t>Was unterscheidet Aggregation von irgendeiner anderen Art von Assoziation?</a:t>
-            </a:r>
-          </a:p>
-          <a:p>
-            <a:pPr marL="419100" indent="-419100"/>
+              <a:t>Fokus auf sichtbare Interfaces und Verhalten</a:t>
+            </a:r>
+          </a:p>
+          <a:p>
+            <a:pPr marL="1295400" lvl="2" indent="-381000"/>
             <a:r>
               <a:rPr lang="de-DE" dirty="0"/>
-              <a:t>Wie werden Assoziationen in einer Programmiersprache realisiert?</a:t>
-            </a:r>
+              <a:t>Ignoriere interne Implementierung</a:t>
+            </a:r>
+          </a:p>
+          <a:p>
+            <a:pPr marL="457200" indent="-457200">
+              <a:buFont typeface="Arial" charset="0"/>
+              <a:buAutoNum type="arabicPeriod"/>
+            </a:pPr>
+            <a:r>
+              <a:rPr lang="de-DE" b="1" i="1" dirty="0"/>
+              <a:t>Implementierung</a:t>
+            </a:r>
+            <a:endParaRPr lang="de-DE" dirty="0"/>
+          </a:p>
+          <a:p>
+            <a:pPr marL="838200" lvl="1" indent="-381000"/>
+            <a:r>
+              <a:rPr lang="de-DE" dirty="0"/>
+              <a:t>Dokumentiere Implementierungsentscheidungen</a:t>
+            </a:r>
+          </a:p>
+          <a:p>
+            <a:pPr marL="1295400" lvl="2" indent="-381000"/>
+            <a:r>
+              <a:rPr lang="de-DE" dirty="0"/>
+              <a:t>Häufigste, aber am wenigsten nützlichste Perspektive (!)</a:t>
+            </a:r>
+          </a:p>
+          <a:p>
+            <a:pPr marL="838200" lvl="1" indent="-381000" algn="r">
+              <a:buNone/>
+            </a:pPr>
+            <a:r>
+              <a:rPr lang="de-DE" i="1" dirty="0"/>
+              <a:t>—UML </a:t>
+            </a:r>
+            <a:r>
+              <a:rPr lang="de-DE" i="1" dirty="0" err="1"/>
+              <a:t>Distilled</a:t>
+            </a:r>
+            <a:endParaRPr lang="de-DE" i="1" dirty="0"/>
           </a:p>
         </p:txBody>
       </p:sp>
@@ -37812,48 +38181,23 @@
           </a:p>
         </p:txBody>
       </p:sp>
-      <p:sp>
-        <p:nvSpPr>
-          <p:cNvPr id="35842" name="Rectangle 4"/>
-          <p:cNvSpPr>
-            <a:spLocks noGrp="1" noChangeArrowheads="1"/>
-          </p:cNvSpPr>
-          <p:nvPr>
-            <p:ph type="title"/>
-          </p:nvPr>
-        </p:nvSpPr>
-        <p:spPr/>
-        <p:txBody>
-          <a:bodyPr vert="horz" lIns="0" tIns="0" rIns="0" bIns="0" rtlCol="0" anchor="ctr">
-            <a:noAutofit/>
-          </a:bodyPr>
-          <a:lstStyle/>
-          <a:p>
-            <a:r>
-              <a:rPr lang="de-DE" dirty="0"/>
-              <a:t>Was </a:t>
-            </a:r>
-            <a:r>
-              <a:rPr lang="de-DE" dirty="0" smtClean="0"/>
-              <a:t>Sie </a:t>
-            </a:r>
-            <a:r>
-              <a:rPr lang="de-DE" dirty="0"/>
-              <a:t>mitgenommen haben </a:t>
-            </a:r>
-            <a:r>
-              <a:rPr lang="de-DE" dirty="0" smtClean="0"/>
-              <a:t>sollten I</a:t>
-            </a:r>
-            <a:endParaRPr lang="de-DE" dirty="0"/>
-          </a:p>
-        </p:txBody>
-      </p:sp>
     </p:spTree>
+    <p:extLst>
+      <p:ext uri="{BB962C8B-B14F-4D97-AF65-F5344CB8AC3E}">
+        <p14:creationId xmlns:p14="http://schemas.microsoft.com/office/powerpoint/2010/main" val="491021241"/>
+      </p:ext>
+    </p:extLst>
   </p:cSld>
   <p:clrMapOvr>
     <a:masterClrMapping/>
   </p:clrMapOvr>
+  <p:timing>
+    <p:tnLst>
+      <p:par>
+        <p:cTn id="1" dur="indefinite" restart="never" nodeType="tmRoot"/>
+      </p:par>
+    </p:tnLst>
+  </p:timing>
 </p:sld>
 </file>
 
@@ -37876,7 +38220,7 @@
       </p:grpSpPr>
       <p:sp>
         <p:nvSpPr>
-          <p:cNvPr id="30723" name="Rectangle 5"/>
+          <p:cNvPr id="35843" name="Rectangle 5"/>
           <p:cNvSpPr>
             <a:spLocks noGrp="1" noChangeArrowheads="1"/>
           </p:cNvSpPr>
@@ -37894,79 +38238,36 @@
             <a:pPr marL="419100" indent="-419100"/>
             <a:r>
               <a:rPr lang="de-DE" dirty="0"/>
-              <a:t>Was ist der Zweck von </a:t>
-            </a:r>
-            <a:r>
-              <a:rPr lang="de-DE" dirty="0" err="1"/>
-              <a:t>use</a:t>
-            </a:r>
+              <a:t>Wie kann ich Klassen, Objekte und Assoziationen repräsentieren?</a:t>
+            </a:r>
+          </a:p>
+          <a:p>
+            <a:pPr marL="419100" indent="-419100"/>
             <a:r>
               <a:rPr lang="de-DE" dirty="0"/>
-              <a:t> </a:t>
-            </a:r>
-            <a:r>
-              <a:rPr lang="de-DE" dirty="0" err="1"/>
-              <a:t>case</a:t>
-            </a:r>
+              <a:t>Wie kann ich die Sichtbarkeit von Attributen und Operationen bestimmen?</a:t>
+            </a:r>
+          </a:p>
+          <a:p>
+            <a:pPr marL="419100" indent="-419100"/>
             <a:r>
               <a:rPr lang="de-DE" dirty="0"/>
-              <a:t> Diagrammen?</a:t>
+              <a:t>Warum ist Vererbung in der Analyse und im Design nützlich?</a:t>
             </a:r>
           </a:p>
           <a:p>
             <a:pPr marL="419100" indent="-419100"/>
             <a:r>
               <a:rPr lang="de-DE" dirty="0"/>
-              <a:t>Warum beschreiben Szenarien Objekte und nicht Klassen?</a:t>
+              <a:t>Was unterscheidet Aggregation von irgendeiner anderen Art von Assoziation?</a:t>
             </a:r>
           </a:p>
           <a:p>
             <a:pPr marL="419100" indent="-419100"/>
             <a:r>
               <a:rPr lang="de-DE" dirty="0"/>
-              <a:t>Wie können zeitliche Bedingungen in Szenarien beschrieben werden?</a:t>
-            </a:r>
-          </a:p>
-          <a:p>
-            <a:pPr marL="419100" indent="-419100"/>
-            <a:r>
-              <a:rPr lang="de-DE" dirty="0"/>
-              <a:t>Wie spezifiziert und interpretiert man Nachrichten-Labels in einem Szenario?</a:t>
-            </a:r>
-          </a:p>
-          <a:p>
-            <a:pPr marL="419100" indent="-419100"/>
-            <a:r>
-              <a:rPr lang="de-DE" dirty="0"/>
-              <a:t>Wie benutzt man genestete Zustandsdiagramme, um Objektverhalten zu modellieren?</a:t>
-            </a:r>
-          </a:p>
-          <a:p>
-            <a:pPr marL="419100" indent="-419100"/>
-            <a:r>
-              <a:rPr lang="de-DE" dirty="0"/>
-              <a:t>Was ist der Unterschied zwischen “externen” und “internen” Transitionen</a:t>
-            </a:r>
-            <a:r>
-              <a:rPr lang="de-DE" dirty="0" smtClean="0"/>
-              <a:t>?</a:t>
-            </a:r>
-          </a:p>
-          <a:p>
-            <a:pPr marL="419100" indent="-419100"/>
-            <a:r>
-              <a:rPr lang="de-DE" dirty="0" smtClean="0"/>
-              <a:t>Leiten Sie aus einer Anforderungsbeschreibung/CRC-Karten ein Klassendiagramm, ein </a:t>
-            </a:r>
-            <a:r>
-              <a:rPr lang="de-DE" dirty="0" err="1" smtClean="0"/>
-              <a:t>Use</a:t>
-            </a:r>
-            <a:r>
-              <a:rPr lang="de-DE" dirty="0" smtClean="0"/>
-              <a:t>-Case-Diagramm, ein Sequenz-Diagramm und ein Zustandsdiagramm ab</a:t>
-            </a:r>
-            <a:endParaRPr lang="de-DE" dirty="0"/>
+              <a:t>Wie werden Assoziationen in einer Programmiersprache realisiert?</a:t>
+            </a:r>
           </a:p>
         </p:txBody>
       </p:sp>
@@ -38013,7 +38314,7 @@
       </p:sp>
       <p:sp>
         <p:nvSpPr>
-          <p:cNvPr id="30722" name="Rectangle 4"/>
+          <p:cNvPr id="35842" name="Rectangle 4"/>
           <p:cNvSpPr>
             <a:spLocks noGrp="1" noChangeArrowheads="1"/>
           </p:cNvSpPr>
@@ -38042,22 +38343,24 @@
             </a:r>
             <a:r>
               <a:rPr lang="de-DE" dirty="0" smtClean="0"/>
-              <a:t>sollten II</a:t>
+              <a:t>sollten I</a:t>
             </a:r>
             <a:endParaRPr lang="de-DE" dirty="0"/>
           </a:p>
         </p:txBody>
       </p:sp>
     </p:spTree>
-    <p:extLst>
-      <p:ext uri="{BB962C8B-B14F-4D97-AF65-F5344CB8AC3E}">
-        <p14:creationId xmlns:p14="http://schemas.microsoft.com/office/powerpoint/2010/main" val="2844559713"/>
-      </p:ext>
-    </p:extLst>
   </p:cSld>
   <p:clrMapOvr>
     <a:masterClrMapping/>
   </p:clrMapOvr>
+  <p:timing>
+    <p:tnLst>
+      <p:par>
+        <p:cTn id="1" dur="indefinite" restart="never" nodeType="tmRoot"/>
+      </p:par>
+    </p:tnLst>
+  </p:timing>
 </p:sld>
 </file>
 
@@ -38080,32 +38383,7 @@
       </p:grpSpPr>
       <p:sp>
         <p:nvSpPr>
-          <p:cNvPr id="5122" name="Rectangle 4"/>
-          <p:cNvSpPr>
-            <a:spLocks noGrp="1" noChangeArrowheads="1"/>
-          </p:cNvSpPr>
-          <p:nvPr>
-            <p:ph type="title"/>
-          </p:nvPr>
-        </p:nvSpPr>
-        <p:spPr/>
-        <p:txBody>
-          <a:bodyPr vert="horz" lIns="0" tIns="0" rIns="0" bIns="0" rtlCol="0" anchor="ctr">
-            <a:noAutofit/>
-          </a:bodyPr>
-          <a:lstStyle/>
-          <a:p>
-            <a:r>
-              <a:rPr lang="en-US" dirty="0" err="1"/>
-              <a:t>Literatur</a:t>
-            </a:r>
-            <a:endParaRPr lang="en-US" dirty="0"/>
-          </a:p>
-        </p:txBody>
-      </p:sp>
-      <p:sp>
-        <p:nvSpPr>
-          <p:cNvPr id="5123" name="Rectangle 5"/>
+          <p:cNvPr id="30723" name="Rectangle 5"/>
           <p:cNvSpPr>
             <a:spLocks noGrp="1" noChangeArrowheads="1"/>
           </p:cNvSpPr>
@@ -38122,32 +38400,80 @@
           <a:p>
             <a:pPr marL="419100" indent="-419100"/>
             <a:r>
-              <a:rPr lang="en-US" i="1">
-                <a:solidFill>
-                  <a:schemeClr val="accent2"/>
-                </a:solidFill>
-              </a:rPr>
-              <a:t>The Unified Modeling Language Reference Manual</a:t>
-            </a:r>
-            <a:r>
-              <a:rPr lang="en-US"/>
-              <a:t>, James Rumbaugh, Ivar Jacobson and Grady Booch, Addison Wesley, 1999. </a:t>
+              <a:rPr lang="de-DE" dirty="0"/>
+              <a:t>Was ist der Zweck von </a:t>
+            </a:r>
+            <a:r>
+              <a:rPr lang="de-DE" dirty="0" err="1"/>
+              <a:t>use</a:t>
+            </a:r>
+            <a:r>
+              <a:rPr lang="de-DE" dirty="0"/>
+              <a:t> </a:t>
+            </a:r>
+            <a:r>
+              <a:rPr lang="de-DE" dirty="0" err="1"/>
+              <a:t>case</a:t>
+            </a:r>
+            <a:r>
+              <a:rPr lang="de-DE" dirty="0"/>
+              <a:t> Diagrammen?</a:t>
             </a:r>
           </a:p>
           <a:p>
             <a:pPr marL="419100" indent="-419100"/>
             <a:r>
-              <a:rPr lang="en-US" i="1">
-                <a:solidFill>
-                  <a:schemeClr val="accent2"/>
-                </a:solidFill>
-              </a:rPr>
-              <a:t>UML Distilled</a:t>
-            </a:r>
-            <a:r>
-              <a:rPr lang="en-US"/>
-              <a:t>, Martin Fowler, Kendall Scott, Addison-Wesley, Second Edition, 2000.</a:t>
-            </a:r>
+              <a:rPr lang="de-DE" dirty="0"/>
+              <a:t>Warum beschreiben Szenarien Objekte und nicht Klassen?</a:t>
+            </a:r>
+          </a:p>
+          <a:p>
+            <a:pPr marL="419100" indent="-419100"/>
+            <a:r>
+              <a:rPr lang="de-DE" dirty="0"/>
+              <a:t>Wie können zeitliche Bedingungen in Szenarien beschrieben werden?</a:t>
+            </a:r>
+          </a:p>
+          <a:p>
+            <a:pPr marL="419100" indent="-419100"/>
+            <a:r>
+              <a:rPr lang="de-DE" dirty="0"/>
+              <a:t>Wie spezifiziert und interpretiert man Nachrichten-Labels in einem Szenario?</a:t>
+            </a:r>
+          </a:p>
+          <a:p>
+            <a:pPr marL="419100" indent="-419100"/>
+            <a:r>
+              <a:rPr lang="de-DE" dirty="0"/>
+              <a:t>Wie benutzt man genestete Zustandsdiagramme, um Objektverhalten zu modellieren?</a:t>
+            </a:r>
+          </a:p>
+          <a:p>
+            <a:pPr marL="419100" indent="-419100"/>
+            <a:r>
+              <a:rPr lang="de-DE" dirty="0"/>
+              <a:t>Was ist der Unterschied zwischen “externen” und “internen” Transitionen</a:t>
+            </a:r>
+            <a:r>
+              <a:rPr lang="de-DE" dirty="0" smtClean="0"/>
+              <a:t>?</a:t>
+            </a:r>
+          </a:p>
+          <a:p>
+            <a:pPr marL="419100" indent="-419100"/>
+            <a:r>
+              <a:rPr lang="de-DE" dirty="0" smtClean="0"/>
+              <a:t>Leiten Sie aus einer Anforderungsbeschreibung/CRC-Karten ein Klassendiagramm, ein </a:t>
+            </a:r>
+            <a:r>
+              <a:rPr lang="de-DE" dirty="0" err="1" smtClean="0"/>
+              <a:t>Use</a:t>
+            </a:r>
+            <a:r>
+              <a:rPr lang="de-DE" dirty="0" smtClean="0"/>
+              <a:t>-Case-Diagramm, ein Sequenz-Diagramm und ein Zustandsdiagramm ab</a:t>
+            </a:r>
+            <a:endParaRPr lang="de-DE" dirty="0"/>
           </a:p>
         </p:txBody>
       </p:sp>
@@ -38192,6 +38518,194 @@
           </a:p>
         </p:txBody>
       </p:sp>
+      <p:sp>
+        <p:nvSpPr>
+          <p:cNvPr id="30722" name="Rectangle 4"/>
+          <p:cNvSpPr>
+            <a:spLocks noGrp="1" noChangeArrowheads="1"/>
+          </p:cNvSpPr>
+          <p:nvPr>
+            <p:ph type="title"/>
+          </p:nvPr>
+        </p:nvSpPr>
+        <p:spPr/>
+        <p:txBody>
+          <a:bodyPr vert="horz" lIns="0" tIns="0" rIns="0" bIns="0" rtlCol="0" anchor="ctr">
+            <a:noAutofit/>
+          </a:bodyPr>
+          <a:lstStyle/>
+          <a:p>
+            <a:r>
+              <a:rPr lang="de-DE" dirty="0"/>
+              <a:t>Was </a:t>
+            </a:r>
+            <a:r>
+              <a:rPr lang="de-DE" dirty="0" smtClean="0"/>
+              <a:t>Sie </a:t>
+            </a:r>
+            <a:r>
+              <a:rPr lang="de-DE" dirty="0"/>
+              <a:t>mitgenommen haben </a:t>
+            </a:r>
+            <a:r>
+              <a:rPr lang="de-DE" dirty="0" smtClean="0"/>
+              <a:t>sollten II</a:t>
+            </a:r>
+            <a:endParaRPr lang="de-DE" dirty="0"/>
+          </a:p>
+        </p:txBody>
+      </p:sp>
+    </p:spTree>
+    <p:extLst>
+      <p:ext uri="{BB962C8B-B14F-4D97-AF65-F5344CB8AC3E}">
+        <p14:creationId xmlns:p14="http://schemas.microsoft.com/office/powerpoint/2010/main" val="2844559713"/>
+      </p:ext>
+    </p:extLst>
+  </p:cSld>
+  <p:clrMapOvr>
+    <a:masterClrMapping/>
+  </p:clrMapOvr>
+  <p:timing>
+    <p:tnLst>
+      <p:par>
+        <p:cTn id="1" dur="indefinite" restart="never" nodeType="tmRoot"/>
+      </p:par>
+    </p:tnLst>
+  </p:timing>
+</p:sld>
+</file>
+
+<file path=ppt/slides/slide67.xml><?xml version="1.0" encoding="utf-8"?>
+<p:sld xmlns:a="http://schemas.openxmlformats.org/drawingml/2006/main" xmlns:r="http://schemas.openxmlformats.org/officeDocument/2006/relationships" xmlns:p="http://schemas.openxmlformats.org/presentationml/2006/main">
+  <p:cSld>
+    <p:spTree>
+      <p:nvGrpSpPr>
+        <p:cNvPr id="1" name=""/>
+        <p:cNvGrpSpPr/>
+        <p:nvPr/>
+      </p:nvGrpSpPr>
+      <p:grpSpPr>
+        <a:xfrm>
+          <a:off x="0" y="0"/>
+          <a:ext cx="0" cy="0"/>
+          <a:chOff x="0" y="0"/>
+          <a:chExt cx="0" cy="0"/>
+        </a:xfrm>
+      </p:grpSpPr>
+      <p:sp>
+        <p:nvSpPr>
+          <p:cNvPr id="5122" name="Rectangle 4"/>
+          <p:cNvSpPr>
+            <a:spLocks noGrp="1" noChangeArrowheads="1"/>
+          </p:cNvSpPr>
+          <p:nvPr>
+            <p:ph type="title"/>
+          </p:nvPr>
+        </p:nvSpPr>
+        <p:spPr/>
+        <p:txBody>
+          <a:bodyPr vert="horz" lIns="0" tIns="0" rIns="0" bIns="0" rtlCol="0" anchor="ctr">
+            <a:noAutofit/>
+          </a:bodyPr>
+          <a:lstStyle/>
+          <a:p>
+            <a:r>
+              <a:rPr lang="en-US" dirty="0" err="1"/>
+              <a:t>Literatur</a:t>
+            </a:r>
+            <a:endParaRPr lang="en-US" dirty="0"/>
+          </a:p>
+        </p:txBody>
+      </p:sp>
+      <p:sp>
+        <p:nvSpPr>
+          <p:cNvPr id="5123" name="Rectangle 5"/>
+          <p:cNvSpPr>
+            <a:spLocks noGrp="1" noChangeArrowheads="1"/>
+          </p:cNvSpPr>
+          <p:nvPr>
+            <p:ph idx="1"/>
+          </p:nvPr>
+        </p:nvSpPr>
+        <p:spPr/>
+        <p:txBody>
+          <a:bodyPr vert="horz" lIns="0" tIns="0" rIns="0" bIns="0" rtlCol="0">
+            <a:normAutofit/>
+          </a:bodyPr>
+          <a:lstStyle/>
+          <a:p>
+            <a:pPr marL="419100" indent="-419100"/>
+            <a:r>
+              <a:rPr lang="en-US" i="1">
+                <a:solidFill>
+                  <a:schemeClr val="accent2"/>
+                </a:solidFill>
+              </a:rPr>
+              <a:t>The Unified Modeling Language Reference Manual</a:t>
+            </a:r>
+            <a:r>
+              <a:rPr lang="en-US"/>
+              <a:t>, James Rumbaugh, Ivar Jacobson and Grady Booch, Addison Wesley, 1999. </a:t>
+            </a:r>
+          </a:p>
+          <a:p>
+            <a:pPr marL="419100" indent="-419100"/>
+            <a:r>
+              <a:rPr lang="en-US" i="1">
+                <a:solidFill>
+                  <a:schemeClr val="accent2"/>
+                </a:solidFill>
+              </a:rPr>
+              <a:t>UML Distilled</a:t>
+            </a:r>
+            <a:r>
+              <a:rPr lang="en-US"/>
+              <a:t>, Martin Fowler, Kendall Scott, Addison-Wesley, Second Edition, 2000.</a:t>
+            </a:r>
+          </a:p>
+        </p:txBody>
+      </p:sp>
+      <p:sp>
+        <p:nvSpPr>
+          <p:cNvPr id="2" name="Foliennummernplatzhalter 1"/>
+          <p:cNvSpPr>
+            <a:spLocks noGrp="1"/>
+          </p:cNvSpPr>
+          <p:nvPr>
+            <p:ph type="sldNum" sz="quarter" idx="12"/>
+          </p:nvPr>
+        </p:nvSpPr>
+        <p:spPr/>
+        <p:txBody>
+          <a:bodyPr/>
+          <a:lstStyle/>
+          <a:p>
+            <a:pPr>
+              <a:defRPr/>
+            </a:pPr>
+            <a:fld id="{C0B85308-4B91-4084-B5EB-6B176834447A}" type="slidenum">
+              <a:rPr lang="de-DE" smtClean="0">
+                <a:solidFill>
+                  <a:prstClr val="black">
+                    <a:tint val="75000"/>
+                  </a:prstClr>
+                </a:solidFill>
+              </a:rPr>
+              <a:pPr>
+                <a:defRPr/>
+              </a:pPr>
+              <a:t>67</a:t>
+            </a:fld>
+            <a:endParaRPr lang="de-DE">
+              <a:solidFill>
+                <a:prstClr val="black">
+                  <a:tint val="75000"/>
+                </a:prstClr>
+              </a:solidFill>
+            </a:endParaRPr>
+          </a:p>
+        </p:txBody>
+      </p:sp>
     </p:spTree>
     <p:extLst>
       <p:ext uri="{BB962C8B-B14F-4D97-AF65-F5344CB8AC3E}">
@@ -38202,6 +38716,13 @@
   <p:clrMapOvr>
     <a:masterClrMapping/>
   </p:clrMapOvr>
+  <p:timing>
+    <p:tnLst>
+      <p:par>
+        <p:cTn id="1" dur="indefinite" restart="never" nodeType="tmRoot"/>
+      </p:par>
+    </p:tnLst>
+  </p:timing>
 </p:sld>
 </file>
 
@@ -38777,6 +39298,13 @@
   <p:clrMapOvr>
     <a:masterClrMapping/>
   </p:clrMapOvr>
+  <p:timing>
+    <p:tnLst>
+      <p:par>
+        <p:cTn id="1" dur="indefinite" restart="never" nodeType="tmRoot"/>
+      </p:par>
+    </p:tnLst>
+  </p:timing>
 </p:sld>
 </file>
 
@@ -39352,6 +39880,13 @@
   <p:clrMapOvr>
     <a:masterClrMapping/>
   </p:clrMapOvr>
+  <p:timing>
+    <p:tnLst>
+      <p:par>
+        <p:cTn id="1" dur="indefinite" restart="never" nodeType="tmRoot"/>
+      </p:par>
+    </p:tnLst>
+  </p:timing>
 </p:sld>
 </file>
 
@@ -39621,6 +40156,13 @@
   <p:clrMapOvr>
     <a:masterClrMapping/>
   </p:clrMapOvr>
+  <p:timing>
+    <p:tnLst>
+      <p:par>
+        <p:cTn id="1" dur="indefinite" restart="never" nodeType="tmRoot"/>
+      </p:par>
+    </p:tnLst>
+  </p:timing>
 </p:sld>
 </file>
 
